--- a/The Impact of Economic Indicators on National Income.pptx
+++ b/The Impact of Economic Indicators on National Income.pptx
@@ -5,7 +5,7 @@
     <p:sldMasterId id="2147483780" r:id="rId1"/>
   </p:sldMasterIdLst>
   <p:notesMasterIdLst>
-    <p:notesMasterId r:id="rId21"/>
+    <p:notesMasterId r:id="rId22"/>
   </p:notesMasterIdLst>
   <p:sldIdLst>
     <p:sldId id="257" r:id="rId2"/>
@@ -27,6 +27,7 @@
     <p:sldId id="269" r:id="rId18"/>
     <p:sldId id="270" r:id="rId19"/>
     <p:sldId id="271" r:id="rId20"/>
+    <p:sldId id="281" r:id="rId21"/>
   </p:sldIdLst>
   <p:sldSz cx="12192000" cy="6858000"/>
   <p:notesSz cx="6858000" cy="9144000"/>
@@ -133,20 +134,12 @@
 </p:presentation>
 </file>
 
-<file path=ppt/revisionInfo.xml><?xml version="1.0" encoding="utf-8"?>
-<p1510:revInfo xmlns:a="http://schemas.openxmlformats.org/drawingml/2006/main" xmlns:r="http://schemas.openxmlformats.org/officeDocument/2006/relationships" xmlns:p1510="http://schemas.microsoft.com/office/powerpoint/2015/10/main">
-  <p1510:revLst>
-    <p1510:client id="{CB2C5E0F-84DA-429C-A119-4866B5A7B6E4}" v="38" dt="2025-04-29T06:11:54.495"/>
-  </p1510:revLst>
-</p1510:revInfo>
-</file>
-
 <file path=ppt/changesInfos/changesInfo1.xml><?xml version="1.0" encoding="utf-8"?>
 <pc:chgInfo xmlns:a="http://schemas.openxmlformats.org/drawingml/2006/main" xmlns:r="http://schemas.openxmlformats.org/officeDocument/2006/relationships" xmlns:ac="http://schemas.microsoft.com/office/drawing/2013/main/command" xmlns:pc="http://schemas.microsoft.com/office/powerpoint/2013/main/command">
   <pc:docChgLst>
     <pc:chgData name="Ida Karimi" userId="d7eef2209f19379e" providerId="LiveId" clId="{CB2C5E0F-84DA-429C-A119-4866B5A7B6E4}"/>
     <pc:docChg chg="undo redo custSel addSld delSld modSld sldOrd">
-      <pc:chgData name="Ida Karimi" userId="d7eef2209f19379e" providerId="LiveId" clId="{CB2C5E0F-84DA-429C-A119-4866B5A7B6E4}" dt="2025-04-29T07:07:55.796" v="1527" actId="20577"/>
+      <pc:chgData name="Ida Karimi" userId="d7eef2209f19379e" providerId="LiveId" clId="{CB2C5E0F-84DA-429C-A119-4866B5A7B6E4}" dt="2025-05-05T04:02:17.232" v="1909"/>
       <pc:docMkLst>
         <pc:docMk/>
       </pc:docMkLst>
@@ -158,42 +151,18 @@
         </pc:sldMkLst>
       </pc:sldChg>
       <pc:sldChg chg="modNotesTx">
-        <pc:chgData name="Ida Karimi" userId="d7eef2209f19379e" providerId="LiveId" clId="{CB2C5E0F-84DA-429C-A119-4866B5A7B6E4}" dt="2025-04-28T05:37:37.974" v="256"/>
+        <pc:chgData name="Ida Karimi" userId="d7eef2209f19379e" providerId="LiveId" clId="{CB2C5E0F-84DA-429C-A119-4866B5A7B6E4}" dt="2025-05-04T21:43:51.509" v="1543" actId="20577"/>
         <pc:sldMkLst>
           <pc:docMk/>
           <pc:sldMk cId="3374577985" sldId="258"/>
         </pc:sldMkLst>
       </pc:sldChg>
       <pc:sldChg chg="addSp delSp modSp mod modNotesTx">
-        <pc:chgData name="Ida Karimi" userId="d7eef2209f19379e" providerId="LiveId" clId="{CB2C5E0F-84DA-429C-A119-4866B5A7B6E4}" dt="2025-04-28T06:59:57.330" v="340" actId="20577"/>
+        <pc:chgData name="Ida Karimi" userId="d7eef2209f19379e" providerId="LiveId" clId="{CB2C5E0F-84DA-429C-A119-4866B5A7B6E4}" dt="2025-05-04T22:31:04.144" v="1579" actId="20577"/>
         <pc:sldMkLst>
           <pc:docMk/>
           <pc:sldMk cId="1497033136" sldId="259"/>
         </pc:sldMkLst>
-        <pc:spChg chg="del">
-          <ac:chgData name="Ida Karimi" userId="d7eef2209f19379e" providerId="LiveId" clId="{CB2C5E0F-84DA-429C-A119-4866B5A7B6E4}" dt="2025-04-28T05:40:00.322" v="257" actId="478"/>
-          <ac:spMkLst>
-            <pc:docMk/>
-            <pc:sldMk cId="1497033136" sldId="259"/>
-            <ac:spMk id="3" creationId="{CA594B07-614B-BFF8-3F1C-41F3F771388B}"/>
-          </ac:spMkLst>
-        </pc:spChg>
-        <pc:picChg chg="add del mod">
-          <ac:chgData name="Ida Karimi" userId="d7eef2209f19379e" providerId="LiveId" clId="{CB2C5E0F-84DA-429C-A119-4866B5A7B6E4}" dt="2025-04-28T06:11:52.557" v="289" actId="478"/>
-          <ac:picMkLst>
-            <pc:docMk/>
-            <pc:sldMk cId="1497033136" sldId="259"/>
-            <ac:picMk id="2" creationId="{4A7D8852-75BD-CD27-229D-66C13199392F}"/>
-          </ac:picMkLst>
-        </pc:picChg>
-        <pc:picChg chg="add">
-          <ac:chgData name="Ida Karimi" userId="d7eef2209f19379e" providerId="LiveId" clId="{CB2C5E0F-84DA-429C-A119-4866B5A7B6E4}" dt="2025-04-28T06:33:39.052" v="293"/>
-          <ac:picMkLst>
-            <pc:docMk/>
-            <pc:sldMk cId="1497033136" sldId="259"/>
-            <ac:picMk id="4" creationId="{1D95E753-C8C1-3883-510D-689FAC400AF3}"/>
-          </ac:picMkLst>
-        </pc:picChg>
         <pc:picChg chg="add mod">
           <ac:chgData name="Ida Karimi" userId="d7eef2209f19379e" providerId="LiveId" clId="{CB2C5E0F-84DA-429C-A119-4866B5A7B6E4}" dt="2025-04-28T06:35:48.732" v="299" actId="1076"/>
           <ac:picMkLst>
@@ -203,8 +172,8 @@
           </ac:picMkLst>
         </pc:picChg>
       </pc:sldChg>
-      <pc:sldChg chg="add ord">
-        <pc:chgData name="Ida Karimi" userId="d7eef2209f19379e" providerId="LiveId" clId="{CB2C5E0F-84DA-429C-A119-4866B5A7B6E4}" dt="2025-04-28T06:13:45.892" v="292"/>
+      <pc:sldChg chg="add ord modNotesTx">
+        <pc:chgData name="Ida Karimi" userId="d7eef2209f19379e" providerId="LiveId" clId="{CB2C5E0F-84DA-429C-A119-4866B5A7B6E4}" dt="2025-05-04T22:12:58.067" v="1562" actId="12"/>
         <pc:sldMkLst>
           <pc:docMk/>
           <pc:sldMk cId="3802412961" sldId="260"/>
@@ -217,14 +186,6 @@
           <pc:sldMk cId="2356903418" sldId="261"/>
         </pc:sldMkLst>
         <pc:picChg chg="add mod">
-          <ac:chgData name="Ida Karimi" userId="d7eef2209f19379e" providerId="LiveId" clId="{CB2C5E0F-84DA-429C-A119-4866B5A7B6E4}" dt="2025-04-28T06:49:37.500" v="304"/>
-          <ac:picMkLst>
-            <pc:docMk/>
-            <pc:sldMk cId="2356903418" sldId="261"/>
-            <ac:picMk id="2" creationId="{72816E35-E722-9615-32E8-130CC11966EB}"/>
-          </ac:picMkLst>
-        </pc:picChg>
-        <pc:picChg chg="add mod">
           <ac:chgData name="Ida Karimi" userId="d7eef2209f19379e" providerId="LiveId" clId="{CB2C5E0F-84DA-429C-A119-4866B5A7B6E4}" dt="2025-04-28T06:49:57.982" v="309" actId="1076"/>
           <ac:picMkLst>
             <pc:docMk/>
@@ -234,7 +195,7 @@
         </pc:picChg>
       </pc:sldChg>
       <pc:sldChg chg="addSp modSp add mod ord modNotesTx">
-        <pc:chgData name="Ida Karimi" userId="d7eef2209f19379e" providerId="LiveId" clId="{CB2C5E0F-84DA-429C-A119-4866B5A7B6E4}" dt="2025-04-28T06:59:11.981" v="335"/>
+        <pc:chgData name="Ida Karimi" userId="d7eef2209f19379e" providerId="LiveId" clId="{CB2C5E0F-84DA-429C-A119-4866B5A7B6E4}" dt="2025-05-05T03:35:39.792" v="1905"/>
         <pc:sldMkLst>
           <pc:docMk/>
           <pc:sldMk cId="3726169834" sldId="262"/>
@@ -249,7 +210,7 @@
         </pc:picChg>
       </pc:sldChg>
       <pc:sldChg chg="addSp modSp add mod ord modNotesTx">
-        <pc:chgData name="Ida Karimi" userId="d7eef2209f19379e" providerId="LiveId" clId="{CB2C5E0F-84DA-429C-A119-4866B5A7B6E4}" dt="2025-04-28T07:19:39.824" v="420" actId="20577"/>
+        <pc:chgData name="Ida Karimi" userId="d7eef2209f19379e" providerId="LiveId" clId="{CB2C5E0F-84DA-429C-A119-4866B5A7B6E4}" dt="2025-05-05T00:55:22.149" v="1589" actId="20577"/>
         <pc:sldMkLst>
           <pc:docMk/>
           <pc:sldMk cId="60489977" sldId="263"/>
@@ -300,14 +261,6 @@
           <pc:docMk/>
           <pc:sldMk cId="3305376349" sldId="265"/>
         </pc:sldMkLst>
-        <pc:spChg chg="add del mod">
-          <ac:chgData name="Ida Karimi" userId="d7eef2209f19379e" providerId="LiveId" clId="{CB2C5E0F-84DA-429C-A119-4866B5A7B6E4}" dt="2025-04-28T07:24:56.913" v="443"/>
-          <ac:spMkLst>
-            <pc:docMk/>
-            <pc:sldMk cId="3305376349" sldId="265"/>
-            <ac:spMk id="3" creationId="{7772A188-E24C-DF8C-97AE-E32D54FF35D9}"/>
-          </ac:spMkLst>
-        </pc:spChg>
         <pc:spChg chg="add mod">
           <ac:chgData name="Ida Karimi" userId="d7eef2209f19379e" providerId="LiveId" clId="{CB2C5E0F-84DA-429C-A119-4866B5A7B6E4}" dt="2025-04-28T08:36:20.652" v="1072" actId="108"/>
           <ac:spMkLst>
@@ -331,14 +284,6 @@
           <pc:docMk/>
           <pc:sldMk cId="928445037" sldId="266"/>
         </pc:sldMkLst>
-        <pc:spChg chg="add del mod">
-          <ac:chgData name="Ida Karimi" userId="d7eef2209f19379e" providerId="LiveId" clId="{CB2C5E0F-84DA-429C-A119-4866B5A7B6E4}" dt="2025-04-28T07:31:07.800" v="457"/>
-          <ac:spMkLst>
-            <pc:docMk/>
-            <pc:sldMk cId="928445037" sldId="266"/>
-            <ac:spMk id="3" creationId="{B53F5CD2-2C94-050B-89BE-11557286DDE0}"/>
-          </ac:spMkLst>
-        </pc:spChg>
         <pc:spChg chg="add mod">
           <ac:chgData name="Ida Karimi" userId="d7eef2209f19379e" providerId="LiveId" clId="{CB2C5E0F-84DA-429C-A119-4866B5A7B6E4}" dt="2025-04-28T08:35:59.296" v="1063" actId="108"/>
           <ac:spMkLst>
@@ -378,14 +323,6 @@
             <ac:spMk id="5" creationId="{514BE47A-36AB-C6C2-BFCD-6048F5941352}"/>
           </ac:spMkLst>
         </pc:spChg>
-        <pc:picChg chg="del">
-          <ac:chgData name="Ida Karimi" userId="d7eef2209f19379e" providerId="LiveId" clId="{CB2C5E0F-84DA-429C-A119-4866B5A7B6E4}" dt="2025-04-28T07:31:19.638" v="459" actId="478"/>
-          <ac:picMkLst>
-            <pc:docMk/>
-            <pc:sldMk cId="1260849256" sldId="267"/>
-            <ac:picMk id="2" creationId="{372CE34D-72BF-B00D-C061-E2EA05263605}"/>
-          </ac:picMkLst>
-        </pc:picChg>
         <pc:picChg chg="add mod">
           <ac:chgData name="Ida Karimi" userId="d7eef2209f19379e" providerId="LiveId" clId="{CB2C5E0F-84DA-429C-A119-4866B5A7B6E4}" dt="2025-04-28T07:45:31.584" v="570" actId="1076"/>
           <ac:picMkLst>
@@ -396,13 +333,13 @@
         </pc:picChg>
       </pc:sldChg>
       <pc:sldChg chg="addSp delSp modSp add mod modNotesTx">
-        <pc:chgData name="Ida Karimi" userId="d7eef2209f19379e" providerId="LiveId" clId="{CB2C5E0F-84DA-429C-A119-4866B5A7B6E4}" dt="2025-04-29T06:22:15.459" v="1293" actId="20577"/>
+        <pc:chgData name="Ida Karimi" userId="d7eef2209f19379e" providerId="LiveId" clId="{CB2C5E0F-84DA-429C-A119-4866B5A7B6E4}" dt="2025-05-05T00:57:22.397" v="1609" actId="20577"/>
         <pc:sldMkLst>
           <pc:docMk/>
           <pc:sldMk cId="2455358762" sldId="268"/>
         </pc:sldMkLst>
         <pc:spChg chg="add mod">
-          <ac:chgData name="Ida Karimi" userId="d7eef2209f19379e" providerId="LiveId" clId="{CB2C5E0F-84DA-429C-A119-4866B5A7B6E4}" dt="2025-04-28T07:59:41.786" v="816" actId="403"/>
+          <ac:chgData name="Ida Karimi" userId="d7eef2209f19379e" providerId="LiveId" clId="{CB2C5E0F-84DA-429C-A119-4866B5A7B6E4}" dt="2025-05-05T00:57:22.397" v="1609" actId="20577"/>
           <ac:spMkLst>
             <pc:docMk/>
             <pc:sldMk cId="2455358762" sldId="268"/>
@@ -417,14 +354,6 @@
             <ac:picMk id="2" creationId="{26DDEA9B-2F00-C1A9-4105-7CC0D64B5910}"/>
           </ac:picMkLst>
         </pc:picChg>
-        <pc:picChg chg="add del mod">
-          <ac:chgData name="Ida Karimi" userId="d7eef2209f19379e" providerId="LiveId" clId="{CB2C5E0F-84DA-429C-A119-4866B5A7B6E4}" dt="2025-04-28T08:10:23.030" v="908" actId="21"/>
-          <ac:picMkLst>
-            <pc:docMk/>
-            <pc:sldMk cId="2455358762" sldId="268"/>
-            <ac:picMk id="4" creationId="{AB40E979-F111-5AD2-EE38-07F9E0150FF2}"/>
-          </ac:picMkLst>
-        </pc:picChg>
         <pc:picChg chg="add mod">
           <ac:chgData name="Ida Karimi" userId="d7eef2209f19379e" providerId="LiveId" clId="{CB2C5E0F-84DA-429C-A119-4866B5A7B6E4}" dt="2025-04-28T08:12:12.974" v="925" actId="14100"/>
           <ac:picMkLst>
@@ -434,12 +363,20 @@
           </ac:picMkLst>
         </pc:picChg>
       </pc:sldChg>
-      <pc:sldChg chg="addSp modSp add mod modNotesTx">
-        <pc:chgData name="Ida Karimi" userId="d7eef2209f19379e" providerId="LiveId" clId="{CB2C5E0F-84DA-429C-A119-4866B5A7B6E4}" dt="2025-04-29T06:46:49.565" v="1410" actId="20577"/>
+      <pc:sldChg chg="addSp delSp modSp add mod modNotesTx">
+        <pc:chgData name="Ida Karimi" userId="d7eef2209f19379e" providerId="LiveId" clId="{CB2C5E0F-84DA-429C-A119-4866B5A7B6E4}" dt="2025-05-05T03:17:23.587" v="1800" actId="20577"/>
         <pc:sldMkLst>
           <pc:docMk/>
           <pc:sldMk cId="3927439634" sldId="269"/>
         </pc:sldMkLst>
+        <pc:spChg chg="add del">
+          <ac:chgData name="Ida Karimi" userId="d7eef2209f19379e" providerId="LiveId" clId="{CB2C5E0F-84DA-429C-A119-4866B5A7B6E4}" dt="2025-05-05T01:43:40.285" v="1728" actId="22"/>
+          <ac:spMkLst>
+            <pc:docMk/>
+            <pc:sldMk cId="3927439634" sldId="269"/>
+            <ac:spMk id="4" creationId="{044EF640-59E5-7FC7-C360-C3DE61D7DD8B}"/>
+          </ac:spMkLst>
+        </pc:spChg>
         <pc:spChg chg="add mod">
           <ac:chgData name="Ida Karimi" userId="d7eef2209f19379e" providerId="LiveId" clId="{CB2C5E0F-84DA-429C-A119-4866B5A7B6E4}" dt="2025-04-28T08:24:30.260" v="983" actId="1076"/>
           <ac:spMkLst>
@@ -474,7 +411,7 @@
         </pc:picChg>
       </pc:sldChg>
       <pc:sldChg chg="addSp modSp add mod modNotesTx">
-        <pc:chgData name="Ida Karimi" userId="d7eef2209f19379e" providerId="LiveId" clId="{CB2C5E0F-84DA-429C-A119-4866B5A7B6E4}" dt="2025-04-29T07:04:51.002" v="1525" actId="20577"/>
+        <pc:chgData name="Ida Karimi" userId="d7eef2209f19379e" providerId="LiveId" clId="{CB2C5E0F-84DA-429C-A119-4866B5A7B6E4}" dt="2025-05-05T03:22:38.428" v="1816" actId="20577"/>
         <pc:sldMkLst>
           <pc:docMk/>
           <pc:sldMk cId="2245248144" sldId="270"/>
@@ -487,23 +424,15 @@
             <ac:spMk id="3" creationId="{06C857CA-F7E0-2014-A24E-64C671B3D9A8}"/>
           </ac:spMkLst>
         </pc:spChg>
-        <pc:picChg chg="add mod">
-          <ac:chgData name="Ida Karimi" userId="d7eef2209f19379e" providerId="LiveId" clId="{CB2C5E0F-84DA-429C-A119-4866B5A7B6E4}" dt="2025-04-28T08:47:37.855" v="1107" actId="1076"/>
-          <ac:picMkLst>
-            <pc:docMk/>
-            <pc:sldMk cId="2245248144" sldId="270"/>
-            <ac:picMk id="2" creationId="{AB5A5B33-F655-B420-1F43-4F3F6494BB2A}"/>
-          </ac:picMkLst>
-        </pc:picChg>
       </pc:sldChg>
       <pc:sldChg chg="addSp modSp add mod modNotesTx">
-        <pc:chgData name="Ida Karimi" userId="d7eef2209f19379e" providerId="LiveId" clId="{CB2C5E0F-84DA-429C-A119-4866B5A7B6E4}" dt="2025-04-29T07:07:55.796" v="1527" actId="20577"/>
+        <pc:chgData name="Ida Karimi" userId="d7eef2209f19379e" providerId="LiveId" clId="{CB2C5E0F-84DA-429C-A119-4866B5A7B6E4}" dt="2025-05-05T04:02:17.232" v="1909"/>
         <pc:sldMkLst>
           <pc:docMk/>
           <pc:sldMk cId="967278516" sldId="271"/>
         </pc:sldMkLst>
         <pc:spChg chg="add mod">
-          <ac:chgData name="Ida Karimi" userId="d7eef2209f19379e" providerId="LiveId" clId="{CB2C5E0F-84DA-429C-A119-4866B5A7B6E4}" dt="2025-04-28T08:35:03.712" v="1060" actId="1076"/>
+          <ac:chgData name="Ida Karimi" userId="d7eef2209f19379e" providerId="LiveId" clId="{CB2C5E0F-84DA-429C-A119-4866B5A7B6E4}" dt="2025-05-05T01:56:19.458" v="1749" actId="1076"/>
           <ac:spMkLst>
             <pc:docMk/>
             <pc:sldMk cId="967278516" sldId="271"/>
@@ -511,7 +440,7 @@
           </ac:spMkLst>
         </pc:spChg>
         <pc:spChg chg="add mod">
-          <ac:chgData name="Ida Karimi" userId="d7eef2209f19379e" providerId="LiveId" clId="{CB2C5E0F-84DA-429C-A119-4866B5A7B6E4}" dt="2025-04-28T08:44:27.524" v="1104" actId="1076"/>
+          <ac:chgData name="Ida Karimi" userId="d7eef2209f19379e" providerId="LiveId" clId="{CB2C5E0F-84DA-429C-A119-4866B5A7B6E4}" dt="2025-05-05T02:08:30.839" v="1752" actId="1076"/>
           <ac:spMkLst>
             <pc:docMk/>
             <pc:sldMk cId="967278516" sldId="271"/>
@@ -555,49 +484,25 @@
         </pc:sldMkLst>
       </pc:sldChg>
       <pc:sldChg chg="addSp delSp modSp add mod modNotesTx">
-        <pc:chgData name="Ida Karimi" userId="d7eef2209f19379e" providerId="LiveId" clId="{CB2C5E0F-84DA-429C-A119-4866B5A7B6E4}" dt="2025-04-29T06:24:59.851" v="1309" actId="20577"/>
+        <pc:chgData name="Ida Karimi" userId="d7eef2209f19379e" providerId="LiveId" clId="{CB2C5E0F-84DA-429C-A119-4866B5A7B6E4}" dt="2025-05-05T00:57:02.935" v="1607" actId="20577"/>
         <pc:sldMkLst>
           <pc:docMk/>
           <pc:sldMk cId="3207915086" sldId="277"/>
         </pc:sldMkLst>
         <pc:spChg chg="mod">
-          <ac:chgData name="Ida Karimi" userId="d7eef2209f19379e" providerId="LiveId" clId="{CB2C5E0F-84DA-429C-A119-4866B5A7B6E4}" dt="2025-04-28T08:02:41.867" v="852" actId="20577"/>
+          <ac:chgData name="Ida Karimi" userId="d7eef2209f19379e" providerId="LiveId" clId="{CB2C5E0F-84DA-429C-A119-4866B5A7B6E4}" dt="2025-05-05T00:57:02.935" v="1607" actId="20577"/>
           <ac:spMkLst>
             <pc:docMk/>
             <pc:sldMk cId="3207915086" sldId="277"/>
             <ac:spMk id="5" creationId="{628E4F6D-975C-EA6F-74BC-0C63E4904393}"/>
           </ac:spMkLst>
         </pc:spChg>
-        <pc:picChg chg="del">
-          <ac:chgData name="Ida Karimi" userId="d7eef2209f19379e" providerId="LiveId" clId="{CB2C5E0F-84DA-429C-A119-4866B5A7B6E4}" dt="2025-04-28T08:01:00.960" v="824" actId="478"/>
-          <ac:picMkLst>
-            <pc:docMk/>
-            <pc:sldMk cId="3207915086" sldId="277"/>
-            <ac:picMk id="2" creationId="{7D441D86-4018-C28A-9B70-32B4C4E40380}"/>
-          </ac:picMkLst>
-        </pc:picChg>
-        <pc:picChg chg="del">
-          <ac:chgData name="Ida Karimi" userId="d7eef2209f19379e" providerId="LiveId" clId="{CB2C5E0F-84DA-429C-A119-4866B5A7B6E4}" dt="2025-04-28T08:01:46.439" v="831" actId="478"/>
-          <ac:picMkLst>
-            <pc:docMk/>
-            <pc:sldMk cId="3207915086" sldId="277"/>
-            <ac:picMk id="4" creationId="{7744B1A9-C7F3-C5E2-8A1A-66092F26C183}"/>
-          </ac:picMkLst>
-        </pc:picChg>
         <pc:picChg chg="add mod">
           <ac:chgData name="Ida Karimi" userId="d7eef2209f19379e" providerId="LiveId" clId="{CB2C5E0F-84DA-429C-A119-4866B5A7B6E4}" dt="2025-04-28T08:11:24.612" v="919" actId="14100"/>
           <ac:picMkLst>
             <pc:docMk/>
             <pc:sldMk cId="3207915086" sldId="277"/>
             <ac:picMk id="6" creationId="{4DD05DE3-8713-450C-6EF0-5CBA5BF40015}"/>
-          </ac:picMkLst>
-        </pc:picChg>
-        <pc:picChg chg="add del mod">
-          <ac:chgData name="Ida Karimi" userId="d7eef2209f19379e" providerId="LiveId" clId="{CB2C5E0F-84DA-429C-A119-4866B5A7B6E4}" dt="2025-04-28T08:09:59.549" v="904" actId="21"/>
-          <ac:picMkLst>
-            <pc:docMk/>
-            <pc:sldMk cId="3207915086" sldId="277"/>
-            <ac:picMk id="8" creationId="{C77C43BD-7715-C516-20F5-4F8323659CE0}"/>
           </ac:picMkLst>
         </pc:picChg>
         <pc:picChg chg="add mod">
@@ -610,49 +515,25 @@
         </pc:picChg>
       </pc:sldChg>
       <pc:sldChg chg="addSp delSp modSp add mod modNotesTx">
-        <pc:chgData name="Ida Karimi" userId="d7eef2209f19379e" providerId="LiveId" clId="{CB2C5E0F-84DA-429C-A119-4866B5A7B6E4}" dt="2025-04-29T06:30:26.035" v="1323" actId="20577"/>
+        <pc:chgData name="Ida Karimi" userId="d7eef2209f19379e" providerId="LiveId" clId="{CB2C5E0F-84DA-429C-A119-4866B5A7B6E4}" dt="2025-05-05T03:44:10.356" v="1907" actId="20577"/>
         <pc:sldMkLst>
           <pc:docMk/>
           <pc:sldMk cId="3861069786" sldId="278"/>
         </pc:sldMkLst>
         <pc:spChg chg="mod">
-          <ac:chgData name="Ida Karimi" userId="d7eef2209f19379e" providerId="LiveId" clId="{CB2C5E0F-84DA-429C-A119-4866B5A7B6E4}" dt="2025-04-28T08:04:55.259" v="885" actId="20577"/>
+          <ac:chgData name="Ida Karimi" userId="d7eef2209f19379e" providerId="LiveId" clId="{CB2C5E0F-84DA-429C-A119-4866B5A7B6E4}" dt="2025-05-05T00:57:47.311" v="1613" actId="20577"/>
           <ac:spMkLst>
             <pc:docMk/>
             <pc:sldMk cId="3861069786" sldId="278"/>
             <ac:spMk id="5" creationId="{4457D14D-9084-6879-D2AF-592566F0480A}"/>
           </ac:spMkLst>
         </pc:spChg>
-        <pc:picChg chg="del">
-          <ac:chgData name="Ida Karimi" userId="d7eef2209f19379e" providerId="LiveId" clId="{CB2C5E0F-84DA-429C-A119-4866B5A7B6E4}" dt="2025-04-28T08:03:00.426" v="853" actId="478"/>
-          <ac:picMkLst>
-            <pc:docMk/>
-            <pc:sldMk cId="3861069786" sldId="278"/>
-            <ac:picMk id="2" creationId="{885531FE-7F89-74B1-8C1D-5C8F0CF652D7}"/>
-          </ac:picMkLst>
-        </pc:picChg>
-        <pc:picChg chg="del">
-          <ac:chgData name="Ida Karimi" userId="d7eef2209f19379e" providerId="LiveId" clId="{CB2C5E0F-84DA-429C-A119-4866B5A7B6E4}" dt="2025-04-28T08:03:27.272" v="860" actId="478"/>
-          <ac:picMkLst>
-            <pc:docMk/>
-            <pc:sldMk cId="3861069786" sldId="278"/>
-            <ac:picMk id="4" creationId="{ABDB635E-1A0D-C1BA-C7DC-F901266CAB0E}"/>
-          </ac:picMkLst>
-        </pc:picChg>
         <pc:picChg chg="add mod">
           <ac:chgData name="Ida Karimi" userId="d7eef2209f19379e" providerId="LiveId" clId="{CB2C5E0F-84DA-429C-A119-4866B5A7B6E4}" dt="2025-04-28T08:04:44.958" v="872" actId="1076"/>
           <ac:picMkLst>
             <pc:docMk/>
             <pc:sldMk cId="3861069786" sldId="278"/>
             <ac:picMk id="6" creationId="{1CDB0B1F-C83E-FDED-1B71-FE1DF4D9AC8A}"/>
-          </ac:picMkLst>
-        </pc:picChg>
-        <pc:picChg chg="add del mod">
-          <ac:chgData name="Ida Karimi" userId="d7eef2209f19379e" providerId="LiveId" clId="{CB2C5E0F-84DA-429C-A119-4866B5A7B6E4}" dt="2025-04-28T08:09:08.926" v="893" actId="21"/>
-          <ac:picMkLst>
-            <pc:docMk/>
-            <pc:sldMk cId="3861069786" sldId="278"/>
-            <ac:picMk id="8" creationId="{308B8C11-5227-701B-E573-65367FE92DA7}"/>
           </ac:picMkLst>
         </pc:picChg>
         <pc:picChg chg="add mod">
@@ -665,35 +546,19 @@
         </pc:picChg>
       </pc:sldChg>
       <pc:sldChg chg="addSp delSp modSp add mod modNotesTx">
-        <pc:chgData name="Ida Karimi" userId="d7eef2209f19379e" providerId="LiveId" clId="{CB2C5E0F-84DA-429C-A119-4866B5A7B6E4}" dt="2025-04-29T06:31:54.983" v="1334" actId="20577"/>
+        <pc:chgData name="Ida Karimi" userId="d7eef2209f19379e" providerId="LiveId" clId="{CB2C5E0F-84DA-429C-A119-4866B5A7B6E4}" dt="2025-05-05T03:58:15.135" v="1908" actId="20577"/>
         <pc:sldMkLst>
           <pc:docMk/>
           <pc:sldMk cId="1588581424" sldId="279"/>
         </pc:sldMkLst>
         <pc:spChg chg="mod">
-          <ac:chgData name="Ida Karimi" userId="d7eef2209f19379e" providerId="LiveId" clId="{CB2C5E0F-84DA-429C-A119-4866B5A7B6E4}" dt="2025-04-28T08:09:34.535" v="903" actId="20577"/>
+          <ac:chgData name="Ida Karimi" userId="d7eef2209f19379e" providerId="LiveId" clId="{CB2C5E0F-84DA-429C-A119-4866B5A7B6E4}" dt="2025-05-05T00:58:10.911" v="1617" actId="20577"/>
           <ac:spMkLst>
             <pc:docMk/>
             <pc:sldMk cId="1588581424" sldId="279"/>
             <ac:spMk id="5" creationId="{9C6E8FB3-CE4B-C2CB-A243-69271F6B3686}"/>
           </ac:spMkLst>
         </pc:spChg>
-        <pc:picChg chg="del">
-          <ac:chgData name="Ida Karimi" userId="d7eef2209f19379e" providerId="LiveId" clId="{CB2C5E0F-84DA-429C-A119-4866B5A7B6E4}" dt="2025-04-28T08:05:14.698" v="886" actId="478"/>
-          <ac:picMkLst>
-            <pc:docMk/>
-            <pc:sldMk cId="1588581424" sldId="279"/>
-            <ac:picMk id="2" creationId="{17DC6196-ED1F-7106-2463-DFA506777063}"/>
-          </ac:picMkLst>
-        </pc:picChg>
-        <pc:picChg chg="del mod">
-          <ac:chgData name="Ida Karimi" userId="d7eef2209f19379e" providerId="LiveId" clId="{CB2C5E0F-84DA-429C-A119-4866B5A7B6E4}" dt="2025-04-28T08:05:40.964" v="892" actId="478"/>
-          <ac:picMkLst>
-            <pc:docMk/>
-            <pc:sldMk cId="1588581424" sldId="279"/>
-            <ac:picMk id="4" creationId="{9A9B2CBC-0934-00EE-D6B4-6A8E2E82A67B}"/>
-          </ac:picMkLst>
-        </pc:picChg>
         <pc:picChg chg="add mod">
           <ac:chgData name="Ida Karimi" userId="d7eef2209f19379e" providerId="LiveId" clId="{CB2C5E0F-84DA-429C-A119-4866B5A7B6E4}" dt="2025-04-28T08:13:27.698" v="931" actId="14100"/>
           <ac:picMkLst>
@@ -712,35 +577,19 @@
         </pc:picChg>
       </pc:sldChg>
       <pc:sldChg chg="addSp delSp modSp add mod modNotesTx">
-        <pc:chgData name="Ida Karimi" userId="d7eef2209f19379e" providerId="LiveId" clId="{CB2C5E0F-84DA-429C-A119-4866B5A7B6E4}" dt="2025-04-29T06:33:17.333" v="1339" actId="20577"/>
+        <pc:chgData name="Ida Karimi" userId="d7eef2209f19379e" providerId="LiveId" clId="{CB2C5E0F-84DA-429C-A119-4866B5A7B6E4}" dt="2025-05-05T01:24:57.641" v="1647" actId="20577"/>
         <pc:sldMkLst>
           <pc:docMk/>
           <pc:sldMk cId="1407944995" sldId="280"/>
         </pc:sldMkLst>
         <pc:spChg chg="mod">
-          <ac:chgData name="Ida Karimi" userId="d7eef2209f19379e" providerId="LiveId" clId="{CB2C5E0F-84DA-429C-A119-4866B5A7B6E4}" dt="2025-04-28T08:16:04.152" v="965" actId="20577"/>
+          <ac:chgData name="Ida Karimi" userId="d7eef2209f19379e" providerId="LiveId" clId="{CB2C5E0F-84DA-429C-A119-4866B5A7B6E4}" dt="2025-05-05T00:58:44.622" v="1625" actId="20577"/>
           <ac:spMkLst>
             <pc:docMk/>
             <pc:sldMk cId="1407944995" sldId="280"/>
             <ac:spMk id="5" creationId="{B83A070F-B99B-8D42-2675-177306B83FEC}"/>
           </ac:spMkLst>
         </pc:spChg>
-        <pc:picChg chg="del">
-          <ac:chgData name="Ida Karimi" userId="d7eef2209f19379e" providerId="LiveId" clId="{CB2C5E0F-84DA-429C-A119-4866B5A7B6E4}" dt="2025-04-28T08:14:19.770" v="936" actId="478"/>
-          <ac:picMkLst>
-            <pc:docMk/>
-            <pc:sldMk cId="1407944995" sldId="280"/>
-            <ac:picMk id="2" creationId="{1FA7AD03-5262-A9C7-2515-B2336B245E9A}"/>
-          </ac:picMkLst>
-        </pc:picChg>
-        <pc:picChg chg="del">
-          <ac:chgData name="Ida Karimi" userId="d7eef2209f19379e" providerId="LiveId" clId="{CB2C5E0F-84DA-429C-A119-4866B5A7B6E4}" dt="2025-04-28T08:14:05.040" v="932" actId="478"/>
-          <ac:picMkLst>
-            <pc:docMk/>
-            <pc:sldMk cId="1407944995" sldId="280"/>
-            <ac:picMk id="4" creationId="{F153DE21-C75F-25AD-2D0C-1763C8D33434}"/>
-          </ac:picMkLst>
-        </pc:picChg>
         <pc:picChg chg="add mod">
           <ac:chgData name="Ida Karimi" userId="d7eef2209f19379e" providerId="LiveId" clId="{CB2C5E0F-84DA-429C-A119-4866B5A7B6E4}" dt="2025-04-28T08:15:37.767" v="949" actId="1076"/>
           <ac:picMkLst>
@@ -750,13 +599,170 @@
           </ac:picMkLst>
         </pc:picChg>
         <pc:picChg chg="add mod">
-          <ac:chgData name="Ida Karimi" userId="d7eef2209f19379e" providerId="LiveId" clId="{CB2C5E0F-84DA-429C-A119-4866B5A7B6E4}" dt="2025-04-28T08:15:14.829" v="946" actId="14100"/>
+          <ac:chgData name="Ida Karimi" userId="d7eef2209f19379e" providerId="LiveId" clId="{CB2C5E0F-84DA-429C-A119-4866B5A7B6E4}" dt="2025-05-05T00:59:06.668" v="1628" actId="1076"/>
           <ac:picMkLst>
             <pc:docMk/>
             <pc:sldMk cId="1407944995" sldId="280"/>
             <ac:picMk id="8" creationId="{BD1C39D0-AC7A-CCF1-E491-73AEF940785A}"/>
           </ac:picMkLst>
         </pc:picChg>
+      </pc:sldChg>
+      <pc:sldChg chg="add ord modNotesTx">
+        <pc:chgData name="Ida Karimi" userId="d7eef2209f19379e" providerId="LiveId" clId="{CB2C5E0F-84DA-429C-A119-4866B5A7B6E4}" dt="2025-05-05T02:13:29.637" v="1793" actId="20577"/>
+        <pc:sldMkLst>
+          <pc:docMk/>
+          <pc:sldMk cId="3490910208" sldId="281"/>
+        </pc:sldMkLst>
+      </pc:sldChg>
+      <pc:sldChg chg="new del">
+        <pc:chgData name="Ida Karimi" userId="d7eef2209f19379e" providerId="LiveId" clId="{CB2C5E0F-84DA-429C-A119-4866B5A7B6E4}" dt="2025-05-05T01:52:43.506" v="1743" actId="680"/>
+        <pc:sldMkLst>
+          <pc:docMk/>
+          <pc:sldMk cId="3700855877" sldId="281"/>
+        </pc:sldMkLst>
+      </pc:sldChg>
+    </pc:docChg>
+  </pc:docChgLst>
+  <pc:docChgLst>
+    <pc:chgData name="Ida Karimi" userId="d7eef2209f19379e" providerId="LiveId" clId="{47F72E51-4D61-4F19-AB60-4BF722FA253D}"/>
+    <pc:docChg chg="undo redo custSel modSld">
+      <pc:chgData name="Ida Karimi" userId="d7eef2209f19379e" providerId="LiveId" clId="{47F72E51-4D61-4F19-AB60-4BF722FA253D}" dt="2025-05-04T21:41:17.307" v="468" actId="12"/>
+      <pc:docMkLst>
+        <pc:docMk/>
+      </pc:docMkLst>
+      <pc:sldChg chg="modNotesTx">
+        <pc:chgData name="Ida Karimi" userId="d7eef2209f19379e" providerId="LiveId" clId="{47F72E51-4D61-4F19-AB60-4BF722FA253D}" dt="2025-05-04T21:17:39.963" v="392" actId="20577"/>
+        <pc:sldMkLst>
+          <pc:docMk/>
+          <pc:sldMk cId="3374577985" sldId="258"/>
+        </pc:sldMkLst>
+      </pc:sldChg>
+      <pc:sldChg chg="modNotesTx">
+        <pc:chgData name="Ida Karimi" userId="d7eef2209f19379e" providerId="LiveId" clId="{47F72E51-4D61-4F19-AB60-4BF722FA253D}" dt="2025-05-04T21:20:32.679" v="396" actId="12"/>
+        <pc:sldMkLst>
+          <pc:docMk/>
+          <pc:sldMk cId="1497033136" sldId="259"/>
+        </pc:sldMkLst>
+      </pc:sldChg>
+      <pc:sldChg chg="modNotesTx">
+        <pc:chgData name="Ida Karimi" userId="d7eef2209f19379e" providerId="LiveId" clId="{47F72E51-4D61-4F19-AB60-4BF722FA253D}" dt="2025-05-04T21:19:11.021" v="394" actId="20577"/>
+        <pc:sldMkLst>
+          <pc:docMk/>
+          <pc:sldMk cId="3802412961" sldId="260"/>
+        </pc:sldMkLst>
+      </pc:sldChg>
+      <pc:sldChg chg="modNotesTx">
+        <pc:chgData name="Ida Karimi" userId="d7eef2209f19379e" providerId="LiveId" clId="{47F72E51-4D61-4F19-AB60-4BF722FA253D}" dt="2025-05-04T21:22:56.952" v="409" actId="20577"/>
+        <pc:sldMkLst>
+          <pc:docMk/>
+          <pc:sldMk cId="2356903418" sldId="261"/>
+        </pc:sldMkLst>
+      </pc:sldChg>
+      <pc:sldChg chg="modNotesTx">
+        <pc:chgData name="Ida Karimi" userId="d7eef2209f19379e" providerId="LiveId" clId="{47F72E51-4D61-4F19-AB60-4BF722FA253D}" dt="2025-05-01T06:07:06.554" v="53" actId="20577"/>
+        <pc:sldMkLst>
+          <pc:docMk/>
+          <pc:sldMk cId="3726169834" sldId="262"/>
+        </pc:sldMkLst>
+      </pc:sldChg>
+      <pc:sldChg chg="modNotesTx">
+        <pc:chgData name="Ida Karimi" userId="d7eef2209f19379e" providerId="LiveId" clId="{47F72E51-4D61-4F19-AB60-4BF722FA253D}" dt="2025-05-04T21:30:54.639" v="448" actId="12"/>
+        <pc:sldMkLst>
+          <pc:docMk/>
+          <pc:sldMk cId="60489977" sldId="263"/>
+        </pc:sldMkLst>
+      </pc:sldChg>
+      <pc:sldChg chg="modNotesTx">
+        <pc:chgData name="Ida Karimi" userId="d7eef2209f19379e" providerId="LiveId" clId="{47F72E51-4D61-4F19-AB60-4BF722FA253D}" dt="2025-05-04T21:29:22.728" v="431" actId="12"/>
+        <pc:sldMkLst>
+          <pc:docMk/>
+          <pc:sldMk cId="1647207216" sldId="264"/>
+        </pc:sldMkLst>
+      </pc:sldChg>
+      <pc:sldChg chg="modNotesTx">
+        <pc:chgData name="Ida Karimi" userId="d7eef2209f19379e" providerId="LiveId" clId="{47F72E51-4D61-4F19-AB60-4BF722FA253D}" dt="2025-05-04T21:32:31.099" v="452" actId="12"/>
+        <pc:sldMkLst>
+          <pc:docMk/>
+          <pc:sldMk cId="3305376349" sldId="265"/>
+        </pc:sldMkLst>
+      </pc:sldChg>
+      <pc:sldChg chg="modNotesTx">
+        <pc:chgData name="Ida Karimi" userId="d7eef2209f19379e" providerId="LiveId" clId="{47F72E51-4D61-4F19-AB60-4BF722FA253D}" dt="2025-05-01T06:22:14.301" v="123" actId="20577"/>
+        <pc:sldMkLst>
+          <pc:docMk/>
+          <pc:sldMk cId="928445037" sldId="266"/>
+        </pc:sldMkLst>
+      </pc:sldChg>
+      <pc:sldChg chg="modNotesTx">
+        <pc:chgData name="Ida Karimi" userId="d7eef2209f19379e" providerId="LiveId" clId="{47F72E51-4D61-4F19-AB60-4BF722FA253D}" dt="2025-05-04T21:20:49.014" v="397" actId="12"/>
+        <pc:sldMkLst>
+          <pc:docMk/>
+          <pc:sldMk cId="1260849256" sldId="267"/>
+        </pc:sldMkLst>
+      </pc:sldChg>
+      <pc:sldChg chg="modNotesTx">
+        <pc:chgData name="Ida Karimi" userId="d7eef2209f19379e" providerId="LiveId" clId="{47F72E51-4D61-4F19-AB60-4BF722FA253D}" dt="2025-05-01T06:42:57.478" v="237" actId="20577"/>
+        <pc:sldMkLst>
+          <pc:docMk/>
+          <pc:sldMk cId="2455358762" sldId="268"/>
+        </pc:sldMkLst>
+      </pc:sldChg>
+      <pc:sldChg chg="modNotesTx">
+        <pc:chgData name="Ida Karimi" userId="d7eef2209f19379e" providerId="LiveId" clId="{47F72E51-4D61-4F19-AB60-4BF722FA253D}" dt="2025-05-04T21:33:44.736" v="454" actId="12"/>
+        <pc:sldMkLst>
+          <pc:docMk/>
+          <pc:sldMk cId="3927439634" sldId="269"/>
+        </pc:sldMkLst>
+      </pc:sldChg>
+      <pc:sldChg chg="addSp delSp modSp mod modNotesTx">
+        <pc:chgData name="Ida Karimi" userId="d7eef2209f19379e" providerId="LiveId" clId="{47F72E51-4D61-4F19-AB60-4BF722FA253D}" dt="2025-05-01T06:42:00.162" v="226" actId="20577"/>
+        <pc:sldMkLst>
+          <pc:docMk/>
+          <pc:sldMk cId="2245248144" sldId="270"/>
+        </pc:sldMkLst>
+        <pc:graphicFrameChg chg="add mod modGraphic">
+          <ac:chgData name="Ida Karimi" userId="d7eef2209f19379e" providerId="LiveId" clId="{47F72E51-4D61-4F19-AB60-4BF722FA253D}" dt="2025-05-01T06:40:50.896" v="159" actId="1076"/>
+          <ac:graphicFrameMkLst>
+            <pc:docMk/>
+            <pc:sldMk cId="2245248144" sldId="270"/>
+            <ac:graphicFrameMk id="5" creationId="{C7879071-81C5-EE1C-A95A-72CA4A82795C}"/>
+          </ac:graphicFrameMkLst>
+        </pc:graphicFrameChg>
+      </pc:sldChg>
+      <pc:sldChg chg="modNotesTx">
+        <pc:chgData name="Ida Karimi" userId="d7eef2209f19379e" providerId="LiveId" clId="{47F72E51-4D61-4F19-AB60-4BF722FA253D}" dt="2025-05-04T21:41:17.307" v="468" actId="12"/>
+        <pc:sldMkLst>
+          <pc:docMk/>
+          <pc:sldMk cId="967278516" sldId="271"/>
+        </pc:sldMkLst>
+      </pc:sldChg>
+      <pc:sldChg chg="modNotesTx">
+        <pc:chgData name="Ida Karimi" userId="d7eef2209f19379e" providerId="LiveId" clId="{47F72E51-4D61-4F19-AB60-4BF722FA253D}" dt="2025-05-01T06:44:43.741" v="253" actId="20577"/>
+        <pc:sldMkLst>
+          <pc:docMk/>
+          <pc:sldMk cId="3207915086" sldId="277"/>
+        </pc:sldMkLst>
+      </pc:sldChg>
+      <pc:sldChg chg="modNotesTx">
+        <pc:chgData name="Ida Karimi" userId="d7eef2209f19379e" providerId="LiveId" clId="{47F72E51-4D61-4F19-AB60-4BF722FA253D}" dt="2025-05-01T06:49:01.833" v="351" actId="113"/>
+        <pc:sldMkLst>
+          <pc:docMk/>
+          <pc:sldMk cId="3861069786" sldId="278"/>
+        </pc:sldMkLst>
+      </pc:sldChg>
+      <pc:sldChg chg="modNotesTx">
+        <pc:chgData name="Ida Karimi" userId="d7eef2209f19379e" providerId="LiveId" clId="{47F72E51-4D61-4F19-AB60-4BF722FA253D}" dt="2025-05-01T06:50:38.379" v="389" actId="20577"/>
+        <pc:sldMkLst>
+          <pc:docMk/>
+          <pc:sldMk cId="1588581424" sldId="279"/>
+        </pc:sldMkLst>
+      </pc:sldChg>
+      <pc:sldChg chg="modNotesTx">
+        <pc:chgData name="Ida Karimi" userId="d7eef2209f19379e" providerId="LiveId" clId="{47F72E51-4D61-4F19-AB60-4BF722FA253D}" dt="2025-05-01T06:52:03.635" v="390" actId="20577"/>
+        <pc:sldMkLst>
+          <pc:docMk/>
+          <pc:sldMk cId="1407944995" sldId="280"/>
+        </pc:sldMkLst>
       </pc:sldChg>
     </pc:docChg>
   </pc:docChgLst>
@@ -845,7 +851,7 @@
           <a:p>
             <a:fld id="{C25E9221-EBB3-4723-BE7E-CA9134825A8A}" type="datetimeFigureOut">
               <a:rPr lang="en-US" smtClean="0"/>
-              <a:t>4/28/2025</a:t>
+              <a:t>5/4/2025</a:t>
             </a:fld>
             <a:endParaRPr lang="en-US"/>
           </a:p>
@@ -1288,7 +1294,7 @@
           <a:bodyPr/>
           <a:lstStyle/>
           <a:p>
-            <a:pPr marL="0" marR="0" lvl="0" indent="0" algn="l" defTabSz="914400" rtl="0" eaLnBrk="1" fontAlgn="auto" latinLnBrk="0" hangingPunct="1">
+            <a:pPr marL="285750" marR="0" lvl="0" indent="-285750" algn="l" defTabSz="914400" rtl="0" eaLnBrk="1" fontAlgn="auto" latinLnBrk="0" hangingPunct="1">
               <a:lnSpc>
                 <a:spcPct val="100000"/>
               </a:lnSpc>
@@ -1300,8 +1306,8 @@
               </a:spcAft>
               <a:buClrTx/>
               <a:buSzTx/>
-              <a:buFontTx/>
-              <a:buNone/>
+              <a:buFont typeface="Arial" panose="020B0604020202020204" pitchFamily="34" charset="0"/>
+              <a:buChar char="•"/>
               <a:tabLst/>
               <a:defRPr/>
             </a:pPr>
@@ -1314,7 +1320,37 @@
                 <a:latin typeface="Times New Roman" panose="02020603050405020304" pitchFamily="18" charset="0"/>
                 <a:ea typeface="Times New Roman" panose="02020603050405020304" pitchFamily="18" charset="0"/>
               </a:rPr>
-              <a:t>Another crucial economic indicator to consider is foreign investment, which plays a significant role in driving economic growth, trade opportunities, and financial stability. Foreign investment can bring in capital, technology, and expertise, helping countries strengthen industries, create jobs, and enhance productivity. The graphs indicate varying degrees of correlation among foreign direct investment (FDI) indicators. Some relationships appear more structured, while others display significant dispersion, suggesting weak associations between certain metrics. Countries with higher FDI inflows generally show proportionate FDI outflows, reflecting the interconnected nature of global investment flows.</a:t>
+              <a:t>Another crucial economic indicator to consider is foreign investment, which plays a significant role in driving economic growth, trade opportunities, and financial stability. Foreign investment can bring in capital, technology, and expertise, helping countries strengthen industries, create jobs, and enhance productivity.</a:t>
+            </a:r>
+          </a:p>
+          <a:p>
+            <a:pPr marL="285750" marR="0" lvl="0" indent="-285750" algn="l" defTabSz="914400" rtl="0" eaLnBrk="1" fontAlgn="auto" latinLnBrk="0" hangingPunct="1">
+              <a:lnSpc>
+                <a:spcPct val="100000"/>
+              </a:lnSpc>
+              <a:spcBef>
+                <a:spcPts val="0"/>
+              </a:spcBef>
+              <a:spcAft>
+                <a:spcPts val="0"/>
+              </a:spcAft>
+              <a:buClrTx/>
+              <a:buSzTx/>
+              <a:buFont typeface="Arial" panose="020B0604020202020204" pitchFamily="34" charset="0"/>
+              <a:buChar char="•"/>
+              <a:tabLst/>
+              <a:defRPr/>
+            </a:pPr>
+            <a:r>
+              <a:rPr lang="en-US" sz="1800">
+                <a:solidFill>
+                  <a:srgbClr val="000000"/>
+                </a:solidFill>
+                <a:effectLst/>
+                <a:latin typeface="Times New Roman" panose="02020603050405020304" pitchFamily="18" charset="0"/>
+                <a:ea typeface="Times New Roman" panose="02020603050405020304" pitchFamily="18" charset="0"/>
+              </a:rPr>
+              <a:t>These graphs indicate varying degrees of correlation among foreign direct investment indicators. Countries with higher FDI inflows generally show proportionate FDI outflows, reflecting the interconnected nature of global investment flows.</a:t>
             </a:r>
             <a:endParaRPr lang="en-US"/>
           </a:p>
@@ -1450,7 +1486,7 @@
                 <a:latin typeface="Times New Roman" panose="02020603050405020304" pitchFamily="18" charset="0"/>
                 <a:ea typeface="Times New Roman" panose="02020603050405020304" pitchFamily="18" charset="0"/>
               </a:rPr>
-              <a:t>This heatmap visualizes the pairwise correlations between all numeric variables used in this study. Using machine learning models, we aim to determine whether GDP, GDP growth, foreign investment, inflation rate, and government spending significantly influence national income levels, enabling us to accurately classify countries as high-income based on these indicators.</a:t>
+              <a:t>This heatmap visualizes the pairwise correlations between all numeric variables used in this study. </a:t>
             </a:r>
             <a:endParaRPr lang="en-US"/>
           </a:p>
@@ -1560,7 +1596,7 @@
           <a:bodyPr/>
           <a:lstStyle/>
           <a:p>
-            <a:pPr marL="0" marR="0" lvl="0" indent="0" algn="l" defTabSz="914400" rtl="0" eaLnBrk="1" fontAlgn="auto" latinLnBrk="0" hangingPunct="1">
+            <a:pPr marL="285750" marR="0" lvl="0" indent="-285750" algn="l" defTabSz="914400" rtl="0" eaLnBrk="1" fontAlgn="auto" latinLnBrk="0" hangingPunct="1">
               <a:lnSpc>
                 <a:spcPct val="100000"/>
               </a:lnSpc>
@@ -1572,8 +1608,8 @@
               </a:spcAft>
               <a:buClrTx/>
               <a:buSzTx/>
-              <a:buFontTx/>
-              <a:buNone/>
+              <a:buFont typeface="Arial" panose="020B0604020202020204" pitchFamily="34" charset="0"/>
+              <a:buChar char="•"/>
               <a:tabLst/>
               <a:defRPr/>
             </a:pPr>
@@ -1587,7 +1623,38 @@
                 <a:ea typeface="Times New Roman" panose="02020603050405020304" pitchFamily="18" charset="0"/>
                 <a:cs typeface="Times New Roman" panose="02020603050405020304" pitchFamily="18" charset="0"/>
               </a:rPr>
-              <a:t>A logistic regression model was developed using k-fold cross-validation to assess whether economic indicators can predict high-income countries. The model was tested across multiple folds, producing cross-validation accuracy scores with an average accuracy of 0.78. The accuracy values remain relatively stable across different training and validation sets, indicating that the model generalizes well to new data. The model correctly predicted 244 instances as non-high-income countries (true negatives) and 40 instances as high-income countries (true positives). However, there were 72 false negatives, meaning some high-income countries were misclassified as lower-income, and 10 false positives, where the model mistakenly classified lower-income countries as high-income. Features such as FDI inflows, FDI net, and government spending have positive coefficients, suggesting that higher values of these indicators make a country more likely to be classified as high-income. </a:t>
+              <a:t>A logistic regression model was developed using k-fold cross-validation to assess whether economic indicators can predict high-income countries. The model was tested across multiple folds, producing cross-validation accuracy scores with an average accuracy of 0.78. The accuracy values remain relatively stable across different training and validation sets, indicating that the model generalizes well to new data. The model correctly predicted 244 instances as non-high-income countries (true negatives) and 40 instances as high-income countries (true positives). There were 72 false negatives, meaning some high-income countries were misclassified as lower-income, and 10 false positives, where the model mistakenly classified lower-income countries as high-income.</a:t>
+            </a:r>
+          </a:p>
+          <a:p>
+            <a:pPr marL="285750" marR="0" lvl="0" indent="-285750" algn="l" defTabSz="914400" rtl="0" eaLnBrk="1" fontAlgn="auto" latinLnBrk="0" hangingPunct="1">
+              <a:lnSpc>
+                <a:spcPct val="100000"/>
+              </a:lnSpc>
+              <a:spcBef>
+                <a:spcPts val="0"/>
+              </a:spcBef>
+              <a:spcAft>
+                <a:spcPts val="0"/>
+              </a:spcAft>
+              <a:buClrTx/>
+              <a:buSzTx/>
+              <a:buFont typeface="Arial" panose="020B0604020202020204" pitchFamily="34" charset="0"/>
+              <a:buChar char="•"/>
+              <a:tabLst/>
+              <a:defRPr/>
+            </a:pPr>
+            <a:r>
+              <a:rPr lang="en-US" sz="1800" kern="100">
+                <a:solidFill>
+                  <a:srgbClr val="000000"/>
+                </a:solidFill>
+                <a:effectLst/>
+                <a:latin typeface="Times New Roman" panose="02020603050405020304" pitchFamily="18" charset="0"/>
+                <a:ea typeface="Times New Roman" panose="02020603050405020304" pitchFamily="18" charset="0"/>
+                <a:cs typeface="Times New Roman" panose="02020603050405020304" pitchFamily="18" charset="0"/>
+              </a:rPr>
+              <a:t>Features such as FDI inflows, FDI net, and government spending have positive coefficients, suggesting that higher values of these indicators make a country more likely to be classified as high-income. </a:t>
             </a:r>
             <a:endParaRPr lang="en-US"/>
           </a:p>
@@ -1697,7 +1764,7 @@
           <a:bodyPr/>
           <a:lstStyle/>
           <a:p>
-            <a:pPr marL="0" marR="0" lvl="0" indent="0" algn="l" defTabSz="914400" rtl="0" eaLnBrk="1" fontAlgn="auto" latinLnBrk="0" hangingPunct="1">
+            <a:pPr marL="285750" marR="0" lvl="0" indent="-285750" algn="l" defTabSz="914400" rtl="0" eaLnBrk="1" fontAlgn="auto" latinLnBrk="0" hangingPunct="1">
               <a:lnSpc>
                 <a:spcPct val="100000"/>
               </a:lnSpc>
@@ -1709,8 +1776,8 @@
               </a:spcAft>
               <a:buClrTx/>
               <a:buSzTx/>
-              <a:buFontTx/>
-              <a:buNone/>
+              <a:buFont typeface="Arial" panose="020B0604020202020204" pitchFamily="34" charset="0"/>
+              <a:buChar char="•"/>
               <a:tabLst/>
               <a:defRPr/>
             </a:pPr>
@@ -1724,7 +1791,38 @@
                 <a:ea typeface="Times New Roman" panose="02020603050405020304" pitchFamily="18" charset="0"/>
                 <a:cs typeface="Times New Roman" panose="02020603050405020304" pitchFamily="18" charset="0"/>
               </a:rPr>
-              <a:t>A decision tree model was developed for the same investigation. The model achieved an accuracy of 69%, indicating moderate predictive power. The confusion matrix reveals that the model correctly identified 53 non-high-income countries (true negatives) and 23 high-income countries (true positives). However, there were 19 false positives, where lower-income countries were mistakenly classified as high-income, and 15 false negatives, where high-income nations were misclassified. The decision tree’s accuracy of 69% is lower than the logistic regression model’s 78% accuracy, suggesting that logistic regression might be more effective for this classification task. Here FDI Outflows to GDP is the most influential feature, suggesting that the scale of foreign direct investment (FDI) outflows relative to GDP strongly contributes to classifying a country as high-income. </a:t>
+              <a:t>A decision tree model was developed for the same investigation. The model achieved an accuracy of 69%, indicating moderate predictive power. The confusion matrix reveals that the model correctly identified 53 non-high-income countries (true negatives) and 23 high-income countries (true positives). There were 19 false positives and 15 false negatives. The decision tree’s accuracy of 69% is lower than the logistic regression model’s 78% accuracy, suggesting that logistic regression might be more effective for this classification task. </a:t>
+            </a:r>
+          </a:p>
+          <a:p>
+            <a:pPr marL="285750" marR="0" lvl="0" indent="-285750" algn="l" defTabSz="914400" rtl="0" eaLnBrk="1" fontAlgn="auto" latinLnBrk="0" hangingPunct="1">
+              <a:lnSpc>
+                <a:spcPct val="100000"/>
+              </a:lnSpc>
+              <a:spcBef>
+                <a:spcPts val="0"/>
+              </a:spcBef>
+              <a:spcAft>
+                <a:spcPts val="0"/>
+              </a:spcAft>
+              <a:buClrTx/>
+              <a:buSzTx/>
+              <a:buFont typeface="Arial" panose="020B0604020202020204" pitchFamily="34" charset="0"/>
+              <a:buChar char="•"/>
+              <a:tabLst/>
+              <a:defRPr/>
+            </a:pPr>
+            <a:r>
+              <a:rPr lang="en-US" sz="1800" kern="100">
+                <a:solidFill>
+                  <a:srgbClr val="000000"/>
+                </a:solidFill>
+                <a:effectLst/>
+                <a:latin typeface="Times New Roman" panose="02020603050405020304" pitchFamily="18" charset="0"/>
+                <a:ea typeface="Times New Roman" panose="02020603050405020304" pitchFamily="18" charset="0"/>
+                <a:cs typeface="Times New Roman" panose="02020603050405020304" pitchFamily="18" charset="0"/>
+              </a:rPr>
+              <a:t>Here FDI Outflows to GDP is the most influential feature. </a:t>
             </a:r>
             <a:endParaRPr lang="en-US" sz="1800" kern="100">
               <a:solidFill>
@@ -1861,6 +1959,78 @@
           <a:bodyPr/>
           <a:lstStyle/>
           <a:p>
+            <a:pPr marL="285750" marR="0" lvl="0" indent="-285750" algn="l" defTabSz="914400" rtl="0" eaLnBrk="1" fontAlgn="auto" latinLnBrk="0" hangingPunct="1">
+              <a:lnSpc>
+                <a:spcPct val="100000"/>
+              </a:lnSpc>
+              <a:spcBef>
+                <a:spcPts val="0"/>
+              </a:spcBef>
+              <a:spcAft>
+                <a:spcPts val="0"/>
+              </a:spcAft>
+              <a:buClrTx/>
+              <a:buSzTx/>
+              <a:buFont typeface="Arial" panose="020B0604020202020204" pitchFamily="34" charset="0"/>
+              <a:buChar char="•"/>
+              <a:tabLst/>
+              <a:defRPr/>
+            </a:pPr>
+            <a:r>
+              <a:rPr lang="en-US" sz="1800" kern="100">
+                <a:solidFill>
+                  <a:srgbClr val="000000"/>
+                </a:solidFill>
+                <a:effectLst/>
+                <a:latin typeface="Times New Roman" panose="02020603050405020304" pitchFamily="18" charset="0"/>
+                <a:ea typeface="Times New Roman" panose="02020603050405020304" pitchFamily="18" charset="0"/>
+                <a:cs typeface="Times New Roman" panose="02020603050405020304" pitchFamily="18" charset="0"/>
+              </a:rPr>
+              <a:t>The next model developed for this investigation was a Random Forest classifier. The model maintained strong performance on unseen data, achieving 84% accuracy, an improvement over the previous decision tree model and outperforming logistic regression. The model successfully classified 241 non-high-income countries, correctly identifying them based on economic indicators,  and accurately predicted 78 high-income countries, demonstrating strong classification performance. However, there were 13 false positives and 34 false negatives. </a:t>
+            </a:r>
+          </a:p>
+          <a:p>
+            <a:pPr marL="285750" marR="0" lvl="0" indent="-285750" algn="l" defTabSz="914400" rtl="0" eaLnBrk="1" fontAlgn="auto" latinLnBrk="0" hangingPunct="1">
+              <a:lnSpc>
+                <a:spcPct val="100000"/>
+              </a:lnSpc>
+              <a:spcBef>
+                <a:spcPts val="0"/>
+              </a:spcBef>
+              <a:spcAft>
+                <a:spcPts val="0"/>
+              </a:spcAft>
+              <a:buClrTx/>
+              <a:buSzTx/>
+              <a:buFont typeface="Arial" panose="020B0604020202020204" pitchFamily="34" charset="0"/>
+              <a:buChar char="•"/>
+              <a:tabLst/>
+              <a:defRPr/>
+            </a:pPr>
+            <a:r>
+              <a:rPr lang="en-US" sz="1800" kern="100">
+                <a:solidFill>
+                  <a:srgbClr val="000000"/>
+                </a:solidFill>
+                <a:effectLst/>
+                <a:latin typeface="Times New Roman" panose="02020603050405020304" pitchFamily="18" charset="0"/>
+                <a:ea typeface="Times New Roman" panose="02020603050405020304" pitchFamily="18" charset="0"/>
+                <a:cs typeface="Times New Roman" panose="02020603050405020304" pitchFamily="18" charset="0"/>
+              </a:rPr>
+              <a:t>The most impactful feature in the Random Forest model is FDI Outflows to GDP, followed by FDI outflow and FDI inflow, emphasizing the importance of </a:t>
+            </a:r>
+            <a:r>
+              <a:rPr lang="en-US" sz="2800" b="0" i="0">
+                <a:solidFill>
+                  <a:srgbClr val="111111"/>
+                </a:solidFill>
+                <a:effectLst/>
+                <a:latin typeface="Cabin-semi-bold"/>
+              </a:rPr>
+              <a:t>Foreign Direct Investment.</a:t>
+            </a:r>
+          </a:p>
+          <a:p>
             <a:pPr marL="0" marR="0" lvl="0" indent="0" algn="l" defTabSz="914400" rtl="0" eaLnBrk="1" fontAlgn="auto" latinLnBrk="0" hangingPunct="1">
               <a:lnSpc>
                 <a:spcPct val="100000"/>
@@ -1878,18 +2048,6 @@
               <a:tabLst/>
               <a:defRPr/>
             </a:pPr>
-            <a:r>
-              <a:rPr lang="en-US" sz="1800" kern="100">
-                <a:solidFill>
-                  <a:srgbClr val="000000"/>
-                </a:solidFill>
-                <a:effectLst/>
-                <a:latin typeface="Times New Roman" panose="02020603050405020304" pitchFamily="18" charset="0"/>
-                <a:ea typeface="Times New Roman" panose="02020603050405020304" pitchFamily="18" charset="0"/>
-                <a:cs typeface="Times New Roman" panose="02020603050405020304" pitchFamily="18" charset="0"/>
-              </a:rPr>
-              <a:t>The next model developed for this investigation was a Random Forest classifier, designed to improve predictive accuracy and generalization compared to previous models. The model achieved perfect accuracy on the training data, indicating that it learned patterns effectively. However, this could also suggest possible overfitting. The model also maintained strong performance on unseen data, achieving 83.6% accuracy, an improvement over the previous decision tree model and outperforming logistic regression. The model successfully classified 241 non-high-income countries, correctly identifying them based on economic indicators. Additionally, it accurately predicted 78 high-income countries, demonstrating strong classification performance. However, there were 13 false positives, where lower-income nations were mistakenly categorized as high-income, and 34 false negatives, where high-income countries were misclassified as non-high-income. The most impactful feature in the Random Forest model is FDI Outflows to GDP, emphasizing that countries with substantial outbound investments tend to be high-income. </a:t>
-            </a:r>
             <a:endParaRPr lang="en-US"/>
           </a:p>
         </p:txBody>
@@ -1998,7 +2156,7 @@
           <a:bodyPr/>
           <a:lstStyle/>
           <a:p>
-            <a:pPr marL="0" marR="0" lvl="0" indent="0" algn="l" defTabSz="914400" rtl="0" eaLnBrk="1" fontAlgn="auto" latinLnBrk="0" hangingPunct="1">
+            <a:pPr marL="285750" marR="0" lvl="0" indent="-285750" algn="l" defTabSz="914400" rtl="0" eaLnBrk="1" fontAlgn="auto" latinLnBrk="0" hangingPunct="1">
               <a:lnSpc>
                 <a:spcPct val="100000"/>
               </a:lnSpc>
@@ -2010,8 +2168,8 @@
               </a:spcAft>
               <a:buClrTx/>
               <a:buSzTx/>
-              <a:buFontTx/>
-              <a:buNone/>
+              <a:buFont typeface="Arial" panose="020B0604020202020204" pitchFamily="34" charset="0"/>
+              <a:buChar char="•"/>
               <a:tabLst/>
               <a:defRPr/>
             </a:pPr>
@@ -2025,7 +2183,38 @@
                 <a:ea typeface="Times New Roman" panose="02020603050405020304" pitchFamily="18" charset="0"/>
                 <a:cs typeface="Times New Roman" panose="02020603050405020304" pitchFamily="18" charset="0"/>
               </a:rPr>
-              <a:t>The next model developed for this investigation was XGBoost, a powerful gradient boosting algorithm designed to enhance classification performance. The model achieved a test accuracy of 84.5%, surpassing previous models and demonstrating strong predictive capability. The XGBoost model correctly classified 68 non-high-income countries (true negatives) and 25 high-income countries (true positives). However, 4 lower-income countries were misclassified as high-income (false positives), while 13 high-income nations were mistakenly categorized as non-high-income (false negatives). FDI Outflows to GDP is the most influential feature, reinforcing the idea that outbound foreign investment strongly correlates with high-income classification.</a:t>
+              <a:t>The next model developed for this investigation was XGBoost which achieved a test accuracy of 85%, surpassing previous models and demonstrating strong predictive capability. The XGBoost model correctly classified 68 non-high-income countries (true negatives) and 25 high-income countries (true positives). </a:t>
+            </a:r>
+          </a:p>
+          <a:p>
+            <a:pPr marL="285750" marR="0" lvl="0" indent="-285750" algn="l" defTabSz="914400" rtl="0" eaLnBrk="1" fontAlgn="auto" latinLnBrk="0" hangingPunct="1">
+              <a:lnSpc>
+                <a:spcPct val="100000"/>
+              </a:lnSpc>
+              <a:spcBef>
+                <a:spcPts val="0"/>
+              </a:spcBef>
+              <a:spcAft>
+                <a:spcPts val="0"/>
+              </a:spcAft>
+              <a:buClrTx/>
+              <a:buSzTx/>
+              <a:buFont typeface="Arial" panose="020B0604020202020204" pitchFamily="34" charset="0"/>
+              <a:buChar char="•"/>
+              <a:tabLst/>
+              <a:defRPr/>
+            </a:pPr>
+            <a:r>
+              <a:rPr lang="en-US" sz="1800" kern="100">
+                <a:solidFill>
+                  <a:srgbClr val="000000"/>
+                </a:solidFill>
+                <a:effectLst/>
+                <a:latin typeface="Times New Roman" panose="02020603050405020304" pitchFamily="18" charset="0"/>
+                <a:ea typeface="Times New Roman" panose="02020603050405020304" pitchFamily="18" charset="0"/>
+                <a:cs typeface="Times New Roman" panose="02020603050405020304" pitchFamily="18" charset="0"/>
+              </a:rPr>
+              <a:t>Again FDI Outflows to GDP followed by FDI Out flows are the most influential feature, reinforcing the idea that outbound foreign investment strongly correlates with high-income classification.</a:t>
             </a:r>
             <a:endParaRPr lang="en-US" sz="1800" kern="100">
               <a:solidFill>
@@ -2189,35 +2378,8 @@
                 <a:ea typeface="Times New Roman" panose="02020603050405020304" pitchFamily="18" charset="0"/>
                 <a:cs typeface="Times New Roman" panose="02020603050405020304" pitchFamily="18" charset="0"/>
               </a:rPr>
-              <a:t>A neural network model was developed to assess whether it could more effectively predict high-income countries based on economic indicators. The model achieved an accuracy of 77% to the logistic regression model (78%). The model correctly classified 48 non-high-income countries (true negatives) and 9 high-income countries (true positives), demonstrating reasonable predictive accuracy. However, 2 lower-income countries were misclassified as high-income (false positives), while 15 high-income nations were incorrectly categorized as non-high-income (false negatives). The most impactful feature influencing the neural network’s predictions are FDI Outflows and GDP.</a:t>
-            </a:r>
-            <a:endParaRPr lang="en-US" sz="1800" kern="100">
-              <a:solidFill>
-                <a:srgbClr val="000000"/>
-              </a:solidFill>
-              <a:effectLst/>
-              <a:latin typeface="Times New Roman" panose="02020603050405020304" pitchFamily="18" charset="0"/>
-              <a:ea typeface="Times New Roman" panose="02020603050405020304" pitchFamily="18" charset="0"/>
-            </a:endParaRPr>
-          </a:p>
-          <a:p>
-            <a:pPr marL="0" marR="0" lvl="0" indent="0" algn="l" defTabSz="914400" rtl="0" eaLnBrk="1" fontAlgn="auto" latinLnBrk="0" hangingPunct="1">
-              <a:lnSpc>
-                <a:spcPct val="100000"/>
-              </a:lnSpc>
-              <a:spcBef>
-                <a:spcPts val="0"/>
-              </a:spcBef>
-              <a:spcAft>
-                <a:spcPts val="0"/>
-              </a:spcAft>
-              <a:buClrTx/>
-              <a:buSzTx/>
-              <a:buFontTx/>
-              <a:buNone/>
-              <a:tabLst/>
-              <a:defRPr/>
-            </a:pPr>
+              <a:t>A neural network model was developed to assess whether it could more effectively predict high-income countries based on economic indicators but the model didn't perform as well as the two previous models and only achieved an accuracy of 77%.</a:t>
+            </a:r>
             <a:endParaRPr lang="en-US"/>
           </a:p>
         </p:txBody>
@@ -2326,15 +2488,20 @@
           <a:bodyPr/>
           <a:lstStyle/>
           <a:p>
-            <a:pPr marL="0" marR="8255" indent="0" algn="l">
+            <a:pPr marL="285750" marR="8255" indent="-285750" algn="l">
               <a:lnSpc>
                 <a:spcPct val="200000"/>
               </a:lnSpc>
               <a:spcAft>
                 <a:spcPts val="20"/>
               </a:spcAft>
-              <a:buNone/>
+              <a:buFont typeface="Arial" panose="020B0604020202020204" pitchFamily="34" charset="0"/>
+              <a:buChar char="•"/>
             </a:pPr>
+            <a:r>
+              <a:rPr lang="en-US" sz="2800"/>
+              <a:t>Receiver Operating Characteristic</a:t>
+            </a:r>
             <a:r>
               <a:rPr lang="en-US" sz="1800" kern="100">
                 <a:solidFill>
@@ -2345,7 +2512,70 @@
                 <a:ea typeface="Times New Roman" panose="02020603050405020304" pitchFamily="18" charset="0"/>
                 <a:cs typeface="Times New Roman" panose="02020603050405020304" pitchFamily="18" charset="0"/>
               </a:rPr>
-              <a:t>ROC curve illustrates a classification model’s performance across all classification thresholds, with True Positive Rate plotted against False Positive Rate. The Random Guess baseline (dashed line) represents an AUC of 0.5, meaning models performing near this level aren’t much better than random chance. XGBoost has the highest Area Under this Curve, making it the best-performing model in this comparison. Precision-Recall Curve illustrates the trade-off between precision (how often positive predictions are correct) and recall (how many actual positives are identified).</a:t>
+              <a:t> curve illustrates a classification model’s performance, with True Positive Rate plotted against False Positive Rate. The Random Guess baseline (dashed line) represents an </a:t>
+            </a:r>
+            <a:r>
+              <a:rPr lang="en-US" sz="2800" kern="100">
+                <a:solidFill>
+                  <a:srgbClr val="000000"/>
+                </a:solidFill>
+                <a:effectLst/>
+                <a:latin typeface="Times New Roman" panose="02020603050405020304" pitchFamily="18" charset="0"/>
+                <a:ea typeface="Times New Roman" panose="02020603050405020304" pitchFamily="18" charset="0"/>
+                <a:cs typeface="Times New Roman" panose="02020603050405020304" pitchFamily="18" charset="0"/>
+              </a:rPr>
+              <a:t>A</a:t>
+            </a:r>
+            <a:r>
+              <a:rPr lang="en-US" sz="2800"/>
+              <a:t>rea Under the Curve</a:t>
+            </a:r>
+            <a:r>
+              <a:rPr lang="en-US" sz="1800" kern="100">
+                <a:solidFill>
+                  <a:srgbClr val="000000"/>
+                </a:solidFill>
+                <a:effectLst/>
+                <a:latin typeface="Times New Roman" panose="02020603050405020304" pitchFamily="18" charset="0"/>
+                <a:ea typeface="Times New Roman" panose="02020603050405020304" pitchFamily="18" charset="0"/>
+                <a:cs typeface="Times New Roman" panose="02020603050405020304" pitchFamily="18" charset="0"/>
+              </a:rPr>
+              <a:t> of 0.5, meaning models performing near this level aren’t much better than random chance. XGBoost has the highest Area Under this Curve, making it the best-performing model in this comparison. </a:t>
+            </a:r>
+          </a:p>
+          <a:p>
+            <a:pPr marL="285750" marR="8255" lvl="0" indent="-285750" algn="l" defTabSz="914400" rtl="0" eaLnBrk="1" fontAlgn="auto" latinLnBrk="0" hangingPunct="1">
+              <a:lnSpc>
+                <a:spcPct val="200000"/>
+              </a:lnSpc>
+              <a:spcBef>
+                <a:spcPts val="0"/>
+              </a:spcBef>
+              <a:spcAft>
+                <a:spcPts val="20"/>
+              </a:spcAft>
+              <a:buClrTx/>
+              <a:buSzTx/>
+              <a:buFont typeface="Arial" panose="020B0604020202020204" pitchFamily="34" charset="0"/>
+              <a:buChar char="•"/>
+              <a:tabLst/>
+              <a:defRPr/>
+            </a:pPr>
+            <a:r>
+              <a:rPr lang="en-US" sz="1800" kern="100">
+                <a:solidFill>
+                  <a:srgbClr val="000000"/>
+                </a:solidFill>
+                <a:effectLst/>
+                <a:latin typeface="Times New Roman" panose="02020603050405020304" pitchFamily="18" charset="0"/>
+                <a:ea typeface="Times New Roman" panose="02020603050405020304" pitchFamily="18" charset="0"/>
+                <a:cs typeface="Times New Roman" panose="02020603050405020304" pitchFamily="18" charset="0"/>
+              </a:rPr>
+              <a:t>Precision-Recall Curve illustrates the trade-off between precision (how often positive predictions are correct) and recall (how many actual positives are identified).</a:t>
+            </a:r>
+            <a:r>
+              <a:rPr lang="en-US" sz="1800"/>
+              <a:t> AP, or Average Precision, summarizes the PR curve by calculating the weighted mean of precisions achieved at each decision point, with recall increase as the weight.</a:t>
             </a:r>
             <a:r>
               <a:rPr lang="en-US" sz="1800" kern="100">
@@ -2369,7 +2599,7 @@
                 <a:ea typeface="Times New Roman" panose="02020603050405020304" pitchFamily="18" charset="0"/>
                 <a:cs typeface="Times New Roman" panose="02020603050405020304" pitchFamily="18" charset="0"/>
               </a:rPr>
-              <a:t>Random Forest and XGBoost both demonstrate strong precision and recall, achieving an AP of 0.82, making them the top-performing models. These results demonstrate that machine learning models can effectively predict whether countries fall into the high-income category based on examined key economic indicators.</a:t>
+              <a:t>Random Forest and XGBoost both demonstrate strong precision and recall, achieving an AP of 0.82. These results demonstrate that machine learning models can effectively predict whether countries fall into the high-income category based on examined key economic indicators.</a:t>
             </a:r>
             <a:endParaRPr lang="en-US" sz="1800" kern="100">
               <a:solidFill>
@@ -2533,8 +2763,9 @@
           <a:bodyPr/>
           <a:lstStyle/>
           <a:p>
-            <a:pPr>
-              <a:buNone/>
+            <a:pPr marL="285750" indent="-285750">
+              <a:buFont typeface="Arial" panose="020B0604020202020204" pitchFamily="34" charset="0"/>
+              <a:buChar char="•"/>
             </a:pPr>
             <a:r>
               <a:rPr lang="en-US" sz="1800" kern="100">
@@ -2550,12 +2781,23 @@
             </a:r>
             <a:r>
               <a:rPr lang="en-US" sz="2800" b="0"/>
-              <a:t>A higher absolute t-value (e.g., greater than 2 or less than -2) suggests stronger evidence against the null hypothesis. T</a:t>
+              <a:t>A higher absolute t-value (e.g., greater than 2, the green rows, or less than -2, the orange row) suggests stronger evidence against the null hypothesis. T</a:t>
             </a:r>
             <a:r>
               <a:rPr lang="en-US" sz="4000" b="0"/>
-              <a:t>he p-value tells the probability of obtaining results at least as extreme as those observed, assuming the null hypothesis is true. The result is typically considered statistically significant when p is less than 0.05, meaning there’s strong evidence to reject the null hypothesis.</a:t>
-            </a:r>
+              <a:t>he p-value tells the probability of obtaining results at least as extreme as those observed, assuming the null hypothesis is true. The result is typically considered statistically significant when p is less than 0.05, meaning there’s strong evidence to reject the null hypothesis. </a:t>
+            </a:r>
+          </a:p>
+          <a:p>
+            <a:pPr marL="285750" indent="-285750">
+              <a:buFont typeface="Arial" panose="020B0604020202020204" pitchFamily="34" charset="0"/>
+              <a:buChar char="•"/>
+            </a:pPr>
+            <a:r>
+              <a:rPr lang="en-US" sz="5400"/>
+              <a:t>This table provides a clear overview of the strong correlation between these economic indicators and the classification of a nation as a high-income country. This relationship underscores the ability of the machine learning models to accurately predict this classification.</a:t>
+            </a:r>
+            <a:endParaRPr lang="en-US" sz="4000" b="0"/>
           </a:p>
           <a:p>
             <a:endParaRPr lang="en-US" sz="2800" b="0"/>
@@ -2684,55 +2926,13 @@
           <a:bodyPr/>
           <a:lstStyle/>
           <a:p>
-            <a:pPr marL="0" marR="8255" indent="0" algn="l">
-              <a:lnSpc>
-                <a:spcPct val="200000"/>
-              </a:lnSpc>
-              <a:spcAft>
-                <a:spcPts val="20"/>
-              </a:spcAft>
+            <a:pPr>
               <a:buNone/>
             </a:pPr>
             <a:r>
-              <a:rPr lang="en-US" sz="1800" kern="100">
-                <a:solidFill>
-                  <a:srgbClr val="000000"/>
-                </a:solidFill>
-                <a:effectLst/>
-                <a:latin typeface="Times New Roman" panose="02020603050405020304" pitchFamily="18" charset="0"/>
-                <a:ea typeface="Times New Roman" panose="02020603050405020304" pitchFamily="18" charset="0"/>
-                <a:cs typeface="Times New Roman" panose="02020603050405020304" pitchFamily="18" charset="0"/>
-              </a:rPr>
-              <a:t>This study successfully demonstrated that key economic indicators—Gross Domestic Product (GDP), GDP growth, foreign investment, inflation rate, and government spending—significantly impact national income classification. Using machine learning methodologies, models such as XGBoost and Random Forest emerged as the most effective, achieving predictive accuracies of 84.5% and 83.6%, respectively. The results highlighted the importance of foreign direct investment (FDI), particularly FDI outflows, as a critical factor in determining high-income status. Given the limitations of missing economic data from the World Bank for the years 2021–2023, future research should focus on expanding datasets to enhance predictive accuracy. Including additional years and more granular economic indicators, such as employment levels, labor productivity, and sector-specific investment flows, could improve the robustness of classification models.</a:t>
-            </a:r>
-            <a:endParaRPr lang="en-US" sz="1800" kern="100">
-              <a:solidFill>
-                <a:srgbClr val="000000"/>
-              </a:solidFill>
-              <a:effectLst/>
-              <a:latin typeface="Times New Roman" panose="02020603050405020304" pitchFamily="18" charset="0"/>
-              <a:ea typeface="Times New Roman" panose="02020603050405020304" pitchFamily="18" charset="0"/>
-            </a:endParaRPr>
-          </a:p>
-          <a:p>
-            <a:pPr marL="0" marR="0" lvl="0" indent="0" algn="l" defTabSz="914400" rtl="0" eaLnBrk="1" fontAlgn="auto" latinLnBrk="0" hangingPunct="1">
-              <a:lnSpc>
-                <a:spcPct val="100000"/>
-              </a:lnSpc>
-              <a:spcBef>
-                <a:spcPts val="0"/>
-              </a:spcBef>
-              <a:spcAft>
-                <a:spcPts val="0"/>
-              </a:spcAft>
-              <a:buClrTx/>
-              <a:buSzTx/>
-              <a:buFontTx/>
-              <a:buNone/>
-              <a:tabLst/>
-              <a:defRPr/>
-            </a:pPr>
-            <a:endParaRPr lang="en-US"/>
+              <a:rPr lang="en-US"/>
+              <a:t>One of the biggest challenges in this research was presented by the missing values in the World Bank database, especially for the year 2023. Due to this gap, several key economic indicators, such as government debt, had to be excluded, affecting the depth of the analysis. Additionally, fields with more than 25% missing data were removed, further limiting the comprehensiveness of the study. As a result, the dataset was reduced from 651 rows to 366 rows, raising concerns about the predictive accuracy of the models.</a:t>
+            </a:r>
           </a:p>
         </p:txBody>
       </p:sp>
@@ -2822,7 +3022,7 @@
           <a:bodyPr/>
           <a:lstStyle/>
           <a:p>
-            <a:pPr marL="0" marR="0" lvl="0" indent="0" algn="l" defTabSz="914400" rtl="0" eaLnBrk="1" fontAlgn="auto" latinLnBrk="0" hangingPunct="1">
+            <a:pPr marL="171450" marR="0" lvl="0" indent="-171450" algn="l" defTabSz="914400" rtl="0" eaLnBrk="1" fontAlgn="auto" latinLnBrk="0" hangingPunct="1">
               <a:lnSpc>
                 <a:spcPct val="100000"/>
               </a:lnSpc>
@@ -2834,8 +3034,8 @@
               </a:spcAft>
               <a:buClrTx/>
               <a:buSzTx/>
-              <a:buFontTx/>
-              <a:buNone/>
+              <a:buFont typeface="Arial" panose="020B0604020202020204" pitchFamily="34" charset="0"/>
+              <a:buChar char="•"/>
               <a:tabLst/>
               <a:defRPr/>
             </a:pPr>
@@ -2849,11 +3049,30 @@
                 <a:ea typeface="Times New Roman" panose="02020603050405020304" pitchFamily="18" charset="0"/>
                 <a:cs typeface="Times New Roman" panose="02020603050405020304" pitchFamily="18" charset="0"/>
               </a:rPr>
-              <a:t>Do GDP, GDP growth, foreign investment, inflation rate, and government spending significantly influence national income levels, enabling the application of machine learning techniques to accurately classify countries as high-income based on these indicators? </a:t>
-            </a:r>
+              <a:t>Do GDP, GDP growth, foreign investment, inflation rate, and government spending significantly influence national income levels, enabling the application of machine learning techniques to accurately classify high-income countries? </a:t>
+            </a:r>
+          </a:p>
+          <a:p>
+            <a:pPr marL="171450" marR="0" lvl="0" indent="-171450" algn="l" defTabSz="914400" rtl="0" eaLnBrk="1" fontAlgn="auto" latinLnBrk="0" hangingPunct="1">
+              <a:lnSpc>
+                <a:spcPct val="100000"/>
+              </a:lnSpc>
+              <a:spcBef>
+                <a:spcPts val="0"/>
+              </a:spcBef>
+              <a:spcAft>
+                <a:spcPts val="0"/>
+              </a:spcAft>
+              <a:buClrTx/>
+              <a:buSzTx/>
+              <a:buFont typeface="Arial" panose="020B0604020202020204" pitchFamily="34" charset="0"/>
+              <a:buChar char="•"/>
+              <a:tabLst/>
+              <a:defRPr/>
+            </a:pPr>
             <a:r>
               <a:rPr lang="en-US"/>
-              <a:t>In this study, descriptive analytics were applied to analyze the economic indicators, and predictive analytics models were developed and meticulously evaluated to address the research question.</a:t>
+              <a:t>In this study, descriptive analytics were applied to analyze the economic indicators, and predictive analytics models were developed and evaluated to address the research question.</a:t>
             </a:r>
           </a:p>
         </p:txBody>
@@ -2885,6 +3104,211 @@
     <p:extLst>
       <p:ext uri="{BB962C8B-B14F-4D97-AF65-F5344CB8AC3E}">
         <p14:creationId xmlns:p14="http://schemas.microsoft.com/office/powerpoint/2010/main" val="3767143063"/>
+      </p:ext>
+    </p:extLst>
+  </p:cSld>
+  <p:clrMapOvr>
+    <a:masterClrMapping/>
+  </p:clrMapOvr>
+</p:notes>
+</file>
+
+<file path=ppt/notesSlides/notesSlide20.xml><?xml version="1.0" encoding="utf-8"?>
+<p:notes xmlns:a="http://schemas.openxmlformats.org/drawingml/2006/main" xmlns:r="http://schemas.openxmlformats.org/officeDocument/2006/relationships" xmlns:p="http://schemas.openxmlformats.org/presentationml/2006/main">
+  <p:cSld>
+    <p:spTree>
+      <p:nvGrpSpPr>
+        <p:cNvPr id="1" name="">
+          <a:extLst>
+            <a:ext uri="{FF2B5EF4-FFF2-40B4-BE49-F238E27FC236}">
+              <a16:creationId xmlns:a16="http://schemas.microsoft.com/office/drawing/2014/main" id="{B9C766DC-64F1-DA3F-125B-F0410918955F}"/>
+            </a:ext>
+          </a:extLst>
+        </p:cNvPr>
+        <p:cNvGrpSpPr/>
+        <p:nvPr/>
+      </p:nvGrpSpPr>
+      <p:grpSpPr>
+        <a:xfrm>
+          <a:off x="0" y="0"/>
+          <a:ext cx="0" cy="0"/>
+          <a:chOff x="0" y="0"/>
+          <a:chExt cx="0" cy="0"/>
+        </a:xfrm>
+      </p:grpSpPr>
+      <p:sp>
+        <p:nvSpPr>
+          <p:cNvPr id="2" name="Slide Image Placeholder 1">
+            <a:extLst>
+              <a:ext uri="{FF2B5EF4-FFF2-40B4-BE49-F238E27FC236}">
+                <a16:creationId xmlns:a16="http://schemas.microsoft.com/office/drawing/2014/main" id="{5AA3E526-4A0D-9836-18B8-1903C6858008}"/>
+              </a:ext>
+            </a:extLst>
+          </p:cNvPr>
+          <p:cNvSpPr>
+            <a:spLocks noGrp="1" noRot="1" noChangeAspect="1"/>
+          </p:cNvSpPr>
+          <p:nvPr>
+            <p:ph type="sldImg"/>
+          </p:nvPr>
+        </p:nvSpPr>
+        <p:spPr/>
+      </p:sp>
+      <p:sp>
+        <p:nvSpPr>
+          <p:cNvPr id="3" name="Notes Placeholder 2">
+            <a:extLst>
+              <a:ext uri="{FF2B5EF4-FFF2-40B4-BE49-F238E27FC236}">
+                <a16:creationId xmlns:a16="http://schemas.microsoft.com/office/drawing/2014/main" id="{A9ACD81A-AA78-3733-0B92-8274640FC4FD}"/>
+              </a:ext>
+            </a:extLst>
+          </p:cNvPr>
+          <p:cNvSpPr>
+            <a:spLocks noGrp="1"/>
+          </p:cNvSpPr>
+          <p:nvPr>
+            <p:ph type="body" idx="1"/>
+          </p:nvPr>
+        </p:nvSpPr>
+        <p:spPr/>
+        <p:txBody>
+          <a:bodyPr/>
+          <a:lstStyle/>
+          <a:p>
+            <a:pPr marL="285750" marR="8255" indent="-285750" algn="l">
+              <a:lnSpc>
+                <a:spcPct val="200000"/>
+              </a:lnSpc>
+              <a:spcAft>
+                <a:spcPts val="20"/>
+              </a:spcAft>
+              <a:buFont typeface="Arial" panose="020B0604020202020204" pitchFamily="34" charset="0"/>
+              <a:buChar char="•"/>
+            </a:pPr>
+            <a:r>
+              <a:rPr lang="en-US" sz="1800" kern="100">
+                <a:solidFill>
+                  <a:srgbClr val="000000"/>
+                </a:solidFill>
+                <a:effectLst/>
+                <a:latin typeface="Times New Roman" panose="02020603050405020304" pitchFamily="18" charset="0"/>
+                <a:ea typeface="Times New Roman" panose="02020603050405020304" pitchFamily="18" charset="0"/>
+                <a:cs typeface="Times New Roman" panose="02020603050405020304" pitchFamily="18" charset="0"/>
+              </a:rPr>
+              <a:t>This study successfully demonstrated that key economic indicators—GDP, GDP growth, foreign investment, inflation rate, and government spending—significantly impact national income classification. </a:t>
+            </a:r>
+          </a:p>
+          <a:p>
+            <a:pPr marL="285750" marR="8255" indent="-285750" algn="l">
+              <a:lnSpc>
+                <a:spcPct val="200000"/>
+              </a:lnSpc>
+              <a:spcAft>
+                <a:spcPts val="20"/>
+              </a:spcAft>
+              <a:buFont typeface="Arial" panose="020B0604020202020204" pitchFamily="34" charset="0"/>
+              <a:buChar char="•"/>
+            </a:pPr>
+            <a:r>
+              <a:rPr lang="en-US" sz="1800" kern="100">
+                <a:solidFill>
+                  <a:srgbClr val="000000"/>
+                </a:solidFill>
+                <a:effectLst/>
+                <a:latin typeface="Times New Roman" panose="02020603050405020304" pitchFamily="18" charset="0"/>
+                <a:ea typeface="Times New Roman" panose="02020603050405020304" pitchFamily="18" charset="0"/>
+                <a:cs typeface="Times New Roman" panose="02020603050405020304" pitchFamily="18" charset="0"/>
+              </a:rPr>
+              <a:t>Using machine learning methodologies, models such as XGBoost and Random Forest emerged as the most effective, achieving predictive accuracies of 85% and 84%, respectively. The results highlighted the importance of foreign direct investment, particularly FDI outflows, as a critical factor in determining high-income status. </a:t>
+            </a:r>
+          </a:p>
+          <a:p>
+            <a:pPr marL="285750" marR="8255" indent="-285750" algn="l">
+              <a:lnSpc>
+                <a:spcPct val="200000"/>
+              </a:lnSpc>
+              <a:spcAft>
+                <a:spcPts val="20"/>
+              </a:spcAft>
+              <a:buFont typeface="Arial" panose="020B0604020202020204" pitchFamily="34" charset="0"/>
+              <a:buChar char="•"/>
+            </a:pPr>
+            <a:r>
+              <a:rPr lang="en-US" sz="1800" kern="100">
+                <a:solidFill>
+                  <a:srgbClr val="000000"/>
+                </a:solidFill>
+                <a:effectLst/>
+                <a:latin typeface="Times New Roman" panose="02020603050405020304" pitchFamily="18" charset="0"/>
+                <a:ea typeface="Times New Roman" panose="02020603050405020304" pitchFamily="18" charset="0"/>
+                <a:cs typeface="Times New Roman" panose="02020603050405020304" pitchFamily="18" charset="0"/>
+              </a:rPr>
+              <a:t>Given the limitations of missing economic data from the World Bank for the years 2021–2023, future research should focus on expanding datasets to enhance predictive accuracy. Including additional years and more detailed economic indicators could improve the strength of classification models.</a:t>
+            </a:r>
+            <a:endParaRPr lang="en-US" sz="1800" kern="100">
+              <a:solidFill>
+                <a:srgbClr val="000000"/>
+              </a:solidFill>
+              <a:effectLst/>
+              <a:latin typeface="Times New Roman" panose="02020603050405020304" pitchFamily="18" charset="0"/>
+              <a:ea typeface="Times New Roman" panose="02020603050405020304" pitchFamily="18" charset="0"/>
+            </a:endParaRPr>
+          </a:p>
+          <a:p>
+            <a:pPr marL="0" marR="0" lvl="0" indent="0" algn="l" defTabSz="914400" rtl="0" eaLnBrk="1" fontAlgn="auto" latinLnBrk="0" hangingPunct="1">
+              <a:lnSpc>
+                <a:spcPct val="100000"/>
+              </a:lnSpc>
+              <a:spcBef>
+                <a:spcPts val="0"/>
+              </a:spcBef>
+              <a:spcAft>
+                <a:spcPts val="0"/>
+              </a:spcAft>
+              <a:buClrTx/>
+              <a:buSzTx/>
+              <a:buFontTx/>
+              <a:buNone/>
+              <a:tabLst/>
+              <a:defRPr/>
+            </a:pPr>
+            <a:endParaRPr lang="en-US"/>
+          </a:p>
+        </p:txBody>
+      </p:sp>
+      <p:sp>
+        <p:nvSpPr>
+          <p:cNvPr id="4" name="Slide Number Placeholder 3">
+            <a:extLst>
+              <a:ext uri="{FF2B5EF4-FFF2-40B4-BE49-F238E27FC236}">
+                <a16:creationId xmlns:a16="http://schemas.microsoft.com/office/drawing/2014/main" id="{889316E7-CDD3-B0C3-0D6C-46640954404B}"/>
+              </a:ext>
+            </a:extLst>
+          </p:cNvPr>
+          <p:cNvSpPr>
+            <a:spLocks noGrp="1"/>
+          </p:cNvSpPr>
+          <p:nvPr>
+            <p:ph type="sldNum" sz="quarter" idx="5"/>
+          </p:nvPr>
+        </p:nvSpPr>
+        <p:spPr/>
+        <p:txBody>
+          <a:bodyPr/>
+          <a:lstStyle/>
+          <a:p>
+            <a:fld id="{0013356F-618E-452D-B1B8-A39F189951CA}" type="slidenum">
+              <a:rPr lang="en-US" smtClean="0"/>
+              <a:t>20</a:t>
+            </a:fld>
+            <a:endParaRPr lang="en-US"/>
+          </a:p>
+        </p:txBody>
+      </p:sp>
+    </p:spTree>
+    <p:extLst>
+      <p:ext uri="{BB962C8B-B14F-4D97-AF65-F5344CB8AC3E}">
+        <p14:creationId xmlns:p14="http://schemas.microsoft.com/office/powerpoint/2010/main" val="65666477"/>
       </p:ext>
     </p:extLst>
   </p:cSld>
@@ -2956,14 +3380,15 @@
           <a:bodyPr/>
           <a:lstStyle/>
           <a:p>
-            <a:pPr marL="228600" marR="8255" indent="0" algn="l">
+            <a:pPr marL="514350" marR="8255" indent="-285750" algn="l">
               <a:lnSpc>
                 <a:spcPct val="200000"/>
               </a:lnSpc>
               <a:spcAft>
                 <a:spcPts val="20"/>
               </a:spcAft>
-              <a:buNone/>
+              <a:buFont typeface="Arial" panose="020B0604020202020204" pitchFamily="34" charset="0"/>
+              <a:buChar char="•"/>
             </a:pPr>
             <a:r>
               <a:rPr lang="en-US" sz="1800" kern="100">
@@ -2975,7 +3400,7 @@
                 <a:ea typeface="Times New Roman" panose="02020603050405020304" pitchFamily="18" charset="0"/>
                 <a:cs typeface="Times New Roman" panose="02020603050405020304" pitchFamily="18" charset="0"/>
               </a:rPr>
-              <a:t>Data was sourced from the World Data Bank. The data collection process included retrieval of all fields related to the five economic indicators for years 2021 to 2023</a:t>
+              <a:t>Data was sourced from the World Data Bank. The data collection process included: retrieval of all fields related to the five economic indicators for years 2021 to 2023</a:t>
             </a:r>
             <a:r>
               <a:rPr lang="en-US" sz="1800" kern="100">
@@ -3023,7 +3448,31 @@
                 <a:ea typeface="Times New Roman" panose="02020603050405020304" pitchFamily="18" charset="0"/>
                 <a:cs typeface="Times New Roman" panose="02020603050405020304" pitchFamily="18" charset="0"/>
               </a:rPr>
-              <a:t>xecution of queries to extract relevant data points from the database. Fields with 25% or more missing values were removed to maintain data integrity and fields with fewer missing values were handled using K-Nearest Neighbors imputation techniques. </a:t>
+              <a:t>xecution of queries to extract relevant data points from the database. </a:t>
+            </a:r>
+          </a:p>
+          <a:p>
+            <a:pPr marL="514350" marR="8255" indent="-285750" algn="l">
+              <a:lnSpc>
+                <a:spcPct val="200000"/>
+              </a:lnSpc>
+              <a:spcAft>
+                <a:spcPts val="20"/>
+              </a:spcAft>
+              <a:buFont typeface="Arial" panose="020B0604020202020204" pitchFamily="34" charset="0"/>
+              <a:buChar char="•"/>
+            </a:pPr>
+            <a:r>
+              <a:rPr lang="en-US" sz="1800" kern="100">
+                <a:solidFill>
+                  <a:srgbClr val="000000"/>
+                </a:solidFill>
+                <a:effectLst/>
+                <a:latin typeface="Times New Roman" panose="02020603050405020304" pitchFamily="18" charset="0"/>
+                <a:ea typeface="Times New Roman" panose="02020603050405020304" pitchFamily="18" charset="0"/>
+                <a:cs typeface="Times New Roman" panose="02020603050405020304" pitchFamily="18" charset="0"/>
+              </a:rPr>
+              <a:t>Fields with 25% or more missing values were removed to maintain data integrity and fields with fewer missing values were handled using K-Nearest Neighbors imputation techniques. </a:t>
             </a:r>
             <a:r>
               <a:rPr lang="en-US" sz="1800">
@@ -3034,7 +3483,7 @@
                 <a:latin typeface="Times New Roman" panose="02020603050405020304" pitchFamily="18" charset="0"/>
                 <a:ea typeface="Times New Roman" panose="02020603050405020304" pitchFamily="18" charset="0"/>
               </a:rPr>
-              <a:t>To optimize the dataset for machine learning algorithms, outliers were and standardization was performed using the StandardScaler.</a:t>
+              <a:t>To optimize the dataset for machine learning algorithms, outliers were removed and standardization was performed using the StandardScaler.</a:t>
             </a:r>
             <a:endParaRPr lang="en-US" sz="1800" kern="100">
               <a:solidFill>
@@ -3151,7 +3600,7 @@
           <a:bodyPr/>
           <a:lstStyle/>
           <a:p>
-            <a:pPr marL="0" marR="0" lvl="0" indent="0" algn="l" defTabSz="914400" rtl="0" eaLnBrk="1" fontAlgn="auto" latinLnBrk="0" hangingPunct="1">
+            <a:pPr marL="285750" marR="0" lvl="0" indent="-285750" algn="l" defTabSz="914400" rtl="0" eaLnBrk="1" fontAlgn="auto" latinLnBrk="0" hangingPunct="1">
               <a:lnSpc>
                 <a:spcPct val="100000"/>
               </a:lnSpc>
@@ -3163,8 +3612,8 @@
               </a:spcAft>
               <a:buClrTx/>
               <a:buSzTx/>
-              <a:buFontTx/>
-              <a:buNone/>
+              <a:buFont typeface="Arial" panose="020B0604020202020204" pitchFamily="34" charset="0"/>
+              <a:buChar char="•"/>
               <a:tabLst/>
               <a:defRPr/>
             </a:pPr>
@@ -3178,7 +3627,61 @@
                 <a:ea typeface="Times New Roman" panose="02020603050405020304" pitchFamily="18" charset="0"/>
                 <a:cs typeface="Times New Roman" panose="02020603050405020304" pitchFamily="18" charset="0"/>
               </a:rPr>
-              <a:t>According to the World Bank, for the 2025 fiscal year: High-income economies are defined as those with a Gross National Income per capita of $14,005 or more. High-income countries are marked in blue and are predominantly located in regions like North America, Western Europe, Australia, and parts of East Asia.</a:t>
+              <a:t>According to the World Bank, for the 2025 fiscal year: High-income economies are defined as those with a Gross National Income per capita of $14,005 or more </a:t>
+            </a:r>
+            <a:r>
+              <a:rPr lang="en-US" sz="1800">
+                <a:solidFill>
+                  <a:srgbClr val="000000"/>
+                </a:solidFill>
+                <a:effectLst/>
+                <a:latin typeface="Times New Roman" panose="02020603050405020304" pitchFamily="18" charset="0"/>
+                <a:ea typeface="Times New Roman" panose="02020603050405020304" pitchFamily="18" charset="0"/>
+              </a:rPr>
+              <a:t>in 2023</a:t>
+            </a:r>
+            <a:r>
+              <a:rPr lang="en-US" sz="1800" kern="100">
+                <a:solidFill>
+                  <a:srgbClr val="000000"/>
+                </a:solidFill>
+                <a:effectLst/>
+                <a:latin typeface="Times New Roman" panose="02020603050405020304" pitchFamily="18" charset="0"/>
+                <a:ea typeface="Times New Roman" panose="02020603050405020304" pitchFamily="18" charset="0"/>
+                <a:cs typeface="Times New Roman" panose="02020603050405020304" pitchFamily="18" charset="0"/>
+              </a:rPr>
+              <a:t>. </a:t>
+            </a:r>
+          </a:p>
+          <a:p>
+            <a:pPr marL="285750" marR="0" lvl="0" indent="-285750" algn="l" defTabSz="914400" rtl="0" eaLnBrk="1" fontAlgn="auto" latinLnBrk="0" hangingPunct="1">
+              <a:lnSpc>
+                <a:spcPct val="100000"/>
+              </a:lnSpc>
+              <a:spcBef>
+                <a:spcPts val="0"/>
+              </a:spcBef>
+              <a:spcAft>
+                <a:spcPts val="0"/>
+              </a:spcAft>
+              <a:buClrTx/>
+              <a:buSzTx/>
+              <a:buFont typeface="Arial" panose="020B0604020202020204" pitchFamily="34" charset="0"/>
+              <a:buChar char="•"/>
+              <a:tabLst/>
+              <a:defRPr/>
+            </a:pPr>
+            <a:r>
+              <a:rPr lang="en-US" sz="1800" kern="100">
+                <a:solidFill>
+                  <a:srgbClr val="000000"/>
+                </a:solidFill>
+                <a:effectLst/>
+                <a:latin typeface="Times New Roman" panose="02020603050405020304" pitchFamily="18" charset="0"/>
+                <a:ea typeface="Times New Roman" panose="02020603050405020304" pitchFamily="18" charset="0"/>
+                <a:cs typeface="Times New Roman" panose="02020603050405020304" pitchFamily="18" charset="0"/>
+              </a:rPr>
+              <a:t>In this map high-income countries are marked in blue and are predominantly located in regions like North America, Western Europe, Australia, and parts of East Asia.</a:t>
             </a:r>
             <a:endParaRPr lang="en-US"/>
           </a:p>
@@ -3314,7 +3817,7 @@
                 <a:latin typeface="Times New Roman" panose="02020603050405020304" pitchFamily="18" charset="0"/>
                 <a:ea typeface="Times New Roman" panose="02020603050405020304" pitchFamily="18" charset="0"/>
               </a:rPr>
-              <a:t>To investigate the five indicators—Gross Domestic Product (GDP), GDP growth, foreign investment, inflation rate, and government spending—and examine their influence on economic performance and national income levels, we started by examining how GDP changed from 2021 to 2023 in the top 20 countries with the highest GDP. </a:t>
+              <a:t>To investigate the five indicators—GDP, GDP growth, foreign investment, inflation rate, and government spending—and examine their influence on economic performance and national income levels, we started by examining how Gross Domestic Product changed from 2021 to 2023. </a:t>
             </a:r>
             <a:endParaRPr lang="en-US"/>
           </a:p>
@@ -3406,7 +3909,7 @@
           <a:bodyPr/>
           <a:lstStyle/>
           <a:p>
-            <a:pPr marL="0" marR="0" lvl="0" indent="0" algn="l" defTabSz="914400" rtl="0" eaLnBrk="1" fontAlgn="auto" latinLnBrk="0" hangingPunct="1">
+            <a:pPr marL="285750" marR="0" lvl="0" indent="-285750" algn="l" defTabSz="914400" rtl="0" eaLnBrk="1" fontAlgn="auto" latinLnBrk="0" hangingPunct="1">
               <a:lnSpc>
                 <a:spcPct val="100000"/>
               </a:lnSpc>
@@ -3418,8 +3921,8 @@
               </a:spcAft>
               <a:buClrTx/>
               <a:buSzTx/>
-              <a:buFontTx/>
-              <a:buNone/>
+              <a:buFont typeface="Arial" panose="020B0604020202020204" pitchFamily="34" charset="0"/>
+              <a:buChar char="•"/>
               <a:tabLst/>
               <a:defRPr/>
             </a:pPr>
@@ -3432,7 +3935,37 @@
                 <a:latin typeface="Times New Roman" panose="02020603050405020304" pitchFamily="18" charset="0"/>
                 <a:ea typeface="Times New Roman" panose="02020603050405020304" pitchFamily="18" charset="0"/>
               </a:rPr>
-              <a:t>The United States dominates, maintaining the highest GDP across all three years. China consistently follows in second place. A statistical analysis was performed to evaluate the difference in GDP between high-income countries and countries in other income groups. The results of the t-test yielded a T-statistic of 2.46 and a P-value of 0.01, indicating a significant difference at the 95% confidence level. </a:t>
+              <a:t>Among the top 20 countries with the highest GDP, the United States dominates, maintaining the highest GDP across all three years. China consistently follows in second place.</a:t>
+            </a:r>
+          </a:p>
+          <a:p>
+            <a:pPr marL="285750" marR="0" lvl="0" indent="-285750" algn="l" defTabSz="914400" rtl="0" eaLnBrk="1" fontAlgn="auto" latinLnBrk="0" hangingPunct="1">
+              <a:lnSpc>
+                <a:spcPct val="100000"/>
+              </a:lnSpc>
+              <a:spcBef>
+                <a:spcPts val="0"/>
+              </a:spcBef>
+              <a:spcAft>
+                <a:spcPts val="0"/>
+              </a:spcAft>
+              <a:buClrTx/>
+              <a:buSzTx/>
+              <a:buFont typeface="Arial" panose="020B0604020202020204" pitchFamily="34" charset="0"/>
+              <a:buChar char="•"/>
+              <a:tabLst/>
+              <a:defRPr/>
+            </a:pPr>
+            <a:r>
+              <a:rPr lang="en-US" sz="1800">
+                <a:solidFill>
+                  <a:srgbClr val="000000"/>
+                </a:solidFill>
+                <a:effectLst/>
+                <a:latin typeface="Times New Roman" panose="02020603050405020304" pitchFamily="18" charset="0"/>
+                <a:ea typeface="Times New Roman" panose="02020603050405020304" pitchFamily="18" charset="0"/>
+              </a:rPr>
+              <a:t>A statistical analysis was performed to evaluate the difference in GDP between high-income countries and countries in other income groups. The results of the t-test yielded a T-statistic of 2.46 and a P-value of 0.01, indicating a significant difference at the 95% confidence level. </a:t>
             </a:r>
             <a:endParaRPr lang="en-US"/>
           </a:p>
@@ -3562,7 +4095,7 @@
                 <a:latin typeface="Times New Roman" panose="02020603050405020304" pitchFamily="18" charset="0"/>
                 <a:ea typeface="Times New Roman" panose="02020603050405020304" pitchFamily="18" charset="0"/>
               </a:rPr>
-              <a:t>This Kernel Density Estimate plot illustrates the distribution of GDP growth rates across four income levels. In the High Income Group, the distribution is more concentrated, with a prominent peak near the moderate GDP growth rate range. This indicates that most high-income countries have stable and predictable GDP growth rates with fewer outliers.</a:t>
+              <a:t>This Kernel Density Estimate plot illustrates the distribution of GDP growth rates across four income levels. In the High Income Group, the distribution is more concentrated, with a peak near the moderate GDP growth rate range which indicates that most high-income countries have stable and predictable GDP growth rates.</a:t>
             </a:r>
             <a:endParaRPr lang="en-US"/>
           </a:p>
@@ -3672,14 +4205,15 @@
           <a:bodyPr/>
           <a:lstStyle/>
           <a:p>
-            <a:pPr marL="0" marR="8255" indent="0" algn="l">
+            <a:pPr marL="285750" marR="8255" indent="-285750" algn="l">
               <a:lnSpc>
                 <a:spcPct val="200000"/>
               </a:lnSpc>
               <a:spcAft>
                 <a:spcPts val="20"/>
               </a:spcAft>
-              <a:buNone/>
+              <a:buFont typeface="Arial" panose="020B0604020202020204" pitchFamily="34" charset="0"/>
+              <a:buChar char="•"/>
             </a:pPr>
             <a:r>
               <a:rPr lang="en-US" sz="1800">
@@ -3690,7 +4224,30 @@
                 <a:latin typeface="Times New Roman" panose="02020603050405020304" pitchFamily="18" charset="0"/>
                 <a:ea typeface="Times New Roman" panose="02020603050405020304" pitchFamily="18" charset="0"/>
               </a:rPr>
-              <a:t>Higher-income groups experience much lower variability in inflation rates, with fewer outliers. While inflation seems to have affected all income groups, its impact is disproportionately higher for lower-income populations. A chi-square test was conducted to determine if income level impacts inflation rate. The P-value of 0.0036 is much less than 0.05, indicating a statistically significant relationship between income level and inflation rate.</a:t>
+              <a:t>During this period, right after the COVID pandemic, inflation affected all income groups, but its impact was much greater on lower-income nations.</a:t>
+            </a:r>
+          </a:p>
+          <a:p>
+            <a:pPr marL="285750" marR="8255" indent="-285750" algn="l">
+              <a:lnSpc>
+                <a:spcPct val="200000"/>
+              </a:lnSpc>
+              <a:spcAft>
+                <a:spcPts val="20"/>
+              </a:spcAft>
+              <a:buFont typeface="Arial" panose="020B0604020202020204" pitchFamily="34" charset="0"/>
+              <a:buChar char="•"/>
+            </a:pPr>
+            <a:r>
+              <a:rPr lang="en-US" sz="1800">
+                <a:solidFill>
+                  <a:srgbClr val="000000"/>
+                </a:solidFill>
+                <a:effectLst/>
+                <a:latin typeface="Times New Roman" panose="02020603050405020304" pitchFamily="18" charset="0"/>
+                <a:ea typeface="Times New Roman" panose="02020603050405020304" pitchFamily="18" charset="0"/>
+              </a:rPr>
+              <a:t>A chi-square test was conducted to determine if income level impacts inflation rate. The P-value of 0.0036 indicates a significant relationship between income level and inflation rate.</a:t>
             </a:r>
             <a:endParaRPr lang="en-US" sz="1800" kern="100">
               <a:solidFill>
@@ -3807,7 +4364,7 @@
           <a:bodyPr/>
           <a:lstStyle/>
           <a:p>
-            <a:pPr marL="0" marR="0" lvl="0" indent="0" algn="l" defTabSz="914400" rtl="0" eaLnBrk="1" fontAlgn="auto" latinLnBrk="0" hangingPunct="1">
+            <a:pPr marL="285750" marR="0" lvl="0" indent="-285750" algn="l" defTabSz="914400" rtl="0" eaLnBrk="1" fontAlgn="auto" latinLnBrk="0" hangingPunct="1">
               <a:lnSpc>
                 <a:spcPct val="100000"/>
               </a:lnSpc>
@@ -3819,8 +4376,8 @@
               </a:spcAft>
               <a:buClrTx/>
               <a:buSzTx/>
-              <a:buFontTx/>
-              <a:buNone/>
+              <a:buFont typeface="Arial" panose="020B0604020202020204" pitchFamily="34" charset="0"/>
+              <a:buChar char="•"/>
               <a:tabLst/>
               <a:defRPr/>
             </a:pPr>
@@ -3833,8 +4390,27 @@
                 <a:latin typeface="Times New Roman" panose="02020603050405020304" pitchFamily="18" charset="0"/>
                 <a:ea typeface="Times New Roman" panose="02020603050405020304" pitchFamily="18" charset="0"/>
               </a:rPr>
-              <a:t>Government spending is a key economic indicator that shapes recovery trends, inflation control, and overall financial stability. A significant component of government expenditure is military spending, which plays a crucial role in national security and global influence but also impacts broader economic conditions. </a:t>
-            </a:r>
+              <a:t>After the covid pandemic, government spending was one of the key economic indicators that shaped recovery trends, inflation control, and overall financial stability and a significant component of government spending is military spending, which plays a crucial role in national security and global influence but also impacts broader economic conditions. </a:t>
+            </a:r>
+          </a:p>
+          <a:p>
+            <a:pPr marL="285750" marR="0" lvl="0" indent="-285750" algn="l" defTabSz="914400" rtl="0" eaLnBrk="1" fontAlgn="auto" latinLnBrk="0" hangingPunct="1">
+              <a:lnSpc>
+                <a:spcPct val="100000"/>
+              </a:lnSpc>
+              <a:spcBef>
+                <a:spcPts val="0"/>
+              </a:spcBef>
+              <a:spcAft>
+                <a:spcPts val="0"/>
+              </a:spcAft>
+              <a:buClrTx/>
+              <a:buSzTx/>
+              <a:buFont typeface="Arial" panose="020B0604020202020204" pitchFamily="34" charset="0"/>
+              <a:buChar char="•"/>
+              <a:tabLst/>
+              <a:defRPr/>
+            </a:pPr>
             <a:r>
               <a:rPr lang="en-US" sz="1800" kern="100">
                 <a:solidFill>
@@ -3845,7 +4421,7 @@
                 <a:ea typeface="Times New Roman" panose="02020603050405020304" pitchFamily="18" charset="0"/>
                 <a:cs typeface="Times New Roman" panose="02020603050405020304" pitchFamily="18" charset="0"/>
               </a:rPr>
-              <a:t>Government spending increased sharply in 2022, peaking during economic recovery efforts. However, military spending showed a steady or modest upward trend, indicating continued defense priorities despite shifts in overall fiscal policies.</a:t>
+              <a:t>Government spending increased sharply in 2022, peaking during economic recovery efforts. However, military spending showed a steady or modest upward trend, indicating continued defense priorities despite shifts in overall policies.</a:t>
             </a:r>
             <a:endParaRPr lang="en-US" sz="1800" kern="100">
               <a:solidFill>
@@ -3977,7 +4553,7 @@
           <a:noFill/>
           <a:extLst>
             <a:ext uri="{909E8E84-426E-40dd-AFC4-6F175D3DCCD1}">
-              <a14:hiddenFill xmlns="" xmlns:a14="http://schemas.microsoft.com/office/drawing/2010/main">
+              <a14:hiddenFill xmlns:a14="http://schemas.microsoft.com/office/drawing/2010/main" xmlns="">
                 <a:solidFill>
                   <a:srgbClr val="FFFFFF"/>
                 </a:solidFill>
@@ -4036,7 +4612,7 @@
             </a:ln>
             <a:extLst>
               <a:ext uri="{91240B29-F687-4f45-9708-019B960494DF}">
-                <a14:hiddenLine xmlns="" xmlns:a14="http://schemas.microsoft.com/office/drawing/2010/main" w="9525">
+                <a14:hiddenLine xmlns:a14="http://schemas.microsoft.com/office/drawing/2010/main" xmlns="" w="9525">
                   <a:solidFill>
                     <a:srgbClr val="000000"/>
                   </a:solidFill>
@@ -4126,7 +4702,7 @@
             </a:ln>
             <a:extLst>
               <a:ext uri="{91240B29-F687-4f45-9708-019B960494DF}">
-                <a14:hiddenLine xmlns="" xmlns:a14="http://schemas.microsoft.com/office/drawing/2010/main" w="9525">
+                <a14:hiddenLine xmlns:a14="http://schemas.microsoft.com/office/drawing/2010/main" xmlns="" w="9525">
                   <a:solidFill>
                     <a:srgbClr val="000000"/>
                   </a:solidFill>
@@ -4216,7 +4792,7 @@
             </a:ln>
             <a:extLst>
               <a:ext uri="{91240B29-F687-4f45-9708-019B960494DF}">
-                <a14:hiddenLine xmlns="" xmlns:a14="http://schemas.microsoft.com/office/drawing/2010/main" w="9525">
+                <a14:hiddenLine xmlns:a14="http://schemas.microsoft.com/office/drawing/2010/main" xmlns="" w="9525">
                   <a:solidFill>
                     <a:srgbClr val="000000"/>
                   </a:solidFill>
@@ -4250,7 +4826,7 @@
             </a:ln>
             <a:extLst>
               <a:ext uri="{91240B29-F687-4f45-9708-019B960494DF}">
-                <a14:hiddenLine xmlns="" xmlns:a14="http://schemas.microsoft.com/office/drawing/2010/main" w="9525">
+                <a14:hiddenLine xmlns:a14="http://schemas.microsoft.com/office/drawing/2010/main" xmlns="" w="9525">
                   <a:solidFill>
                     <a:srgbClr val="000000"/>
                   </a:solidFill>
@@ -4340,7 +4916,7 @@
             </a:ln>
             <a:extLst>
               <a:ext uri="{91240B29-F687-4f45-9708-019B960494DF}">
-                <a14:hiddenLine xmlns="" xmlns:a14="http://schemas.microsoft.com/office/drawing/2010/main" w="9525">
+                <a14:hiddenLine xmlns:a14="http://schemas.microsoft.com/office/drawing/2010/main" xmlns="" w="9525">
                   <a:solidFill>
                     <a:srgbClr val="000000"/>
                   </a:solidFill>
@@ -4402,7 +4978,7 @@
             </a:ln>
             <a:extLst>
               <a:ext uri="{91240B29-F687-4f45-9708-019B960494DF}">
-                <a14:hiddenLine xmlns="" xmlns:a14="http://schemas.microsoft.com/office/drawing/2010/main" w="9525">
+                <a14:hiddenLine xmlns:a14="http://schemas.microsoft.com/office/drawing/2010/main" xmlns="" w="9525">
                   <a:solidFill>
                     <a:srgbClr val="000000"/>
                   </a:solidFill>
@@ -4464,7 +5040,7 @@
             </a:ln>
             <a:extLst>
               <a:ext uri="{91240B29-F687-4f45-9708-019B960494DF}">
-                <a14:hiddenLine xmlns="" xmlns:a14="http://schemas.microsoft.com/office/drawing/2010/main" w="9525">
+                <a14:hiddenLine xmlns:a14="http://schemas.microsoft.com/office/drawing/2010/main" xmlns="" w="9525">
                   <a:solidFill>
                     <a:srgbClr val="000000"/>
                   </a:solidFill>
@@ -4554,7 +5130,7 @@
             </a:ln>
             <a:extLst>
               <a:ext uri="{91240B29-F687-4f45-9708-019B960494DF}">
-                <a14:hiddenLine xmlns="" xmlns:a14="http://schemas.microsoft.com/office/drawing/2010/main" w="9525">
+                <a14:hiddenLine xmlns:a14="http://schemas.microsoft.com/office/drawing/2010/main" xmlns="" w="9525">
                   <a:solidFill>
                     <a:srgbClr val="000000"/>
                   </a:solidFill>
@@ -4616,7 +5192,7 @@
             </a:ln>
             <a:extLst>
               <a:ext uri="{91240B29-F687-4f45-9708-019B960494DF}">
-                <a14:hiddenLine xmlns="" xmlns:a14="http://schemas.microsoft.com/office/drawing/2010/main" w="9525">
+                <a14:hiddenLine xmlns:a14="http://schemas.microsoft.com/office/drawing/2010/main" xmlns="" w="9525">
                   <a:solidFill>
                     <a:srgbClr val="000000"/>
                   </a:solidFill>
@@ -4678,7 +5254,7 @@
             </a:ln>
             <a:extLst>
               <a:ext uri="{91240B29-F687-4f45-9708-019B960494DF}">
-                <a14:hiddenLine xmlns="" xmlns:a14="http://schemas.microsoft.com/office/drawing/2010/main" w="9525">
+                <a14:hiddenLine xmlns:a14="http://schemas.microsoft.com/office/drawing/2010/main" xmlns="" w="9525">
                   <a:solidFill>
                     <a:srgbClr val="000000"/>
                   </a:solidFill>
@@ -4768,7 +5344,7 @@
             </a:ln>
             <a:extLst>
               <a:ext uri="{91240B29-F687-4f45-9708-019B960494DF}">
-                <a14:hiddenLine xmlns="" xmlns:a14="http://schemas.microsoft.com/office/drawing/2010/main" w="9525">
+                <a14:hiddenLine xmlns:a14="http://schemas.microsoft.com/office/drawing/2010/main" xmlns="" w="9525">
                   <a:solidFill>
                     <a:srgbClr val="000000"/>
                   </a:solidFill>
@@ -4858,7 +5434,7 @@
             </a:ln>
             <a:extLst>
               <a:ext uri="{91240B29-F687-4f45-9708-019B960494DF}">
-                <a14:hiddenLine xmlns="" xmlns:a14="http://schemas.microsoft.com/office/drawing/2010/main" w="9525">
+                <a14:hiddenLine xmlns:a14="http://schemas.microsoft.com/office/drawing/2010/main" xmlns="" w="9525">
                   <a:solidFill>
                     <a:srgbClr val="000000"/>
                   </a:solidFill>
@@ -4920,7 +5496,7 @@
             </a:ln>
             <a:extLst>
               <a:ext uri="{91240B29-F687-4f45-9708-019B960494DF}">
-                <a14:hiddenLine xmlns="" xmlns:a14="http://schemas.microsoft.com/office/drawing/2010/main" w="9525">
+                <a14:hiddenLine xmlns:a14="http://schemas.microsoft.com/office/drawing/2010/main" xmlns="" w="9525">
                   <a:solidFill>
                     <a:srgbClr val="000000"/>
                   </a:solidFill>
@@ -5030,7 +5606,7 @@
             </a:ln>
             <a:extLst>
               <a:ext uri="{91240B29-F687-4f45-9708-019B960494DF}">
-                <a14:hiddenLine xmlns="" xmlns:a14="http://schemas.microsoft.com/office/drawing/2010/main" w="9525">
+                <a14:hiddenLine xmlns:a14="http://schemas.microsoft.com/office/drawing/2010/main" xmlns="" w="9525">
                   <a:solidFill>
                     <a:srgbClr val="000000"/>
                   </a:solidFill>
@@ -5092,7 +5668,7 @@
             </a:ln>
             <a:extLst>
               <a:ext uri="{91240B29-F687-4f45-9708-019B960494DF}">
-                <a14:hiddenLine xmlns="" xmlns:a14="http://schemas.microsoft.com/office/drawing/2010/main" w="9525">
+                <a14:hiddenLine xmlns:a14="http://schemas.microsoft.com/office/drawing/2010/main" xmlns="" w="9525">
                   <a:solidFill>
                     <a:srgbClr val="000000"/>
                   </a:solidFill>
@@ -5182,7 +5758,7 @@
             </a:ln>
             <a:extLst>
               <a:ext uri="{91240B29-F687-4f45-9708-019B960494DF}">
-                <a14:hiddenLine xmlns="" xmlns:a14="http://schemas.microsoft.com/office/drawing/2010/main" w="9525">
+                <a14:hiddenLine xmlns:a14="http://schemas.microsoft.com/office/drawing/2010/main" xmlns="" w="9525">
                   <a:solidFill>
                     <a:srgbClr val="000000"/>
                   </a:solidFill>
@@ -5272,7 +5848,7 @@
             </a:ln>
             <a:extLst>
               <a:ext uri="{91240B29-F687-4f45-9708-019B960494DF}">
-                <a14:hiddenLine xmlns="" xmlns:a14="http://schemas.microsoft.com/office/drawing/2010/main" w="9525">
+                <a14:hiddenLine xmlns:a14="http://schemas.microsoft.com/office/drawing/2010/main" xmlns="" w="9525">
                   <a:solidFill>
                     <a:srgbClr val="000000"/>
                   </a:solidFill>
@@ -5334,7 +5910,7 @@
             </a:ln>
             <a:extLst>
               <a:ext uri="{91240B29-F687-4f45-9708-019B960494DF}">
-                <a14:hiddenLine xmlns="" xmlns:a14="http://schemas.microsoft.com/office/drawing/2010/main" w="9525">
+                <a14:hiddenLine xmlns:a14="http://schemas.microsoft.com/office/drawing/2010/main" xmlns="" w="9525">
                   <a:solidFill>
                     <a:srgbClr val="000000"/>
                   </a:solidFill>
@@ -5424,7 +6000,7 @@
             </a:ln>
             <a:extLst>
               <a:ext uri="{91240B29-F687-4f45-9708-019B960494DF}">
-                <a14:hiddenLine xmlns="" xmlns:a14="http://schemas.microsoft.com/office/drawing/2010/main" w="9525">
+                <a14:hiddenLine xmlns:a14="http://schemas.microsoft.com/office/drawing/2010/main" xmlns="" w="9525">
                   <a:solidFill>
                     <a:srgbClr val="000000"/>
                   </a:solidFill>
@@ -5514,7 +6090,7 @@
             </a:ln>
             <a:extLst>
               <a:ext uri="{91240B29-F687-4f45-9708-019B960494DF}">
-                <a14:hiddenLine xmlns="" xmlns:a14="http://schemas.microsoft.com/office/drawing/2010/main" w="9525">
+                <a14:hiddenLine xmlns:a14="http://schemas.microsoft.com/office/drawing/2010/main" xmlns="" w="9525">
                   <a:solidFill>
                     <a:srgbClr val="000000"/>
                   </a:solidFill>
@@ -5570,7 +6146,7 @@
             </a:ln>
             <a:extLst>
               <a:ext uri="{91240B29-F687-4f45-9708-019B960494DF}">
-                <a14:hiddenLine xmlns="" xmlns:a14="http://schemas.microsoft.com/office/drawing/2010/main" w="9525">
+                <a14:hiddenLine xmlns:a14="http://schemas.microsoft.com/office/drawing/2010/main" xmlns="" w="9525">
                   <a:solidFill>
                     <a:srgbClr val="000000"/>
                   </a:solidFill>
@@ -5660,7 +6236,7 @@
             </a:ln>
             <a:extLst>
               <a:ext uri="{91240B29-F687-4f45-9708-019B960494DF}">
-                <a14:hiddenLine xmlns="" xmlns:a14="http://schemas.microsoft.com/office/drawing/2010/main" w="9525">
+                <a14:hiddenLine xmlns:a14="http://schemas.microsoft.com/office/drawing/2010/main" xmlns="" w="9525">
                   <a:solidFill>
                     <a:srgbClr val="000000"/>
                   </a:solidFill>
@@ -5716,7 +6292,7 @@
             </a:ln>
             <a:extLst>
               <a:ext uri="{91240B29-F687-4f45-9708-019B960494DF}">
-                <a14:hiddenLine xmlns="" xmlns:a14="http://schemas.microsoft.com/office/drawing/2010/main" w="9525">
+                <a14:hiddenLine xmlns:a14="http://schemas.microsoft.com/office/drawing/2010/main" xmlns="" w="9525">
                   <a:solidFill>
                     <a:srgbClr val="000000"/>
                   </a:solidFill>
@@ -5806,7 +6382,7 @@
             </a:ln>
             <a:extLst>
               <a:ext uri="{91240B29-F687-4f45-9708-019B960494DF}">
-                <a14:hiddenLine xmlns="" xmlns:a14="http://schemas.microsoft.com/office/drawing/2010/main" w="9525">
+                <a14:hiddenLine xmlns:a14="http://schemas.microsoft.com/office/drawing/2010/main" xmlns="" w="9525">
                   <a:solidFill>
                     <a:srgbClr val="000000"/>
                   </a:solidFill>
@@ -5874,7 +6450,7 @@
             </a:ln>
             <a:extLst>
               <a:ext uri="{91240B29-F687-4f45-9708-019B960494DF}">
-                <a14:hiddenLine xmlns="" xmlns:a14="http://schemas.microsoft.com/office/drawing/2010/main" w="9525">
+                <a14:hiddenLine xmlns:a14="http://schemas.microsoft.com/office/drawing/2010/main" xmlns="" w="9525">
                   <a:solidFill>
                     <a:srgbClr val="000000"/>
                   </a:solidFill>
@@ -5964,7 +6540,7 @@
             </a:ln>
             <a:extLst>
               <a:ext uri="{91240B29-F687-4f45-9708-019B960494DF}">
-                <a14:hiddenLine xmlns="" xmlns:a14="http://schemas.microsoft.com/office/drawing/2010/main" w="9525">
+                <a14:hiddenLine xmlns:a14="http://schemas.microsoft.com/office/drawing/2010/main" xmlns="" w="9525">
                   <a:solidFill>
                     <a:srgbClr val="000000"/>
                   </a:solidFill>
@@ -6032,7 +6608,7 @@
             </a:ln>
             <a:extLst>
               <a:ext uri="{91240B29-F687-4f45-9708-019B960494DF}">
-                <a14:hiddenLine xmlns="" xmlns:a14="http://schemas.microsoft.com/office/drawing/2010/main" w="9525">
+                <a14:hiddenLine xmlns:a14="http://schemas.microsoft.com/office/drawing/2010/main" xmlns="" w="9525">
                   <a:solidFill>
                     <a:srgbClr val="000000"/>
                   </a:solidFill>
@@ -6122,7 +6698,7 @@
             </a:ln>
             <a:extLst>
               <a:ext uri="{91240B29-F687-4f45-9708-019B960494DF}">
-                <a14:hiddenLine xmlns="" xmlns:a14="http://schemas.microsoft.com/office/drawing/2010/main" w="9525">
+                <a14:hiddenLine xmlns:a14="http://schemas.microsoft.com/office/drawing/2010/main" xmlns="" w="9525">
                   <a:solidFill>
                     <a:srgbClr val="000000"/>
                   </a:solidFill>
@@ -6156,7 +6732,7 @@
             </a:ln>
             <a:extLst>
               <a:ext uri="{91240B29-F687-4f45-9708-019B960494DF}">
-                <a14:hiddenLine xmlns="" xmlns:a14="http://schemas.microsoft.com/office/drawing/2010/main" w="9525">
+                <a14:hiddenLine xmlns:a14="http://schemas.microsoft.com/office/drawing/2010/main" xmlns="" w="9525">
                   <a:solidFill>
                     <a:srgbClr val="000000"/>
                   </a:solidFill>
@@ -6246,7 +6822,7 @@
             </a:ln>
             <a:extLst>
               <a:ext uri="{91240B29-F687-4f45-9708-019B960494DF}">
-                <a14:hiddenLine xmlns="" xmlns:a14="http://schemas.microsoft.com/office/drawing/2010/main" w="9525">
+                <a14:hiddenLine xmlns:a14="http://schemas.microsoft.com/office/drawing/2010/main" xmlns="" w="9525">
                   <a:solidFill>
                     <a:srgbClr val="000000"/>
                   </a:solidFill>
@@ -6308,7 +6884,7 @@
             </a:ln>
             <a:extLst>
               <a:ext uri="{91240B29-F687-4f45-9708-019B960494DF}">
-                <a14:hiddenLine xmlns="" xmlns:a14="http://schemas.microsoft.com/office/drawing/2010/main" w="9525">
+                <a14:hiddenLine xmlns:a14="http://schemas.microsoft.com/office/drawing/2010/main" xmlns="" w="9525">
                   <a:solidFill>
                     <a:srgbClr val="000000"/>
                   </a:solidFill>
@@ -6370,7 +6946,7 @@
             </a:ln>
             <a:extLst>
               <a:ext uri="{91240B29-F687-4f45-9708-019B960494DF}">
-                <a14:hiddenLine xmlns="" xmlns:a14="http://schemas.microsoft.com/office/drawing/2010/main" w="9525">
+                <a14:hiddenLine xmlns:a14="http://schemas.microsoft.com/office/drawing/2010/main" xmlns="" w="9525">
                   <a:solidFill>
                     <a:srgbClr val="000000"/>
                   </a:solidFill>
@@ -6460,7 +7036,7 @@
             </a:ln>
             <a:extLst>
               <a:ext uri="{91240B29-F687-4f45-9708-019B960494DF}">
-                <a14:hiddenLine xmlns="" xmlns:a14="http://schemas.microsoft.com/office/drawing/2010/main" w="9525">
+                <a14:hiddenLine xmlns:a14="http://schemas.microsoft.com/office/drawing/2010/main" xmlns="" w="9525">
                   <a:solidFill>
                     <a:srgbClr val="000000"/>
                   </a:solidFill>
@@ -6528,7 +7104,7 @@
             </a:ln>
             <a:extLst>
               <a:ext uri="{91240B29-F687-4f45-9708-019B960494DF}">
-                <a14:hiddenLine xmlns="" xmlns:a14="http://schemas.microsoft.com/office/drawing/2010/main" w="9525">
+                <a14:hiddenLine xmlns:a14="http://schemas.microsoft.com/office/drawing/2010/main" xmlns="" w="9525">
                   <a:solidFill>
                     <a:srgbClr val="000000"/>
                   </a:solidFill>
@@ -6590,7 +7166,7 @@
             </a:ln>
             <a:extLst>
               <a:ext uri="{91240B29-F687-4f45-9708-019B960494DF}">
-                <a14:hiddenLine xmlns="" xmlns:a14="http://schemas.microsoft.com/office/drawing/2010/main" w="9525">
+                <a14:hiddenLine xmlns:a14="http://schemas.microsoft.com/office/drawing/2010/main" xmlns="" w="9525">
                   <a:solidFill>
                     <a:srgbClr val="000000"/>
                   </a:solidFill>
@@ -6680,7 +7256,7 @@
             </a:ln>
             <a:extLst>
               <a:ext uri="{91240B29-F687-4f45-9708-019B960494DF}">
-                <a14:hiddenLine xmlns="" xmlns:a14="http://schemas.microsoft.com/office/drawing/2010/main" w="9525">
+                <a14:hiddenLine xmlns:a14="http://schemas.microsoft.com/office/drawing/2010/main" xmlns="" w="9525">
                   <a:solidFill>
                     <a:srgbClr val="000000"/>
                   </a:solidFill>
@@ -6742,7 +7318,7 @@
             </a:ln>
             <a:extLst>
               <a:ext uri="{91240B29-F687-4f45-9708-019B960494DF}">
-                <a14:hiddenLine xmlns="" xmlns:a14="http://schemas.microsoft.com/office/drawing/2010/main" w="9525">
+                <a14:hiddenLine xmlns:a14="http://schemas.microsoft.com/office/drawing/2010/main" xmlns="" w="9525">
                   <a:solidFill>
                     <a:srgbClr val="000000"/>
                   </a:solidFill>
@@ -6832,7 +7408,7 @@
             </a:ln>
             <a:extLst>
               <a:ext uri="{91240B29-F687-4f45-9708-019B960494DF}">
-                <a14:hiddenLine xmlns="" xmlns:a14="http://schemas.microsoft.com/office/drawing/2010/main" w="9525">
+                <a14:hiddenLine xmlns:a14="http://schemas.microsoft.com/office/drawing/2010/main" xmlns="" w="9525">
                   <a:solidFill>
                     <a:srgbClr val="000000"/>
                   </a:solidFill>
@@ -6894,7 +7470,7 @@
             </a:ln>
             <a:extLst>
               <a:ext uri="{91240B29-F687-4f45-9708-019B960494DF}">
-                <a14:hiddenLine xmlns="" xmlns:a14="http://schemas.microsoft.com/office/drawing/2010/main" w="9525">
+                <a14:hiddenLine xmlns:a14="http://schemas.microsoft.com/office/drawing/2010/main" xmlns="" w="9525">
                   <a:solidFill>
                     <a:srgbClr val="000000"/>
                   </a:solidFill>
@@ -6984,7 +7560,7 @@
             </a:ln>
             <a:extLst>
               <a:ext uri="{91240B29-F687-4f45-9708-019B960494DF}">
-                <a14:hiddenLine xmlns="" xmlns:a14="http://schemas.microsoft.com/office/drawing/2010/main" w="9525">
+                <a14:hiddenLine xmlns:a14="http://schemas.microsoft.com/office/drawing/2010/main" xmlns="" w="9525">
                   <a:solidFill>
                     <a:srgbClr val="000000"/>
                   </a:solidFill>
@@ -7018,7 +7594,7 @@
             </a:ln>
             <a:extLst>
               <a:ext uri="{91240B29-F687-4f45-9708-019B960494DF}">
-                <a14:hiddenLine xmlns="" xmlns:a14="http://schemas.microsoft.com/office/drawing/2010/main" w="9525">
+                <a14:hiddenLine xmlns:a14="http://schemas.microsoft.com/office/drawing/2010/main" xmlns="" w="9525">
                   <a:solidFill>
                     <a:srgbClr val="000000"/>
                   </a:solidFill>
@@ -7083,7 +7659,7 @@
             </a:ln>
             <a:extLst>
               <a:ext uri="{91240B29-F687-4f45-9708-019B960494DF}">
-                <a14:hiddenLine xmlns="" xmlns:a14="http://schemas.microsoft.com/office/drawing/2010/main" w="9525">
+                <a14:hiddenLine xmlns:a14="http://schemas.microsoft.com/office/drawing/2010/main" xmlns="" w="9525">
                   <a:solidFill>
                     <a:srgbClr val="000000"/>
                   </a:solidFill>
@@ -7173,7 +7749,7 @@
             </a:ln>
             <a:extLst>
               <a:ext uri="{91240B29-F687-4f45-9708-019B960494DF}">
-                <a14:hiddenLine xmlns="" xmlns:a14="http://schemas.microsoft.com/office/drawing/2010/main" w="9525">
+                <a14:hiddenLine xmlns:a14="http://schemas.microsoft.com/office/drawing/2010/main" xmlns="" w="9525">
                   <a:solidFill>
                     <a:srgbClr val="000000"/>
                   </a:solidFill>
@@ -7235,7 +7811,7 @@
             </a:ln>
             <a:extLst>
               <a:ext uri="{91240B29-F687-4f45-9708-019B960494DF}">
-                <a14:hiddenLine xmlns="" xmlns:a14="http://schemas.microsoft.com/office/drawing/2010/main" w="9525">
+                <a14:hiddenLine xmlns:a14="http://schemas.microsoft.com/office/drawing/2010/main" xmlns="" w="9525">
                   <a:solidFill>
                     <a:srgbClr val="000000"/>
                   </a:solidFill>
@@ -7325,7 +7901,7 @@
             </a:ln>
             <a:extLst>
               <a:ext uri="{91240B29-F687-4f45-9708-019B960494DF}">
-                <a14:hiddenLine xmlns="" xmlns:a14="http://schemas.microsoft.com/office/drawing/2010/main" w="9525">
+                <a14:hiddenLine xmlns:a14="http://schemas.microsoft.com/office/drawing/2010/main" xmlns="" w="9525">
                   <a:solidFill>
                     <a:srgbClr val="000000"/>
                   </a:solidFill>
@@ -7415,7 +7991,7 @@
             </a:ln>
             <a:extLst>
               <a:ext uri="{91240B29-F687-4f45-9708-019B960494DF}">
-                <a14:hiddenLine xmlns="" xmlns:a14="http://schemas.microsoft.com/office/drawing/2010/main" w="9525">
+                <a14:hiddenLine xmlns:a14="http://schemas.microsoft.com/office/drawing/2010/main" xmlns="" w="9525">
                   <a:solidFill>
                     <a:srgbClr val="000000"/>
                   </a:solidFill>
@@ -7480,7 +8056,7 @@
             </a:ln>
             <a:extLst>
               <a:ext uri="{91240B29-F687-4f45-9708-019B960494DF}">
-                <a14:hiddenLine xmlns="" xmlns:a14="http://schemas.microsoft.com/office/drawing/2010/main" w="9525">
+                <a14:hiddenLine xmlns:a14="http://schemas.microsoft.com/office/drawing/2010/main" xmlns="" w="9525">
                   <a:solidFill>
                     <a:srgbClr val="000000"/>
                   </a:solidFill>
@@ -7542,7 +8118,7 @@
             </a:ln>
             <a:extLst>
               <a:ext uri="{91240B29-F687-4f45-9708-019B960494DF}">
-                <a14:hiddenLine xmlns="" xmlns:a14="http://schemas.microsoft.com/office/drawing/2010/main" w="9525">
+                <a14:hiddenLine xmlns:a14="http://schemas.microsoft.com/office/drawing/2010/main" xmlns="" w="9525">
                   <a:solidFill>
                     <a:srgbClr val="000000"/>
                   </a:solidFill>
@@ -7632,7 +8208,7 @@
             </a:ln>
             <a:extLst>
               <a:ext uri="{91240B29-F687-4f45-9708-019B960494DF}">
-                <a14:hiddenLine xmlns="" xmlns:a14="http://schemas.microsoft.com/office/drawing/2010/main" w="9525">
+                <a14:hiddenLine xmlns:a14="http://schemas.microsoft.com/office/drawing/2010/main" xmlns="" w="9525">
                   <a:solidFill>
                     <a:srgbClr val="000000"/>
                   </a:solidFill>
@@ -7722,7 +8298,7 @@
             </a:ln>
             <a:extLst>
               <a:ext uri="{91240B29-F687-4f45-9708-019B960494DF}">
-                <a14:hiddenLine xmlns="" xmlns:a14="http://schemas.microsoft.com/office/drawing/2010/main" w="9525">
+                <a14:hiddenLine xmlns:a14="http://schemas.microsoft.com/office/drawing/2010/main" xmlns="" w="9525">
                   <a:solidFill>
                     <a:srgbClr val="000000"/>
                   </a:solidFill>
@@ -7784,7 +8360,7 @@
             </a:ln>
             <a:extLst>
               <a:ext uri="{91240B29-F687-4f45-9708-019B960494DF}">
-                <a14:hiddenLine xmlns="" xmlns:a14="http://schemas.microsoft.com/office/drawing/2010/main" w="9525">
+                <a14:hiddenLine xmlns:a14="http://schemas.microsoft.com/office/drawing/2010/main" xmlns="" w="9525">
                   <a:solidFill>
                     <a:srgbClr val="000000"/>
                   </a:solidFill>
@@ -7904,7 +8480,7 @@
             </a:ln>
             <a:extLst>
               <a:ext uri="{91240B29-F687-4f45-9708-019B960494DF}">
-                <a14:hiddenLine xmlns="" xmlns:a14="http://schemas.microsoft.com/office/drawing/2010/main" w="9525">
+                <a14:hiddenLine xmlns:a14="http://schemas.microsoft.com/office/drawing/2010/main" xmlns="" w="9525">
                   <a:solidFill>
                     <a:srgbClr val="000000"/>
                   </a:solidFill>
@@ -7972,7 +8548,7 @@
             </a:ln>
             <a:extLst>
               <a:ext uri="{91240B29-F687-4f45-9708-019B960494DF}">
-                <a14:hiddenLine xmlns="" xmlns:a14="http://schemas.microsoft.com/office/drawing/2010/main" w="9525">
+                <a14:hiddenLine xmlns:a14="http://schemas.microsoft.com/office/drawing/2010/main" xmlns="" w="9525">
                   <a:solidFill>
                     <a:srgbClr val="000000"/>
                   </a:solidFill>
@@ -8062,7 +8638,7 @@
             </a:ln>
             <a:extLst>
               <a:ext uri="{91240B29-F687-4f45-9708-019B960494DF}">
-                <a14:hiddenLine xmlns="" xmlns:a14="http://schemas.microsoft.com/office/drawing/2010/main" w="9525">
+                <a14:hiddenLine xmlns:a14="http://schemas.microsoft.com/office/drawing/2010/main" xmlns="" w="9525">
                   <a:solidFill>
                     <a:srgbClr val="000000"/>
                   </a:solidFill>
@@ -8202,7 +8778,7 @@
           <a:p>
             <a:fld id="{4D612FBC-81CB-42FC-8EC2-37FD873C03B9}" type="datetimeFigureOut">
               <a:rPr lang="en-US" smtClean="0"/>
-              <a:t>4/28/2025</a:t>
+              <a:t>5/4/2025</a:t>
             </a:fld>
             <a:endParaRPr lang="en-US"/>
           </a:p>
@@ -8469,7 +9045,7 @@
           <a:p>
             <a:fld id="{4D612FBC-81CB-42FC-8EC2-37FD873C03B9}" type="datetimeFigureOut">
               <a:rPr lang="en-US" smtClean="0"/>
-              <a:t>4/28/2025</a:t>
+              <a:t>5/4/2025</a:t>
             </a:fld>
             <a:endParaRPr lang="en-US"/>
           </a:p>
@@ -8665,7 +9241,7 @@
           <a:p>
             <a:fld id="{4D612FBC-81CB-42FC-8EC2-37FD873C03B9}" type="datetimeFigureOut">
               <a:rPr lang="en-US" smtClean="0"/>
-              <a:t>4/28/2025</a:t>
+              <a:t>5/4/2025</a:t>
             </a:fld>
             <a:endParaRPr lang="en-US"/>
           </a:p>
@@ -8928,7 +9504,7 @@
           <a:p>
             <a:fld id="{4D612FBC-81CB-42FC-8EC2-37FD873C03B9}" type="datetimeFigureOut">
               <a:rPr lang="en-US" smtClean="0"/>
-              <a:t>4/28/2025</a:t>
+              <a:t>5/4/2025</a:t>
             </a:fld>
             <a:endParaRPr lang="en-US"/>
           </a:p>
@@ -9362,7 +9938,7 @@
           <a:p>
             <a:fld id="{4D612FBC-81CB-42FC-8EC2-37FD873C03B9}" type="datetimeFigureOut">
               <a:rPr lang="en-US" smtClean="0"/>
-              <a:t>4/28/2025</a:t>
+              <a:t>5/4/2025</a:t>
             </a:fld>
             <a:endParaRPr lang="en-US"/>
           </a:p>
@@ -9908,7 +10484,7 @@
           <a:p>
             <a:fld id="{4D612FBC-81CB-42FC-8EC2-37FD873C03B9}" type="datetimeFigureOut">
               <a:rPr lang="en-US" smtClean="0"/>
-              <a:t>4/28/2025</a:t>
+              <a:t>5/4/2025</a:t>
             </a:fld>
             <a:endParaRPr lang="en-US"/>
           </a:p>
@@ -10628,7 +11204,7 @@
           <a:p>
             <a:fld id="{4D612FBC-81CB-42FC-8EC2-37FD873C03B9}" type="datetimeFigureOut">
               <a:rPr lang="en-US" smtClean="0"/>
-              <a:t>4/28/2025</a:t>
+              <a:t>5/4/2025</a:t>
             </a:fld>
             <a:endParaRPr lang="en-US"/>
           </a:p>
@@ -10798,7 +11374,7 @@
           <a:p>
             <a:fld id="{4D612FBC-81CB-42FC-8EC2-37FD873C03B9}" type="datetimeFigureOut">
               <a:rPr lang="en-US" smtClean="0"/>
-              <a:t>4/28/2025</a:t>
+              <a:t>5/4/2025</a:t>
             </a:fld>
             <a:endParaRPr lang="en-US"/>
           </a:p>
@@ -10978,7 +11554,7 @@
           <a:p>
             <a:fld id="{4D612FBC-81CB-42FC-8EC2-37FD873C03B9}" type="datetimeFigureOut">
               <a:rPr lang="en-US" smtClean="0"/>
-              <a:t>4/28/2025</a:t>
+              <a:t>5/4/2025</a:t>
             </a:fld>
             <a:endParaRPr lang="en-US"/>
           </a:p>
@@ -11148,7 +11724,7 @@
           <a:p>
             <a:fld id="{4D612FBC-81CB-42FC-8EC2-37FD873C03B9}" type="datetimeFigureOut">
               <a:rPr lang="en-US" smtClean="0"/>
-              <a:t>4/28/2025</a:t>
+              <a:t>5/4/2025</a:t>
             </a:fld>
             <a:endParaRPr lang="en-US"/>
           </a:p>
@@ -11398,7 +11974,7 @@
           <a:p>
             <a:fld id="{4D612FBC-81CB-42FC-8EC2-37FD873C03B9}" type="datetimeFigureOut">
               <a:rPr lang="en-US" smtClean="0"/>
-              <a:t>4/28/2025</a:t>
+              <a:t>5/4/2025</a:t>
             </a:fld>
             <a:endParaRPr lang="en-US"/>
           </a:p>
@@ -11630,7 +12206,7 @@
           <a:p>
             <a:fld id="{4D612FBC-81CB-42FC-8EC2-37FD873C03B9}" type="datetimeFigureOut">
               <a:rPr lang="en-US" smtClean="0"/>
-              <a:t>4/28/2025</a:t>
+              <a:t>5/4/2025</a:t>
             </a:fld>
             <a:endParaRPr lang="en-US"/>
           </a:p>
@@ -12011,7 +12587,7 @@
           <a:p>
             <a:fld id="{4D612FBC-81CB-42FC-8EC2-37FD873C03B9}" type="datetimeFigureOut">
               <a:rPr lang="en-US" smtClean="0"/>
-              <a:t>4/28/2025</a:t>
+              <a:t>5/4/2025</a:t>
             </a:fld>
             <a:endParaRPr lang="en-US"/>
           </a:p>
@@ -12129,7 +12705,7 @@
           <a:p>
             <a:fld id="{4D612FBC-81CB-42FC-8EC2-37FD873C03B9}" type="datetimeFigureOut">
               <a:rPr lang="en-US" smtClean="0"/>
-              <a:t>4/28/2025</a:t>
+              <a:t>5/4/2025</a:t>
             </a:fld>
             <a:endParaRPr lang="en-US"/>
           </a:p>
@@ -12224,7 +12800,7 @@
           <a:p>
             <a:fld id="{4D612FBC-81CB-42FC-8EC2-37FD873C03B9}" type="datetimeFigureOut">
               <a:rPr lang="en-US" smtClean="0"/>
-              <a:t>4/28/2025</a:t>
+              <a:t>5/4/2025</a:t>
             </a:fld>
             <a:endParaRPr lang="en-US"/>
           </a:p>
@@ -12473,7 +13049,7 @@
           <a:p>
             <a:fld id="{4D612FBC-81CB-42FC-8EC2-37FD873C03B9}" type="datetimeFigureOut">
               <a:rPr lang="en-US" smtClean="0"/>
-              <a:t>4/28/2025</a:t>
+              <a:t>5/4/2025</a:t>
             </a:fld>
             <a:endParaRPr lang="en-US"/>
           </a:p>
@@ -12753,7 +13329,7 @@
           <a:p>
             <a:fld id="{4D612FBC-81CB-42FC-8EC2-37FD873C03B9}" type="datetimeFigureOut">
               <a:rPr lang="en-US" smtClean="0"/>
-              <a:t>4/28/2025</a:t>
+              <a:t>5/4/2025</a:t>
             </a:fld>
             <a:endParaRPr lang="en-US"/>
           </a:p>
@@ -12898,7 +13474,7 @@
           <a:noFill/>
           <a:extLst>
             <a:ext uri="{909E8E84-426E-40dd-AFC4-6F175D3DCCD1}">
-              <a14:hiddenFill xmlns="" xmlns:a14="http://schemas.microsoft.com/office/drawing/2010/main">
+              <a14:hiddenFill xmlns:a14="http://schemas.microsoft.com/office/drawing/2010/main" xmlns="">
                 <a:solidFill>
                   <a:srgbClr val="FFFFFF"/>
                 </a:solidFill>
@@ -12972,7 +13548,7 @@
               </a:ln>
               <a:extLst>
                 <a:ext uri="{91240B29-F687-4f45-9708-019B960494DF}">
-                  <a14:hiddenLine xmlns="" xmlns:a14="http://schemas.microsoft.com/office/drawing/2010/main" w="9525">
+                  <a14:hiddenLine xmlns:a14="http://schemas.microsoft.com/office/drawing/2010/main" xmlns="" w="9525">
                     <a:solidFill>
                       <a:srgbClr val="000000"/>
                     </a:solidFill>
@@ -13062,7 +13638,7 @@
               </a:ln>
               <a:extLst>
                 <a:ext uri="{91240B29-F687-4f45-9708-019B960494DF}">
-                  <a14:hiddenLine xmlns="" xmlns:a14="http://schemas.microsoft.com/office/drawing/2010/main" w="9525">
+                  <a14:hiddenLine xmlns:a14="http://schemas.microsoft.com/office/drawing/2010/main" xmlns="" w="9525">
                     <a:solidFill>
                       <a:srgbClr val="000000"/>
                     </a:solidFill>
@@ -13152,7 +13728,7 @@
               </a:ln>
               <a:extLst>
                 <a:ext uri="{91240B29-F687-4f45-9708-019B960494DF}">
-                  <a14:hiddenLine xmlns="" xmlns:a14="http://schemas.microsoft.com/office/drawing/2010/main" w="9525">
+                  <a14:hiddenLine xmlns:a14="http://schemas.microsoft.com/office/drawing/2010/main" xmlns="" w="9525">
                     <a:solidFill>
                       <a:srgbClr val="000000"/>
                     </a:solidFill>
@@ -13214,7 +13790,7 @@
               </a:ln>
               <a:extLst>
                 <a:ext uri="{91240B29-F687-4f45-9708-019B960494DF}">
-                  <a14:hiddenLine xmlns="" xmlns:a14="http://schemas.microsoft.com/office/drawing/2010/main" w="9525">
+                  <a14:hiddenLine xmlns:a14="http://schemas.microsoft.com/office/drawing/2010/main" xmlns="" w="9525">
                     <a:solidFill>
                       <a:srgbClr val="000000"/>
                     </a:solidFill>
@@ -13304,7 +13880,7 @@
               </a:ln>
               <a:extLst>
                 <a:ext uri="{91240B29-F687-4f45-9708-019B960494DF}">
-                  <a14:hiddenLine xmlns="" xmlns:a14="http://schemas.microsoft.com/office/drawing/2010/main" w="9525">
+                  <a14:hiddenLine xmlns:a14="http://schemas.microsoft.com/office/drawing/2010/main" xmlns="" w="9525">
                     <a:solidFill>
                       <a:srgbClr val="000000"/>
                     </a:solidFill>
@@ -13366,7 +13942,7 @@
               </a:ln>
               <a:extLst>
                 <a:ext uri="{91240B29-F687-4f45-9708-019B960494DF}">
-                  <a14:hiddenLine xmlns="" xmlns:a14="http://schemas.microsoft.com/office/drawing/2010/main" w="9525">
+                  <a14:hiddenLine xmlns:a14="http://schemas.microsoft.com/office/drawing/2010/main" xmlns="" w="9525">
                     <a:solidFill>
                       <a:srgbClr val="000000"/>
                     </a:solidFill>
@@ -13428,7 +14004,7 @@
               </a:ln>
               <a:extLst>
                 <a:ext uri="{91240B29-F687-4f45-9708-019B960494DF}">
-                  <a14:hiddenLine xmlns="" xmlns:a14="http://schemas.microsoft.com/office/drawing/2010/main" w="9525">
+                  <a14:hiddenLine xmlns:a14="http://schemas.microsoft.com/office/drawing/2010/main" xmlns="" w="9525">
                     <a:solidFill>
                       <a:srgbClr val="000000"/>
                     </a:solidFill>
@@ -13518,7 +14094,7 @@
               </a:ln>
               <a:extLst>
                 <a:ext uri="{91240B29-F687-4f45-9708-019B960494DF}">
-                  <a14:hiddenLine xmlns="" xmlns:a14="http://schemas.microsoft.com/office/drawing/2010/main" w="9525">
+                  <a14:hiddenLine xmlns:a14="http://schemas.microsoft.com/office/drawing/2010/main" xmlns="" w="9525">
                     <a:solidFill>
                       <a:srgbClr val="000000"/>
                     </a:solidFill>
@@ -13608,7 +14184,7 @@
               </a:ln>
               <a:extLst>
                 <a:ext uri="{91240B29-F687-4f45-9708-019B960494DF}">
-                  <a14:hiddenLine xmlns="" xmlns:a14="http://schemas.microsoft.com/office/drawing/2010/main" w="9525">
+                  <a14:hiddenLine xmlns:a14="http://schemas.microsoft.com/office/drawing/2010/main" xmlns="" w="9525">
                     <a:solidFill>
                       <a:srgbClr val="000000"/>
                     </a:solidFill>
@@ -13670,7 +14246,7 @@
               </a:ln>
               <a:extLst>
                 <a:ext uri="{91240B29-F687-4f45-9708-019B960494DF}">
-                  <a14:hiddenLine xmlns="" xmlns:a14="http://schemas.microsoft.com/office/drawing/2010/main" w="9525">
+                  <a14:hiddenLine xmlns:a14="http://schemas.microsoft.com/office/drawing/2010/main" xmlns="" w="9525">
                     <a:solidFill>
                       <a:srgbClr val="000000"/>
                     </a:solidFill>
@@ -13780,7 +14356,7 @@
               </a:ln>
               <a:extLst>
                 <a:ext uri="{91240B29-F687-4f45-9708-019B960494DF}">
-                  <a14:hiddenLine xmlns="" xmlns:a14="http://schemas.microsoft.com/office/drawing/2010/main" w="9525">
+                  <a14:hiddenLine xmlns:a14="http://schemas.microsoft.com/office/drawing/2010/main" xmlns="" w="9525">
                     <a:solidFill>
                       <a:srgbClr val="000000"/>
                     </a:solidFill>
@@ -13864,7 +14440,7 @@
               </a:ln>
               <a:extLst>
                 <a:ext uri="{91240B29-F687-4f45-9708-019B960494DF}">
-                  <a14:hiddenLine xmlns="" xmlns:a14="http://schemas.microsoft.com/office/drawing/2010/main" w="9525">
+                  <a14:hiddenLine xmlns:a14="http://schemas.microsoft.com/office/drawing/2010/main" xmlns="" w="9525">
                     <a:solidFill>
                       <a:srgbClr val="000000"/>
                     </a:solidFill>
@@ -13926,7 +14502,7 @@
               </a:ln>
               <a:extLst>
                 <a:ext uri="{91240B29-F687-4f45-9708-019B960494DF}">
-                  <a14:hiddenLine xmlns="" xmlns:a14="http://schemas.microsoft.com/office/drawing/2010/main" w="9525">
+                  <a14:hiddenLine xmlns:a14="http://schemas.microsoft.com/office/drawing/2010/main" xmlns="" w="9525">
                     <a:solidFill>
                       <a:srgbClr val="000000"/>
                     </a:solidFill>
@@ -13988,7 +14564,7 @@
               </a:ln>
               <a:extLst>
                 <a:ext uri="{91240B29-F687-4f45-9708-019B960494DF}">
-                  <a14:hiddenLine xmlns="" xmlns:a14="http://schemas.microsoft.com/office/drawing/2010/main" w="9525">
+                  <a14:hiddenLine xmlns:a14="http://schemas.microsoft.com/office/drawing/2010/main" xmlns="" w="9525">
                     <a:solidFill>
                       <a:srgbClr val="000000"/>
                     </a:solidFill>
@@ -14078,7 +14654,7 @@
               </a:ln>
               <a:extLst>
                 <a:ext uri="{91240B29-F687-4f45-9708-019B960494DF}">
-                  <a14:hiddenLine xmlns="" xmlns:a14="http://schemas.microsoft.com/office/drawing/2010/main" w="9525">
+                  <a14:hiddenLine xmlns:a14="http://schemas.microsoft.com/office/drawing/2010/main" xmlns="" w="9525">
                     <a:solidFill>
                       <a:srgbClr val="000000"/>
                     </a:solidFill>
@@ -14112,7 +14688,7 @@
               </a:ln>
               <a:extLst>
                 <a:ext uri="{91240B29-F687-4f45-9708-019B960494DF}">
-                  <a14:hiddenLine xmlns="" xmlns:a14="http://schemas.microsoft.com/office/drawing/2010/main" w="9525">
+                  <a14:hiddenLine xmlns:a14="http://schemas.microsoft.com/office/drawing/2010/main" xmlns="" w="9525">
                     <a:solidFill>
                       <a:srgbClr val="000000"/>
                     </a:solidFill>
@@ -14177,7 +14753,7 @@
               </a:ln>
               <a:extLst>
                 <a:ext uri="{91240B29-F687-4f45-9708-019B960494DF}">
-                  <a14:hiddenLine xmlns="" xmlns:a14="http://schemas.microsoft.com/office/drawing/2010/main" w="9525">
+                  <a14:hiddenLine xmlns:a14="http://schemas.microsoft.com/office/drawing/2010/main" xmlns="" w="9525">
                     <a:solidFill>
                       <a:srgbClr val="000000"/>
                     </a:solidFill>
@@ -14267,7 +14843,7 @@
               </a:ln>
               <a:extLst>
                 <a:ext uri="{91240B29-F687-4f45-9708-019B960494DF}">
-                  <a14:hiddenLine xmlns="" xmlns:a14="http://schemas.microsoft.com/office/drawing/2010/main" w="9525">
+                  <a14:hiddenLine xmlns:a14="http://schemas.microsoft.com/office/drawing/2010/main" xmlns="" w="9525">
                     <a:solidFill>
                       <a:srgbClr val="000000"/>
                     </a:solidFill>
@@ -14329,7 +14905,7 @@
               </a:ln>
               <a:extLst>
                 <a:ext uri="{91240B29-F687-4f45-9708-019B960494DF}">
-                  <a14:hiddenLine xmlns="" xmlns:a14="http://schemas.microsoft.com/office/drawing/2010/main" w="9525">
+                  <a14:hiddenLine xmlns:a14="http://schemas.microsoft.com/office/drawing/2010/main" xmlns="" w="9525">
                     <a:solidFill>
                       <a:srgbClr val="000000"/>
                     </a:solidFill>
@@ -14419,7 +14995,7 @@
               </a:ln>
               <a:extLst>
                 <a:ext uri="{91240B29-F687-4f45-9708-019B960494DF}">
-                  <a14:hiddenLine xmlns="" xmlns:a14="http://schemas.microsoft.com/office/drawing/2010/main" w="9525">
+                  <a14:hiddenLine xmlns:a14="http://schemas.microsoft.com/office/drawing/2010/main" xmlns="" w="9525">
                     <a:solidFill>
                       <a:srgbClr val="000000"/>
                     </a:solidFill>
@@ -14484,7 +15060,7 @@
               </a:ln>
               <a:extLst>
                 <a:ext uri="{91240B29-F687-4f45-9708-019B960494DF}">
-                  <a14:hiddenLine xmlns="" xmlns:a14="http://schemas.microsoft.com/office/drawing/2010/main" w="9525">
+                  <a14:hiddenLine xmlns:a14="http://schemas.microsoft.com/office/drawing/2010/main" xmlns="" w="9525">
                     <a:solidFill>
                       <a:srgbClr val="000000"/>
                     </a:solidFill>
@@ -14546,7 +15122,7 @@
               </a:ln>
               <a:extLst>
                 <a:ext uri="{91240B29-F687-4f45-9708-019B960494DF}">
-                  <a14:hiddenLine xmlns="" xmlns:a14="http://schemas.microsoft.com/office/drawing/2010/main" w="9525">
+                  <a14:hiddenLine xmlns:a14="http://schemas.microsoft.com/office/drawing/2010/main" xmlns="" w="9525">
                     <a:solidFill>
                       <a:srgbClr val="000000"/>
                     </a:solidFill>
@@ -14636,7 +15212,7 @@
               </a:ln>
               <a:extLst>
                 <a:ext uri="{91240B29-F687-4f45-9708-019B960494DF}">
-                  <a14:hiddenLine xmlns="" xmlns:a14="http://schemas.microsoft.com/office/drawing/2010/main" w="9525">
+                  <a14:hiddenLine xmlns:a14="http://schemas.microsoft.com/office/drawing/2010/main" xmlns="" w="9525">
                     <a:solidFill>
                       <a:srgbClr val="000000"/>
                     </a:solidFill>
@@ -14726,7 +15302,7 @@
               </a:ln>
               <a:extLst>
                 <a:ext uri="{91240B29-F687-4f45-9708-019B960494DF}">
-                  <a14:hiddenLine xmlns="" xmlns:a14="http://schemas.microsoft.com/office/drawing/2010/main" w="9525">
+                  <a14:hiddenLine xmlns:a14="http://schemas.microsoft.com/office/drawing/2010/main" xmlns="" w="9525">
                     <a:solidFill>
                       <a:srgbClr val="000000"/>
                     </a:solidFill>
@@ -14791,7 +15367,7 @@
               </a:ln>
               <a:extLst>
                 <a:ext uri="{91240B29-F687-4f45-9708-019B960494DF}">
-                  <a14:hiddenLine xmlns="" xmlns:a14="http://schemas.microsoft.com/office/drawing/2010/main" w="9525">
+                  <a14:hiddenLine xmlns:a14="http://schemas.microsoft.com/office/drawing/2010/main" xmlns="" w="9525">
                     <a:solidFill>
                       <a:srgbClr val="000000"/>
                     </a:solidFill>
@@ -14911,7 +15487,7 @@
               </a:ln>
               <a:extLst>
                 <a:ext uri="{91240B29-F687-4f45-9708-019B960494DF}">
-                  <a14:hiddenLine xmlns="" xmlns:a14="http://schemas.microsoft.com/office/drawing/2010/main" w="9525">
+                  <a14:hiddenLine xmlns:a14="http://schemas.microsoft.com/office/drawing/2010/main" xmlns="" w="9525">
                     <a:solidFill>
                       <a:srgbClr val="000000"/>
                     </a:solidFill>
@@ -14992,7 +15568,7 @@
               </a:ln>
               <a:extLst>
                 <a:ext uri="{91240B29-F687-4f45-9708-019B960494DF}">
-                  <a14:hiddenLine xmlns="" xmlns:a14="http://schemas.microsoft.com/office/drawing/2010/main" w="9525">
+                  <a14:hiddenLine xmlns:a14="http://schemas.microsoft.com/office/drawing/2010/main" xmlns="" w="9525">
                     <a:solidFill>
                       <a:srgbClr val="000000"/>
                     </a:solidFill>
@@ -15107,7 +15683,7 @@
               </a:ln>
               <a:extLst>
                 <a:ext uri="{91240B29-F687-4f45-9708-019B960494DF}">
-                  <a14:hiddenLine xmlns="" xmlns:a14="http://schemas.microsoft.com/office/drawing/2010/main" w="9525">
+                  <a14:hiddenLine xmlns:a14="http://schemas.microsoft.com/office/drawing/2010/main" xmlns="" w="9525">
                     <a:solidFill>
                       <a:srgbClr val="000000"/>
                     </a:solidFill>
@@ -15197,7 +15773,7 @@
               </a:ln>
               <a:extLst>
                 <a:ext uri="{91240B29-F687-4f45-9708-019B960494DF}">
-                  <a14:hiddenLine xmlns="" xmlns:a14="http://schemas.microsoft.com/office/drawing/2010/main" w="9525">
+                  <a14:hiddenLine xmlns:a14="http://schemas.microsoft.com/office/drawing/2010/main" xmlns="" w="9525">
                     <a:solidFill>
                       <a:srgbClr val="000000"/>
                     </a:solidFill>
@@ -15262,7 +15838,7 @@
               </a:ln>
               <a:extLst>
                 <a:ext uri="{91240B29-F687-4f45-9708-019B960494DF}">
-                  <a14:hiddenLine xmlns="" xmlns:a14="http://schemas.microsoft.com/office/drawing/2010/main" w="9525">
+                  <a14:hiddenLine xmlns:a14="http://schemas.microsoft.com/office/drawing/2010/main" xmlns="" w="9525">
                     <a:solidFill>
                       <a:srgbClr val="000000"/>
                     </a:solidFill>
@@ -15352,7 +15928,7 @@
               </a:ln>
               <a:extLst>
                 <a:ext uri="{91240B29-F687-4f45-9708-019B960494DF}">
-                  <a14:hiddenLine xmlns="" xmlns:a14="http://schemas.microsoft.com/office/drawing/2010/main" w="9525">
+                  <a14:hiddenLine xmlns:a14="http://schemas.microsoft.com/office/drawing/2010/main" xmlns="" w="9525">
                     <a:solidFill>
                       <a:srgbClr val="000000"/>
                     </a:solidFill>
@@ -15420,7 +15996,7 @@
               </a:ln>
               <a:extLst>
                 <a:ext uri="{91240B29-F687-4f45-9708-019B960494DF}">
-                  <a14:hiddenLine xmlns="" xmlns:a14="http://schemas.microsoft.com/office/drawing/2010/main" w="9525">
+                  <a14:hiddenLine xmlns:a14="http://schemas.microsoft.com/office/drawing/2010/main" xmlns="" w="9525">
                     <a:solidFill>
                       <a:srgbClr val="000000"/>
                     </a:solidFill>
@@ -15510,7 +16086,7 @@
               </a:ln>
               <a:extLst>
                 <a:ext uri="{91240B29-F687-4f45-9708-019B960494DF}">
-                  <a14:hiddenLine xmlns="" xmlns:a14="http://schemas.microsoft.com/office/drawing/2010/main" w="9525">
+                  <a14:hiddenLine xmlns:a14="http://schemas.microsoft.com/office/drawing/2010/main" xmlns="" w="9525">
                     <a:solidFill>
                       <a:srgbClr val="000000"/>
                     </a:solidFill>
@@ -15578,7 +16154,7 @@
               </a:ln>
               <a:extLst>
                 <a:ext uri="{91240B29-F687-4f45-9708-019B960494DF}">
-                  <a14:hiddenLine xmlns="" xmlns:a14="http://schemas.microsoft.com/office/drawing/2010/main" w="9525">
+                  <a14:hiddenLine xmlns:a14="http://schemas.microsoft.com/office/drawing/2010/main" xmlns="" w="9525">
                     <a:solidFill>
                       <a:srgbClr val="000000"/>
                     </a:solidFill>
@@ -15668,7 +16244,7 @@
               </a:ln>
               <a:extLst>
                 <a:ext uri="{91240B29-F687-4f45-9708-019B960494DF}">
-                  <a14:hiddenLine xmlns="" xmlns:a14="http://schemas.microsoft.com/office/drawing/2010/main" w="9525">
+                  <a14:hiddenLine xmlns:a14="http://schemas.microsoft.com/office/drawing/2010/main" xmlns="" w="9525">
                     <a:solidFill>
                       <a:srgbClr val="000000"/>
                     </a:solidFill>
@@ -15702,7 +16278,7 @@
               </a:ln>
               <a:extLst>
                 <a:ext uri="{91240B29-F687-4f45-9708-019B960494DF}">
-                  <a14:hiddenLine xmlns="" xmlns:a14="http://schemas.microsoft.com/office/drawing/2010/main" w="9525">
+                  <a14:hiddenLine xmlns:a14="http://schemas.microsoft.com/office/drawing/2010/main" xmlns="" w="9525">
                     <a:solidFill>
                       <a:srgbClr val="000000"/>
                     </a:solidFill>
@@ -15842,7 +16418,7 @@
           <a:p>
             <a:fld id="{4D612FBC-81CB-42FC-8EC2-37FD873C03B9}" type="datetimeFigureOut">
               <a:rPr lang="en-US" smtClean="0"/>
-              <a:t>4/28/2025</a:t>
+              <a:t>5/4/2025</a:t>
             </a:fld>
             <a:endParaRPr lang="en-US"/>
           </a:p>
@@ -16820,7 +17396,7 @@
         <p:spPr>
           <a:xfrm>
             <a:off x="4396154" y="351692"/>
-            <a:ext cx="4067908" cy="584775"/>
+            <a:ext cx="4067908" cy="1077218"/>
           </a:xfrm>
           <a:prstGeom prst="rect">
             <a:avLst/>
@@ -16838,6 +17414,36 @@
               <a:rPr lang="en-US" sz="3200"/>
               <a:t>Logistic Regression</a:t>
             </a:r>
+          </a:p>
+          <a:p>
+            <a:pPr algn="ctr"/>
+            <a:r>
+              <a:rPr lang="en-US" sz="3200"/>
+              <a:t>(</a:t>
+            </a:r>
+            <a:r>
+              <a:rPr lang="en-US" sz="3200" kern="100">
+                <a:solidFill>
+                  <a:srgbClr val="000000"/>
+                </a:solidFill>
+                <a:latin typeface="Times New Roman" panose="02020603050405020304" pitchFamily="18" charset="0"/>
+                <a:cs typeface="Times New Roman" panose="02020603050405020304" pitchFamily="18" charset="0"/>
+              </a:rPr>
+              <a:t>A</a:t>
+            </a:r>
+            <a:r>
+              <a:rPr lang="en-US" sz="3200" kern="100">
+                <a:solidFill>
+                  <a:srgbClr val="000000"/>
+                </a:solidFill>
+                <a:effectLst/>
+                <a:latin typeface="Times New Roman" panose="02020603050405020304" pitchFamily="18" charset="0"/>
+                <a:ea typeface="Times New Roman" panose="02020603050405020304" pitchFamily="18" charset="0"/>
+                <a:cs typeface="Times New Roman" panose="02020603050405020304" pitchFamily="18" charset="0"/>
+              </a:rPr>
+              <a:t>ccuracy: 0.78)</a:t>
+            </a:r>
+            <a:endParaRPr lang="en-US" sz="3200"/>
           </a:p>
         </p:txBody>
       </p:sp>
@@ -16922,7 +17528,7 @@
         <p:spPr>
           <a:xfrm>
             <a:off x="4396154" y="351692"/>
-            <a:ext cx="4067908" cy="584775"/>
+            <a:ext cx="4067908" cy="1077218"/>
           </a:xfrm>
           <a:prstGeom prst="rect">
             <a:avLst/>
@@ -16940,6 +17546,36 @@
               <a:rPr lang="en-US" sz="3200"/>
               <a:t>Decision Tree</a:t>
             </a:r>
+          </a:p>
+          <a:p>
+            <a:pPr algn="ctr"/>
+            <a:r>
+              <a:rPr lang="en-US" sz="3200"/>
+              <a:t>(</a:t>
+            </a:r>
+            <a:r>
+              <a:rPr lang="en-US" sz="3200" kern="100">
+                <a:solidFill>
+                  <a:srgbClr val="000000"/>
+                </a:solidFill>
+                <a:latin typeface="Times New Roman" panose="02020603050405020304" pitchFamily="18" charset="0"/>
+                <a:cs typeface="Times New Roman" panose="02020603050405020304" pitchFamily="18" charset="0"/>
+              </a:rPr>
+              <a:t>A</a:t>
+            </a:r>
+            <a:r>
+              <a:rPr lang="en-US" sz="3200" kern="100">
+                <a:solidFill>
+                  <a:srgbClr val="000000"/>
+                </a:solidFill>
+                <a:effectLst/>
+                <a:latin typeface="Times New Roman" panose="02020603050405020304" pitchFamily="18" charset="0"/>
+                <a:ea typeface="Times New Roman" panose="02020603050405020304" pitchFamily="18" charset="0"/>
+                <a:cs typeface="Times New Roman" panose="02020603050405020304" pitchFamily="18" charset="0"/>
+              </a:rPr>
+              <a:t>ccuracy: 0.69)</a:t>
+            </a:r>
+            <a:endParaRPr lang="en-US" sz="3200"/>
           </a:p>
         </p:txBody>
       </p:sp>
@@ -17054,7 +17690,7 @@
         <p:spPr>
           <a:xfrm>
             <a:off x="4396154" y="351692"/>
-            <a:ext cx="4067908" cy="584775"/>
+            <a:ext cx="4067908" cy="1077218"/>
           </a:xfrm>
           <a:prstGeom prst="rect">
             <a:avLst/>
@@ -17072,6 +17708,36 @@
               <a:rPr lang="en-US" sz="3200"/>
               <a:t>Random Forest</a:t>
             </a:r>
+          </a:p>
+          <a:p>
+            <a:pPr algn="ctr"/>
+            <a:r>
+              <a:rPr lang="en-US" sz="3200"/>
+              <a:t>(</a:t>
+            </a:r>
+            <a:r>
+              <a:rPr lang="en-US" sz="3200" kern="100">
+                <a:solidFill>
+                  <a:srgbClr val="000000"/>
+                </a:solidFill>
+                <a:latin typeface="Times New Roman" panose="02020603050405020304" pitchFamily="18" charset="0"/>
+                <a:cs typeface="Times New Roman" panose="02020603050405020304" pitchFamily="18" charset="0"/>
+              </a:rPr>
+              <a:t>A</a:t>
+            </a:r>
+            <a:r>
+              <a:rPr lang="en-US" sz="3200" kern="100">
+                <a:solidFill>
+                  <a:srgbClr val="000000"/>
+                </a:solidFill>
+                <a:effectLst/>
+                <a:latin typeface="Times New Roman" panose="02020603050405020304" pitchFamily="18" charset="0"/>
+                <a:ea typeface="Times New Roman" panose="02020603050405020304" pitchFamily="18" charset="0"/>
+                <a:cs typeface="Times New Roman" panose="02020603050405020304" pitchFamily="18" charset="0"/>
+              </a:rPr>
+              <a:t>ccuracy: 0.84)</a:t>
+            </a:r>
+            <a:endParaRPr lang="en-US" sz="3200"/>
           </a:p>
         </p:txBody>
       </p:sp>
@@ -17186,7 +17852,7 @@
         <p:spPr>
           <a:xfrm>
             <a:off x="4396154" y="351692"/>
-            <a:ext cx="4067908" cy="584775"/>
+            <a:ext cx="4067908" cy="1077218"/>
           </a:xfrm>
           <a:prstGeom prst="rect">
             <a:avLst/>
@@ -17204,6 +17870,36 @@
               <a:rPr lang="en-US" sz="3200"/>
               <a:t>XG Boost</a:t>
             </a:r>
+          </a:p>
+          <a:p>
+            <a:pPr algn="ctr"/>
+            <a:r>
+              <a:rPr lang="en-US" sz="3200"/>
+              <a:t>(</a:t>
+            </a:r>
+            <a:r>
+              <a:rPr lang="en-US" sz="3200" kern="100">
+                <a:solidFill>
+                  <a:srgbClr val="000000"/>
+                </a:solidFill>
+                <a:latin typeface="Times New Roman" panose="02020603050405020304" pitchFamily="18" charset="0"/>
+                <a:cs typeface="Times New Roman" panose="02020603050405020304" pitchFamily="18" charset="0"/>
+              </a:rPr>
+              <a:t>A</a:t>
+            </a:r>
+            <a:r>
+              <a:rPr lang="en-US" sz="3200" kern="100">
+                <a:solidFill>
+                  <a:srgbClr val="000000"/>
+                </a:solidFill>
+                <a:effectLst/>
+                <a:latin typeface="Times New Roman" panose="02020603050405020304" pitchFamily="18" charset="0"/>
+                <a:ea typeface="Times New Roman" panose="02020603050405020304" pitchFamily="18" charset="0"/>
+                <a:cs typeface="Times New Roman" panose="02020603050405020304" pitchFamily="18" charset="0"/>
+              </a:rPr>
+              <a:t>ccuracy: 0.85)</a:t>
+            </a:r>
+            <a:endParaRPr lang="en-US" sz="3200"/>
           </a:p>
         </p:txBody>
       </p:sp>
@@ -17318,7 +18014,7 @@
         <p:spPr>
           <a:xfrm>
             <a:off x="4396154" y="351692"/>
-            <a:ext cx="4067908" cy="584775"/>
+            <a:ext cx="4067908" cy="1077218"/>
           </a:xfrm>
           <a:prstGeom prst="rect">
             <a:avLst/>
@@ -17335,6 +18031,35 @@
             <a:r>
               <a:rPr lang="en-US" sz="3200"/>
               <a:t>Neural Network</a:t>
+            </a:r>
+          </a:p>
+          <a:p>
+            <a:pPr algn="ctr"/>
+            <a:r>
+              <a:rPr lang="en-US" sz="3200"/>
+              <a:t>(</a:t>
+            </a:r>
+            <a:r>
+              <a:rPr lang="en-US" sz="3200" kern="100">
+                <a:solidFill>
+                  <a:srgbClr val="000000"/>
+                </a:solidFill>
+                <a:latin typeface="Times New Roman" panose="02020603050405020304" pitchFamily="18" charset="0"/>
+                <a:cs typeface="Times New Roman" panose="02020603050405020304" pitchFamily="18" charset="0"/>
+              </a:rPr>
+              <a:t>A</a:t>
+            </a:r>
+            <a:r>
+              <a:rPr lang="en-US" sz="3200" kern="100">
+                <a:solidFill>
+                  <a:srgbClr val="000000"/>
+                </a:solidFill>
+                <a:effectLst/>
+                <a:latin typeface="Times New Roman" panose="02020603050405020304" pitchFamily="18" charset="0"/>
+                <a:ea typeface="Times New Roman" panose="02020603050405020304" pitchFamily="18" charset="0"/>
+                <a:cs typeface="Times New Roman" panose="02020603050405020304" pitchFamily="18" charset="0"/>
+              </a:rPr>
+              <a:t>ccuracy: 0.77)</a:t>
             </a:r>
           </a:p>
         </p:txBody>
@@ -17391,8 +18116,8 @@
         </p:blipFill>
         <p:spPr>
           <a:xfrm>
-            <a:off x="940045" y="1220299"/>
-            <a:ext cx="7676418" cy="4606070"/>
+            <a:off x="924658" y="1692679"/>
+            <a:ext cx="7676418" cy="4397459"/>
           </a:xfrm>
           <a:prstGeom prst="rect">
             <a:avLst/>
@@ -17827,36 +18552,6 @@
           <a:chExt cx="0" cy="0"/>
         </a:xfrm>
       </p:grpSpPr>
-      <p:pic>
-        <p:nvPicPr>
-          <p:cNvPr id="2" name="Picture 1">
-            <a:extLst>
-              <a:ext uri="{FF2B5EF4-FFF2-40B4-BE49-F238E27FC236}">
-                <a16:creationId xmlns:a16="http://schemas.microsoft.com/office/drawing/2014/main" id="{AB5A5B33-F655-B420-1F43-4F3F6494BB2A}"/>
-              </a:ext>
-            </a:extLst>
-          </p:cNvPr>
-          <p:cNvPicPr>
-            <a:picLocks noChangeAspect="1"/>
-          </p:cNvPicPr>
-          <p:nvPr/>
-        </p:nvPicPr>
-        <p:blipFill>
-          <a:blip r:embed="rId3"/>
-          <a:stretch>
-            <a:fillRect/>
-          </a:stretch>
-        </p:blipFill>
-        <p:spPr>
-          <a:xfrm>
-            <a:off x="2707384" y="983321"/>
-            <a:ext cx="6777232" cy="5203458"/>
-          </a:xfrm>
-          <a:prstGeom prst="rect">
-            <a:avLst/>
-          </a:prstGeom>
-        </p:spPr>
-      </p:pic>
       <p:sp>
         <p:nvSpPr>
           <p:cNvPr id="3" name="TextBox 2">
@@ -17893,6 +18588,1750 @@
           </a:p>
         </p:txBody>
       </p:sp>
+      <p:graphicFrame>
+        <p:nvGraphicFramePr>
+          <p:cNvPr id="5" name="Table 4">
+            <a:extLst>
+              <a:ext uri="{FF2B5EF4-FFF2-40B4-BE49-F238E27FC236}">
+                <a16:creationId xmlns:a16="http://schemas.microsoft.com/office/drawing/2014/main" id="{C7879071-81C5-EE1C-A95A-72CA4A82795C}"/>
+              </a:ext>
+            </a:extLst>
+          </p:cNvPr>
+          <p:cNvGraphicFramePr>
+            <a:graphicFrameLocks noGrp="1"/>
+          </p:cNvGraphicFramePr>
+          <p:nvPr>
+            <p:extLst>
+              <p:ext uri="{D42A27DB-BD31-4B8C-83A1-F6EECF244321}">
+                <p14:modId xmlns:p14="http://schemas.microsoft.com/office/powerpoint/2010/main" val="935096608"/>
+              </p:ext>
+            </p:extLst>
+          </p:nvPr>
+        </p:nvGraphicFramePr>
+        <p:xfrm>
+          <a:off x="2377147" y="967150"/>
+          <a:ext cx="7724574" cy="5692965"/>
+        </p:xfrm>
+        <a:graphic>
+          <a:graphicData uri="http://schemas.openxmlformats.org/drawingml/2006/table">
+            <a:tbl>
+              <a:tblPr/>
+              <a:tblGrid>
+                <a:gridCol w="4748784">
+                  <a:extLst>
+                    <a:ext uri="{9D8B030D-6E8A-4147-A177-3AD203B41FA5}">
+                      <a16:colId xmlns:a16="http://schemas.microsoft.com/office/drawing/2014/main" val="3752802276"/>
+                    </a:ext>
+                  </a:extLst>
+                </a:gridCol>
+                <a:gridCol w="1529612">
+                  <a:extLst>
+                    <a:ext uri="{9D8B030D-6E8A-4147-A177-3AD203B41FA5}">
+                      <a16:colId xmlns:a16="http://schemas.microsoft.com/office/drawing/2014/main" val="363007756"/>
+                    </a:ext>
+                  </a:extLst>
+                </a:gridCol>
+                <a:gridCol w="1446178">
+                  <a:extLst>
+                    <a:ext uri="{9D8B030D-6E8A-4147-A177-3AD203B41FA5}">
+                      <a16:colId xmlns:a16="http://schemas.microsoft.com/office/drawing/2014/main" val="151795466"/>
+                    </a:ext>
+                  </a:extLst>
+                </a:gridCol>
+              </a:tblGrid>
+              <a:tr h="379531">
+                <a:tc>
+                  <a:txBody>
+                    <a:bodyPr/>
+                    <a:lstStyle/>
+                    <a:p>
+                      <a:pPr algn="l" fontAlgn="b"/>
+                      <a:r>
+                        <a:rPr lang="en-US" sz="2400" b="0" i="0" u="none" strike="noStrike">
+                          <a:solidFill>
+                            <a:srgbClr val="000000"/>
+                          </a:solidFill>
+                          <a:effectLst/>
+                          <a:latin typeface="Aptos Narrow" panose="020B0004020202020204" pitchFamily="34" charset="0"/>
+                        </a:rPr>
+                        <a:t>Field</a:t>
+                      </a:r>
+                    </a:p>
+                  </a:txBody>
+                  <a:tcPr marL="7620" marR="7620" marT="7620" marB="0" anchor="b">
+                    <a:lnL>
+                      <a:noFill/>
+                    </a:lnL>
+                    <a:lnR>
+                      <a:noFill/>
+                    </a:lnR>
+                    <a:lnT>
+                      <a:noFill/>
+                    </a:lnT>
+                    <a:lnB>
+                      <a:noFill/>
+                    </a:lnB>
+                    <a:solidFill>
+                      <a:srgbClr val="ADADAD"/>
+                    </a:solidFill>
+                  </a:tcPr>
+                </a:tc>
+                <a:tc>
+                  <a:txBody>
+                    <a:bodyPr/>
+                    <a:lstStyle/>
+                    <a:p>
+                      <a:pPr algn="l" fontAlgn="b"/>
+                      <a:r>
+                        <a:rPr lang="en-US" sz="2400" b="0" i="0" u="none" strike="noStrike">
+                          <a:solidFill>
+                            <a:srgbClr val="000000"/>
+                          </a:solidFill>
+                          <a:effectLst/>
+                          <a:latin typeface="Aptos Narrow" panose="020B0004020202020204" pitchFamily="34" charset="0"/>
+                        </a:rPr>
+                        <a:t>T-Statistic</a:t>
+                      </a:r>
+                    </a:p>
+                  </a:txBody>
+                  <a:tcPr marL="7620" marR="7620" marT="7620" marB="0" anchor="b">
+                    <a:lnL>
+                      <a:noFill/>
+                    </a:lnL>
+                    <a:lnR>
+                      <a:noFill/>
+                    </a:lnR>
+                    <a:lnT>
+                      <a:noFill/>
+                    </a:lnT>
+                    <a:lnB>
+                      <a:noFill/>
+                    </a:lnB>
+                    <a:solidFill>
+                      <a:srgbClr val="ADADAD"/>
+                    </a:solidFill>
+                  </a:tcPr>
+                </a:tc>
+                <a:tc>
+                  <a:txBody>
+                    <a:bodyPr/>
+                    <a:lstStyle/>
+                    <a:p>
+                      <a:pPr algn="l" fontAlgn="b"/>
+                      <a:r>
+                        <a:rPr lang="en-US" sz="2400" b="0" i="0" u="none" strike="noStrike">
+                          <a:solidFill>
+                            <a:srgbClr val="000000"/>
+                          </a:solidFill>
+                          <a:effectLst/>
+                          <a:latin typeface="Aptos Narrow" panose="020B0004020202020204" pitchFamily="34" charset="0"/>
+                        </a:rPr>
+                        <a:t>P —Value</a:t>
+                      </a:r>
+                    </a:p>
+                  </a:txBody>
+                  <a:tcPr marL="7620" marR="7620" marT="7620" marB="0" anchor="b">
+                    <a:lnL>
+                      <a:noFill/>
+                    </a:lnL>
+                    <a:lnR>
+                      <a:noFill/>
+                    </a:lnR>
+                    <a:lnT>
+                      <a:noFill/>
+                    </a:lnT>
+                    <a:lnB>
+                      <a:noFill/>
+                    </a:lnB>
+                    <a:solidFill>
+                      <a:srgbClr val="ADADAD"/>
+                    </a:solidFill>
+                  </a:tcPr>
+                </a:tc>
+                <a:extLst>
+                  <a:ext uri="{0D108BD9-81ED-4DB2-BD59-A6C34878D82A}">
+                    <a16:rowId xmlns:a16="http://schemas.microsoft.com/office/drawing/2014/main" val="38145273"/>
+                  </a:ext>
+                </a:extLst>
+              </a:tr>
+              <a:tr h="379531">
+                <a:tc>
+                  <a:txBody>
+                    <a:bodyPr/>
+                    <a:lstStyle/>
+                    <a:p>
+                      <a:pPr algn="l" fontAlgn="b"/>
+                      <a:r>
+                        <a:rPr lang="en-US" sz="2400" b="0" i="0" u="none" strike="noStrike">
+                          <a:solidFill>
+                            <a:srgbClr val="000000"/>
+                          </a:solidFill>
+                          <a:effectLst/>
+                          <a:latin typeface="Aptos Narrow" panose="020B0004020202020204" pitchFamily="34" charset="0"/>
+                        </a:rPr>
+                        <a:t>FDINet</a:t>
+                      </a:r>
+                    </a:p>
+                  </a:txBody>
+                  <a:tcPr marL="7620" marR="7620" marT="7620" marB="0" anchor="b">
+                    <a:lnL>
+                      <a:noFill/>
+                    </a:lnL>
+                    <a:lnR>
+                      <a:noFill/>
+                    </a:lnR>
+                    <a:lnT>
+                      <a:noFill/>
+                    </a:lnT>
+                    <a:lnB>
+                      <a:noFill/>
+                    </a:lnB>
+                    <a:solidFill>
+                      <a:srgbClr val="C1F0C8"/>
+                    </a:solidFill>
+                  </a:tcPr>
+                </a:tc>
+                <a:tc>
+                  <a:txBody>
+                    <a:bodyPr/>
+                    <a:lstStyle/>
+                    <a:p>
+                      <a:pPr algn="r" fontAlgn="b"/>
+                      <a:r>
+                        <a:rPr lang="en-US" sz="2400" b="0" i="0" u="none" strike="noStrike">
+                          <a:solidFill>
+                            <a:srgbClr val="000000"/>
+                          </a:solidFill>
+                          <a:effectLst/>
+                          <a:latin typeface="Aptos Narrow" panose="020B0004020202020204" pitchFamily="34" charset="0"/>
+                        </a:rPr>
+                        <a:t>2.747687</a:t>
+                      </a:r>
+                    </a:p>
+                  </a:txBody>
+                  <a:tcPr marL="7620" marR="7620" marT="7620" marB="0" anchor="b">
+                    <a:lnL>
+                      <a:noFill/>
+                    </a:lnL>
+                    <a:lnR>
+                      <a:noFill/>
+                    </a:lnR>
+                    <a:lnT>
+                      <a:noFill/>
+                    </a:lnT>
+                    <a:lnB>
+                      <a:noFill/>
+                    </a:lnB>
+                    <a:solidFill>
+                      <a:srgbClr val="C1F0C8"/>
+                    </a:solidFill>
+                  </a:tcPr>
+                </a:tc>
+                <a:tc>
+                  <a:txBody>
+                    <a:bodyPr/>
+                    <a:lstStyle/>
+                    <a:p>
+                      <a:pPr algn="r" fontAlgn="b"/>
+                      <a:r>
+                        <a:rPr lang="en-US" sz="2400" b="0" i="0" u="none" strike="noStrike">
+                          <a:solidFill>
+                            <a:srgbClr val="000000"/>
+                          </a:solidFill>
+                          <a:effectLst/>
+                          <a:latin typeface="Aptos Narrow" panose="020B0004020202020204" pitchFamily="34" charset="0"/>
+                        </a:rPr>
+                        <a:t>0.006950</a:t>
+                      </a:r>
+                    </a:p>
+                  </a:txBody>
+                  <a:tcPr marL="7620" marR="7620" marT="7620" marB="0" anchor="b">
+                    <a:lnL>
+                      <a:noFill/>
+                    </a:lnL>
+                    <a:lnR>
+                      <a:noFill/>
+                    </a:lnR>
+                    <a:lnT>
+                      <a:noFill/>
+                    </a:lnT>
+                    <a:lnB>
+                      <a:noFill/>
+                    </a:lnB>
+                    <a:solidFill>
+                      <a:srgbClr val="C1F0C8"/>
+                    </a:solidFill>
+                  </a:tcPr>
+                </a:tc>
+                <a:extLst>
+                  <a:ext uri="{0D108BD9-81ED-4DB2-BD59-A6C34878D82A}">
+                    <a16:rowId xmlns:a16="http://schemas.microsoft.com/office/drawing/2014/main" val="2146370198"/>
+                  </a:ext>
+                </a:extLst>
+              </a:tr>
+              <a:tr h="379531">
+                <a:tc>
+                  <a:txBody>
+                    <a:bodyPr/>
+                    <a:lstStyle/>
+                    <a:p>
+                      <a:pPr algn="l" fontAlgn="b"/>
+                      <a:r>
+                        <a:rPr lang="en-US" sz="2400" b="0" i="0" u="none" strike="noStrike">
+                          <a:solidFill>
+                            <a:srgbClr val="000000"/>
+                          </a:solidFill>
+                          <a:effectLst/>
+                          <a:latin typeface="Aptos Narrow" panose="020B0004020202020204" pitchFamily="34" charset="0"/>
+                        </a:rPr>
+                        <a:t>FDIInflowsToGDP</a:t>
+                      </a:r>
+                    </a:p>
+                  </a:txBody>
+                  <a:tcPr marL="7620" marR="7620" marT="7620" marB="0" anchor="b">
+                    <a:lnL>
+                      <a:noFill/>
+                    </a:lnL>
+                    <a:lnR>
+                      <a:noFill/>
+                    </a:lnR>
+                    <a:lnT>
+                      <a:noFill/>
+                    </a:lnT>
+                    <a:lnB>
+                      <a:noFill/>
+                    </a:lnB>
+                    <a:noFill/>
+                  </a:tcPr>
+                </a:tc>
+                <a:tc>
+                  <a:txBody>
+                    <a:bodyPr/>
+                    <a:lstStyle/>
+                    <a:p>
+                      <a:pPr algn="r" fontAlgn="b"/>
+                      <a:r>
+                        <a:rPr lang="en-US" sz="2400" b="0" i="0" u="none" strike="noStrike">
+                          <a:solidFill>
+                            <a:srgbClr val="000000"/>
+                          </a:solidFill>
+                          <a:effectLst/>
+                          <a:latin typeface="Aptos Narrow" panose="020B0004020202020204" pitchFamily="34" charset="0"/>
+                        </a:rPr>
+                        <a:t>0.656566</a:t>
+                      </a:r>
+                    </a:p>
+                  </a:txBody>
+                  <a:tcPr marL="7620" marR="7620" marT="7620" marB="0" anchor="b">
+                    <a:lnL>
+                      <a:noFill/>
+                    </a:lnL>
+                    <a:lnR>
+                      <a:noFill/>
+                    </a:lnR>
+                    <a:lnT>
+                      <a:noFill/>
+                    </a:lnT>
+                    <a:lnB>
+                      <a:noFill/>
+                    </a:lnB>
+                    <a:noFill/>
+                  </a:tcPr>
+                </a:tc>
+                <a:tc>
+                  <a:txBody>
+                    <a:bodyPr/>
+                    <a:lstStyle/>
+                    <a:p>
+                      <a:pPr algn="r" fontAlgn="b"/>
+                      <a:r>
+                        <a:rPr lang="en-US" sz="2400" b="0" i="0" u="none" strike="noStrike">
+                          <a:solidFill>
+                            <a:srgbClr val="000000"/>
+                          </a:solidFill>
+                          <a:effectLst/>
+                          <a:latin typeface="Aptos Narrow" panose="020B0004020202020204" pitchFamily="34" charset="0"/>
+                        </a:rPr>
+                        <a:t>0.512810</a:t>
+                      </a:r>
+                    </a:p>
+                  </a:txBody>
+                  <a:tcPr marL="7620" marR="7620" marT="7620" marB="0" anchor="b">
+                    <a:lnL>
+                      <a:noFill/>
+                    </a:lnL>
+                    <a:lnR>
+                      <a:noFill/>
+                    </a:lnR>
+                    <a:lnT>
+                      <a:noFill/>
+                    </a:lnT>
+                    <a:lnB>
+                      <a:noFill/>
+                    </a:lnB>
+                    <a:noFill/>
+                  </a:tcPr>
+                </a:tc>
+                <a:extLst>
+                  <a:ext uri="{0D108BD9-81ED-4DB2-BD59-A6C34878D82A}">
+                    <a16:rowId xmlns:a16="http://schemas.microsoft.com/office/drawing/2014/main" val="4213130466"/>
+                  </a:ext>
+                </a:extLst>
+              </a:tr>
+              <a:tr h="379531">
+                <a:tc>
+                  <a:txBody>
+                    <a:bodyPr/>
+                    <a:lstStyle/>
+                    <a:p>
+                      <a:pPr algn="l" fontAlgn="b"/>
+                      <a:r>
+                        <a:rPr lang="en-US" sz="2400" b="0" i="0" u="none" strike="noStrike">
+                          <a:solidFill>
+                            <a:srgbClr val="000000"/>
+                          </a:solidFill>
+                          <a:effectLst/>
+                          <a:latin typeface="Aptos Narrow" panose="020B0004020202020204" pitchFamily="34" charset="0"/>
+                        </a:rPr>
+                        <a:t>FDIInflows</a:t>
+                      </a:r>
+                    </a:p>
+                  </a:txBody>
+                  <a:tcPr marL="7620" marR="7620" marT="7620" marB="0" anchor="b">
+                    <a:lnL>
+                      <a:noFill/>
+                    </a:lnL>
+                    <a:lnR>
+                      <a:noFill/>
+                    </a:lnR>
+                    <a:lnT>
+                      <a:noFill/>
+                    </a:lnT>
+                    <a:lnB>
+                      <a:noFill/>
+                    </a:lnB>
+                    <a:solidFill>
+                      <a:srgbClr val="C1F0C8"/>
+                    </a:solidFill>
+                  </a:tcPr>
+                </a:tc>
+                <a:tc>
+                  <a:txBody>
+                    <a:bodyPr/>
+                    <a:lstStyle/>
+                    <a:p>
+                      <a:pPr algn="r" fontAlgn="b"/>
+                      <a:r>
+                        <a:rPr lang="en-US" sz="2400" b="0" i="0" u="none" strike="noStrike">
+                          <a:solidFill>
+                            <a:srgbClr val="000000"/>
+                          </a:solidFill>
+                          <a:effectLst/>
+                          <a:latin typeface="Aptos Narrow" panose="020B0004020202020204" pitchFamily="34" charset="0"/>
+                        </a:rPr>
+                        <a:t>2.665692</a:t>
+                      </a:r>
+                    </a:p>
+                  </a:txBody>
+                  <a:tcPr marL="7620" marR="7620" marT="7620" marB="0" anchor="b">
+                    <a:lnL>
+                      <a:noFill/>
+                    </a:lnL>
+                    <a:lnR>
+                      <a:noFill/>
+                    </a:lnR>
+                    <a:lnT>
+                      <a:noFill/>
+                    </a:lnT>
+                    <a:lnB>
+                      <a:noFill/>
+                    </a:lnB>
+                    <a:solidFill>
+                      <a:srgbClr val="C1F0C8"/>
+                    </a:solidFill>
+                  </a:tcPr>
+                </a:tc>
+                <a:tc>
+                  <a:txBody>
+                    <a:bodyPr/>
+                    <a:lstStyle/>
+                    <a:p>
+                      <a:pPr algn="r" fontAlgn="b"/>
+                      <a:r>
+                        <a:rPr lang="en-US" sz="2400" b="0" i="0" u="none" strike="noStrike">
+                          <a:solidFill>
+                            <a:srgbClr val="000000"/>
+                          </a:solidFill>
+                          <a:effectLst/>
+                          <a:latin typeface="Aptos Narrow" panose="020B0004020202020204" pitchFamily="34" charset="0"/>
+                        </a:rPr>
+                        <a:t>0.008692</a:t>
+                      </a:r>
+                    </a:p>
+                  </a:txBody>
+                  <a:tcPr marL="7620" marR="7620" marT="7620" marB="0" anchor="b">
+                    <a:lnL>
+                      <a:noFill/>
+                    </a:lnL>
+                    <a:lnR>
+                      <a:noFill/>
+                    </a:lnR>
+                    <a:lnT>
+                      <a:noFill/>
+                    </a:lnT>
+                    <a:lnB>
+                      <a:noFill/>
+                    </a:lnB>
+                    <a:solidFill>
+                      <a:srgbClr val="C1F0C8"/>
+                    </a:solidFill>
+                  </a:tcPr>
+                </a:tc>
+                <a:extLst>
+                  <a:ext uri="{0D108BD9-81ED-4DB2-BD59-A6C34878D82A}">
+                    <a16:rowId xmlns:a16="http://schemas.microsoft.com/office/drawing/2014/main" val="1126763269"/>
+                  </a:ext>
+                </a:extLst>
+              </a:tr>
+              <a:tr h="379531">
+                <a:tc>
+                  <a:txBody>
+                    <a:bodyPr/>
+                    <a:lstStyle/>
+                    <a:p>
+                      <a:pPr algn="l" fontAlgn="b"/>
+                      <a:r>
+                        <a:rPr lang="en-US" sz="2400" b="0" i="0" u="none" strike="noStrike">
+                          <a:solidFill>
+                            <a:srgbClr val="000000"/>
+                          </a:solidFill>
+                          <a:effectLst/>
+                          <a:latin typeface="Aptos Narrow" panose="020B0004020202020204" pitchFamily="34" charset="0"/>
+                        </a:rPr>
+                        <a:t>FDIOutflowsToGDP</a:t>
+                      </a:r>
+                    </a:p>
+                  </a:txBody>
+                  <a:tcPr marL="7620" marR="7620" marT="7620" marB="0" anchor="b">
+                    <a:lnL>
+                      <a:noFill/>
+                    </a:lnL>
+                    <a:lnR>
+                      <a:noFill/>
+                    </a:lnR>
+                    <a:lnT>
+                      <a:noFill/>
+                    </a:lnT>
+                    <a:lnB>
+                      <a:noFill/>
+                    </a:lnB>
+                    <a:noFill/>
+                  </a:tcPr>
+                </a:tc>
+                <a:tc>
+                  <a:txBody>
+                    <a:bodyPr/>
+                    <a:lstStyle/>
+                    <a:p>
+                      <a:pPr algn="r" fontAlgn="b"/>
+                      <a:r>
+                        <a:rPr lang="en-US" sz="2400" b="0" i="0" u="none" strike="noStrike">
+                          <a:solidFill>
+                            <a:srgbClr val="000000"/>
+                          </a:solidFill>
+                          <a:effectLst/>
+                          <a:latin typeface="Aptos Narrow" panose="020B0004020202020204" pitchFamily="34" charset="0"/>
+                        </a:rPr>
+                        <a:t>0.801692</a:t>
+                      </a:r>
+                    </a:p>
+                  </a:txBody>
+                  <a:tcPr marL="7620" marR="7620" marT="7620" marB="0" anchor="b">
+                    <a:lnL>
+                      <a:noFill/>
+                    </a:lnL>
+                    <a:lnR>
+                      <a:noFill/>
+                    </a:lnR>
+                    <a:lnT>
+                      <a:noFill/>
+                    </a:lnT>
+                    <a:lnB>
+                      <a:noFill/>
+                    </a:lnB>
+                    <a:noFill/>
+                  </a:tcPr>
+                </a:tc>
+                <a:tc>
+                  <a:txBody>
+                    <a:bodyPr/>
+                    <a:lstStyle/>
+                    <a:p>
+                      <a:pPr algn="r" fontAlgn="b"/>
+                      <a:r>
+                        <a:rPr lang="en-US" sz="2400" b="0" i="0" u="none" strike="noStrike">
+                          <a:solidFill>
+                            <a:srgbClr val="000000"/>
+                          </a:solidFill>
+                          <a:effectLst/>
+                          <a:latin typeface="Aptos Narrow" panose="020B0004020202020204" pitchFamily="34" charset="0"/>
+                        </a:rPr>
+                        <a:t>0.424441</a:t>
+                      </a:r>
+                    </a:p>
+                  </a:txBody>
+                  <a:tcPr marL="7620" marR="7620" marT="7620" marB="0" anchor="b">
+                    <a:lnL>
+                      <a:noFill/>
+                    </a:lnL>
+                    <a:lnR>
+                      <a:noFill/>
+                    </a:lnR>
+                    <a:lnT>
+                      <a:noFill/>
+                    </a:lnT>
+                    <a:lnB>
+                      <a:noFill/>
+                    </a:lnB>
+                    <a:noFill/>
+                  </a:tcPr>
+                </a:tc>
+                <a:extLst>
+                  <a:ext uri="{0D108BD9-81ED-4DB2-BD59-A6C34878D82A}">
+                    <a16:rowId xmlns:a16="http://schemas.microsoft.com/office/drawing/2014/main" val="1443526915"/>
+                  </a:ext>
+                </a:extLst>
+              </a:tr>
+              <a:tr h="379531">
+                <a:tc>
+                  <a:txBody>
+                    <a:bodyPr/>
+                    <a:lstStyle/>
+                    <a:p>
+                      <a:pPr algn="l" fontAlgn="b"/>
+                      <a:r>
+                        <a:rPr lang="en-US" sz="2400" b="0" i="0" u="none" strike="noStrike">
+                          <a:solidFill>
+                            <a:srgbClr val="000000"/>
+                          </a:solidFill>
+                          <a:effectLst/>
+                          <a:latin typeface="Aptos Narrow" panose="020B0004020202020204" pitchFamily="34" charset="0"/>
+                        </a:rPr>
+                        <a:t>FDIOutflows</a:t>
+                      </a:r>
+                    </a:p>
+                  </a:txBody>
+                  <a:tcPr marL="7620" marR="7620" marT="7620" marB="0" anchor="b">
+                    <a:lnL>
+                      <a:noFill/>
+                    </a:lnL>
+                    <a:lnR>
+                      <a:noFill/>
+                    </a:lnR>
+                    <a:lnT>
+                      <a:noFill/>
+                    </a:lnT>
+                    <a:lnB>
+                      <a:noFill/>
+                    </a:lnB>
+                    <a:solidFill>
+                      <a:srgbClr val="C1F0C8"/>
+                    </a:solidFill>
+                  </a:tcPr>
+                </a:tc>
+                <a:tc>
+                  <a:txBody>
+                    <a:bodyPr/>
+                    <a:lstStyle/>
+                    <a:p>
+                      <a:pPr algn="r" fontAlgn="b"/>
+                      <a:r>
+                        <a:rPr lang="en-US" sz="2400" b="0" i="0" u="none" strike="noStrike">
+                          <a:solidFill>
+                            <a:srgbClr val="000000"/>
+                          </a:solidFill>
+                          <a:effectLst/>
+                          <a:latin typeface="Aptos Narrow" panose="020B0004020202020204" pitchFamily="34" charset="0"/>
+                        </a:rPr>
+                        <a:t>4.411134</a:t>
+                      </a:r>
+                    </a:p>
+                  </a:txBody>
+                  <a:tcPr marL="7620" marR="7620" marT="7620" marB="0" anchor="b">
+                    <a:lnL>
+                      <a:noFill/>
+                    </a:lnL>
+                    <a:lnR>
+                      <a:noFill/>
+                    </a:lnR>
+                    <a:lnT>
+                      <a:noFill/>
+                    </a:lnT>
+                    <a:lnB>
+                      <a:noFill/>
+                    </a:lnB>
+                    <a:solidFill>
+                      <a:srgbClr val="C1F0C8"/>
+                    </a:solidFill>
+                  </a:tcPr>
+                </a:tc>
+                <a:tc>
+                  <a:txBody>
+                    <a:bodyPr/>
+                    <a:lstStyle/>
+                    <a:p>
+                      <a:pPr algn="r" fontAlgn="b"/>
+                      <a:r>
+                        <a:rPr lang="en-US" sz="2400" b="0" i="0" u="none" strike="noStrike">
+                          <a:solidFill>
+                            <a:srgbClr val="000000"/>
+                          </a:solidFill>
+                          <a:effectLst/>
+                          <a:latin typeface="Aptos Narrow" panose="020B0004020202020204" pitchFamily="34" charset="0"/>
+                        </a:rPr>
+                        <a:t>0.000023</a:t>
+                      </a:r>
+                    </a:p>
+                  </a:txBody>
+                  <a:tcPr marL="7620" marR="7620" marT="7620" marB="0" anchor="b">
+                    <a:lnL>
+                      <a:noFill/>
+                    </a:lnL>
+                    <a:lnR>
+                      <a:noFill/>
+                    </a:lnR>
+                    <a:lnT>
+                      <a:noFill/>
+                    </a:lnT>
+                    <a:lnB>
+                      <a:noFill/>
+                    </a:lnB>
+                    <a:solidFill>
+                      <a:srgbClr val="C1F0C8"/>
+                    </a:solidFill>
+                  </a:tcPr>
+                </a:tc>
+                <a:extLst>
+                  <a:ext uri="{0D108BD9-81ED-4DB2-BD59-A6C34878D82A}">
+                    <a16:rowId xmlns:a16="http://schemas.microsoft.com/office/drawing/2014/main" val="876651143"/>
+                  </a:ext>
+                </a:extLst>
+              </a:tr>
+              <a:tr h="379531">
+                <a:tc>
+                  <a:txBody>
+                    <a:bodyPr/>
+                    <a:lstStyle/>
+                    <a:p>
+                      <a:pPr algn="l" fontAlgn="b"/>
+                      <a:r>
+                        <a:rPr lang="en-US" sz="2400" b="0" i="0" u="none" strike="noStrike">
+                          <a:solidFill>
+                            <a:srgbClr val="000000"/>
+                          </a:solidFill>
+                          <a:effectLst/>
+                          <a:latin typeface="Aptos Narrow" panose="020B0004020202020204" pitchFamily="34" charset="0"/>
+                        </a:rPr>
+                        <a:t>GDP</a:t>
+                      </a:r>
+                    </a:p>
+                  </a:txBody>
+                  <a:tcPr marL="7620" marR="7620" marT="7620" marB="0" anchor="b">
+                    <a:lnL>
+                      <a:noFill/>
+                    </a:lnL>
+                    <a:lnR>
+                      <a:noFill/>
+                    </a:lnR>
+                    <a:lnT>
+                      <a:noFill/>
+                    </a:lnT>
+                    <a:lnB>
+                      <a:noFill/>
+                    </a:lnB>
+                    <a:solidFill>
+                      <a:srgbClr val="C1F0C8"/>
+                    </a:solidFill>
+                  </a:tcPr>
+                </a:tc>
+                <a:tc>
+                  <a:txBody>
+                    <a:bodyPr/>
+                    <a:lstStyle/>
+                    <a:p>
+                      <a:pPr algn="r" fontAlgn="b"/>
+                      <a:r>
+                        <a:rPr lang="en-US" sz="2400" b="0" i="0" u="none" strike="noStrike">
+                          <a:solidFill>
+                            <a:srgbClr val="000000"/>
+                          </a:solidFill>
+                          <a:effectLst/>
+                          <a:latin typeface="Aptos Narrow" panose="020B0004020202020204" pitchFamily="34" charset="0"/>
+                        </a:rPr>
+                        <a:t>2.031783</a:t>
+                      </a:r>
+                    </a:p>
+                  </a:txBody>
+                  <a:tcPr marL="7620" marR="7620" marT="7620" marB="0" anchor="b">
+                    <a:lnL>
+                      <a:noFill/>
+                    </a:lnL>
+                    <a:lnR>
+                      <a:noFill/>
+                    </a:lnR>
+                    <a:lnT>
+                      <a:noFill/>
+                    </a:lnT>
+                    <a:lnB>
+                      <a:noFill/>
+                    </a:lnB>
+                    <a:solidFill>
+                      <a:srgbClr val="C1F0C8"/>
+                    </a:solidFill>
+                  </a:tcPr>
+                </a:tc>
+                <a:tc>
+                  <a:txBody>
+                    <a:bodyPr/>
+                    <a:lstStyle/>
+                    <a:p>
+                      <a:pPr algn="r" fontAlgn="b"/>
+                      <a:r>
+                        <a:rPr lang="en-US" sz="2400" b="0" i="0" u="none" strike="noStrike">
+                          <a:solidFill>
+                            <a:srgbClr val="000000"/>
+                          </a:solidFill>
+                          <a:effectLst/>
+                          <a:latin typeface="Aptos Narrow" panose="020B0004020202020204" pitchFamily="34" charset="0"/>
+                        </a:rPr>
+                        <a:t>0.043870</a:t>
+                      </a:r>
+                    </a:p>
+                  </a:txBody>
+                  <a:tcPr marL="7620" marR="7620" marT="7620" marB="0" anchor="b">
+                    <a:lnL>
+                      <a:noFill/>
+                    </a:lnL>
+                    <a:lnR>
+                      <a:noFill/>
+                    </a:lnR>
+                    <a:lnT>
+                      <a:noFill/>
+                    </a:lnT>
+                    <a:lnB>
+                      <a:noFill/>
+                    </a:lnB>
+                    <a:solidFill>
+                      <a:srgbClr val="C1F0C8"/>
+                    </a:solidFill>
+                  </a:tcPr>
+                </a:tc>
+                <a:extLst>
+                  <a:ext uri="{0D108BD9-81ED-4DB2-BD59-A6C34878D82A}">
+                    <a16:rowId xmlns:a16="http://schemas.microsoft.com/office/drawing/2014/main" val="2591894819"/>
+                  </a:ext>
+                </a:extLst>
+              </a:tr>
+              <a:tr h="379531">
+                <a:tc>
+                  <a:txBody>
+                    <a:bodyPr/>
+                    <a:lstStyle/>
+                    <a:p>
+                      <a:pPr algn="l" fontAlgn="b"/>
+                      <a:r>
+                        <a:rPr lang="en-US" sz="2400" b="0" i="0" u="none" strike="noStrike">
+                          <a:solidFill>
+                            <a:srgbClr val="000000"/>
+                          </a:solidFill>
+                          <a:effectLst/>
+                          <a:latin typeface="Aptos Narrow" panose="020B0004020202020204" pitchFamily="34" charset="0"/>
+                        </a:rPr>
+                        <a:t>GDPGrowth</a:t>
+                      </a:r>
+                    </a:p>
+                  </a:txBody>
+                  <a:tcPr marL="7620" marR="7620" marT="7620" marB="0" anchor="b">
+                    <a:lnL>
+                      <a:noFill/>
+                    </a:lnL>
+                    <a:lnR>
+                      <a:noFill/>
+                    </a:lnR>
+                    <a:lnT>
+                      <a:noFill/>
+                    </a:lnT>
+                    <a:lnB>
+                      <a:noFill/>
+                    </a:lnB>
+                    <a:noFill/>
+                  </a:tcPr>
+                </a:tc>
+                <a:tc>
+                  <a:txBody>
+                    <a:bodyPr/>
+                    <a:lstStyle/>
+                    <a:p>
+                      <a:pPr algn="r" fontAlgn="b"/>
+                      <a:r>
+                        <a:rPr lang="en-US" sz="2400" b="0" i="0" u="none" strike="noStrike">
+                          <a:solidFill>
+                            <a:srgbClr val="000000"/>
+                          </a:solidFill>
+                          <a:effectLst/>
+                          <a:latin typeface="Aptos Narrow" panose="020B0004020202020204" pitchFamily="34" charset="0"/>
+                        </a:rPr>
+                        <a:t>1.625836</a:t>
+                      </a:r>
+                    </a:p>
+                  </a:txBody>
+                  <a:tcPr marL="7620" marR="7620" marT="7620" marB="0" anchor="b">
+                    <a:lnL>
+                      <a:noFill/>
+                    </a:lnL>
+                    <a:lnR>
+                      <a:noFill/>
+                    </a:lnR>
+                    <a:lnT>
+                      <a:noFill/>
+                    </a:lnT>
+                    <a:lnB>
+                      <a:noFill/>
+                    </a:lnB>
+                    <a:noFill/>
+                  </a:tcPr>
+                </a:tc>
+                <a:tc>
+                  <a:txBody>
+                    <a:bodyPr/>
+                    <a:lstStyle/>
+                    <a:p>
+                      <a:pPr algn="r" fontAlgn="b"/>
+                      <a:r>
+                        <a:rPr lang="en-US" sz="2400" b="0" i="0" u="none" strike="noStrike">
+                          <a:solidFill>
+                            <a:srgbClr val="000000"/>
+                          </a:solidFill>
+                          <a:effectLst/>
+                          <a:latin typeface="Aptos Narrow" panose="020B0004020202020204" pitchFamily="34" charset="0"/>
+                        </a:rPr>
+                        <a:t>0.105671</a:t>
+                      </a:r>
+                    </a:p>
+                  </a:txBody>
+                  <a:tcPr marL="7620" marR="7620" marT="7620" marB="0" anchor="b">
+                    <a:lnL>
+                      <a:noFill/>
+                    </a:lnL>
+                    <a:lnR>
+                      <a:noFill/>
+                    </a:lnR>
+                    <a:lnT>
+                      <a:noFill/>
+                    </a:lnT>
+                    <a:lnB>
+                      <a:noFill/>
+                    </a:lnB>
+                    <a:noFill/>
+                  </a:tcPr>
+                </a:tc>
+                <a:extLst>
+                  <a:ext uri="{0D108BD9-81ED-4DB2-BD59-A6C34878D82A}">
+                    <a16:rowId xmlns:a16="http://schemas.microsoft.com/office/drawing/2014/main" val="2427534879"/>
+                  </a:ext>
+                </a:extLst>
+              </a:tr>
+              <a:tr h="379531">
+                <a:tc>
+                  <a:txBody>
+                    <a:bodyPr/>
+                    <a:lstStyle/>
+                    <a:p>
+                      <a:pPr algn="l" fontAlgn="b"/>
+                      <a:r>
+                        <a:rPr lang="en-US" sz="2400" b="0" i="0" u="none" strike="noStrike">
+                          <a:solidFill>
+                            <a:srgbClr val="000000"/>
+                          </a:solidFill>
+                          <a:effectLst/>
+                          <a:latin typeface="Aptos Narrow" panose="020B0004020202020204" pitchFamily="34" charset="0"/>
+                        </a:rPr>
+                        <a:t>InflationRate</a:t>
+                      </a:r>
+                    </a:p>
+                  </a:txBody>
+                  <a:tcPr marL="7620" marR="7620" marT="7620" marB="0" anchor="b">
+                    <a:lnL>
+                      <a:noFill/>
+                    </a:lnL>
+                    <a:lnR>
+                      <a:noFill/>
+                    </a:lnR>
+                    <a:lnT>
+                      <a:noFill/>
+                    </a:lnT>
+                    <a:lnB>
+                      <a:noFill/>
+                    </a:lnB>
+                    <a:solidFill>
+                      <a:srgbClr val="FFC000"/>
+                    </a:solidFill>
+                  </a:tcPr>
+                </a:tc>
+                <a:tc>
+                  <a:txBody>
+                    <a:bodyPr/>
+                    <a:lstStyle/>
+                    <a:p>
+                      <a:pPr algn="r" fontAlgn="b"/>
+                      <a:r>
+                        <a:rPr lang="en-US" sz="2400" b="0" i="0" u="none" strike="noStrike">
+                          <a:solidFill>
+                            <a:srgbClr val="000000"/>
+                          </a:solidFill>
+                          <a:effectLst/>
+                          <a:latin typeface="Aptos Narrow" panose="020B0004020202020204" pitchFamily="34" charset="0"/>
+                        </a:rPr>
+                        <a:t>-3.223025</a:t>
+                      </a:r>
+                    </a:p>
+                  </a:txBody>
+                  <a:tcPr marL="7620" marR="7620" marT="7620" marB="0" anchor="b">
+                    <a:lnL>
+                      <a:noFill/>
+                    </a:lnL>
+                    <a:lnR>
+                      <a:noFill/>
+                    </a:lnR>
+                    <a:lnT>
+                      <a:noFill/>
+                    </a:lnT>
+                    <a:lnB>
+                      <a:noFill/>
+                    </a:lnB>
+                    <a:solidFill>
+                      <a:srgbClr val="FFC000"/>
+                    </a:solidFill>
+                  </a:tcPr>
+                </a:tc>
+                <a:tc>
+                  <a:txBody>
+                    <a:bodyPr/>
+                    <a:lstStyle/>
+                    <a:p>
+                      <a:pPr algn="r" fontAlgn="b"/>
+                      <a:r>
+                        <a:rPr lang="en-US" sz="2400" b="0" i="0" u="none" strike="noStrike">
+                          <a:solidFill>
+                            <a:srgbClr val="000000"/>
+                          </a:solidFill>
+                          <a:effectLst/>
+                          <a:latin typeface="Aptos Narrow" panose="020B0004020202020204" pitchFamily="34" charset="0"/>
+                        </a:rPr>
+                        <a:t>0.001404</a:t>
+                      </a:r>
+                    </a:p>
+                  </a:txBody>
+                  <a:tcPr marL="7620" marR="7620" marT="7620" marB="0" anchor="b">
+                    <a:lnL>
+                      <a:noFill/>
+                    </a:lnL>
+                    <a:lnR>
+                      <a:noFill/>
+                    </a:lnR>
+                    <a:lnT>
+                      <a:noFill/>
+                    </a:lnT>
+                    <a:lnB>
+                      <a:noFill/>
+                    </a:lnB>
+                    <a:solidFill>
+                      <a:srgbClr val="FFC000"/>
+                    </a:solidFill>
+                  </a:tcPr>
+                </a:tc>
+                <a:extLst>
+                  <a:ext uri="{0D108BD9-81ED-4DB2-BD59-A6C34878D82A}">
+                    <a16:rowId xmlns:a16="http://schemas.microsoft.com/office/drawing/2014/main" val="3132153558"/>
+                  </a:ext>
+                </a:extLst>
+              </a:tr>
+              <a:tr h="379531">
+                <a:tc>
+                  <a:txBody>
+                    <a:bodyPr/>
+                    <a:lstStyle/>
+                    <a:p>
+                      <a:pPr algn="l" fontAlgn="b"/>
+                      <a:r>
+                        <a:rPr lang="en-US" sz="2400" b="0" i="0" u="none" strike="noStrike">
+                          <a:solidFill>
+                            <a:srgbClr val="000000"/>
+                          </a:solidFill>
+                          <a:effectLst/>
+                          <a:latin typeface="Aptos Narrow" panose="020B0004020202020204" pitchFamily="34" charset="0"/>
+                        </a:rPr>
+                        <a:t>GovernmentSpendingToGDP</a:t>
+                      </a:r>
+                    </a:p>
+                  </a:txBody>
+                  <a:tcPr marL="7620" marR="7620" marT="7620" marB="0" anchor="b">
+                    <a:lnL>
+                      <a:noFill/>
+                    </a:lnL>
+                    <a:lnR>
+                      <a:noFill/>
+                    </a:lnR>
+                    <a:lnT>
+                      <a:noFill/>
+                    </a:lnT>
+                    <a:lnB>
+                      <a:noFill/>
+                    </a:lnB>
+                    <a:solidFill>
+                      <a:srgbClr val="C1F0C8"/>
+                    </a:solidFill>
+                  </a:tcPr>
+                </a:tc>
+                <a:tc>
+                  <a:txBody>
+                    <a:bodyPr/>
+                    <a:lstStyle/>
+                    <a:p>
+                      <a:pPr algn="r" fontAlgn="b"/>
+                      <a:r>
+                        <a:rPr lang="en-US" sz="2400" b="0" i="0" u="none" strike="noStrike">
+                          <a:solidFill>
+                            <a:srgbClr val="000000"/>
+                          </a:solidFill>
+                          <a:effectLst/>
+                          <a:latin typeface="Aptos Narrow" panose="020B0004020202020204" pitchFamily="34" charset="0"/>
+                        </a:rPr>
+                        <a:t>2.179906</a:t>
+                      </a:r>
+                    </a:p>
+                  </a:txBody>
+                  <a:tcPr marL="7620" marR="7620" marT="7620" marB="0" anchor="b">
+                    <a:lnL>
+                      <a:noFill/>
+                    </a:lnL>
+                    <a:lnR>
+                      <a:noFill/>
+                    </a:lnR>
+                    <a:lnT>
+                      <a:noFill/>
+                    </a:lnT>
+                    <a:lnB>
+                      <a:noFill/>
+                    </a:lnB>
+                    <a:solidFill>
+                      <a:srgbClr val="C1F0C8"/>
+                    </a:solidFill>
+                  </a:tcPr>
+                </a:tc>
+                <a:tc>
+                  <a:txBody>
+                    <a:bodyPr/>
+                    <a:lstStyle/>
+                    <a:p>
+                      <a:pPr algn="r" fontAlgn="b"/>
+                      <a:r>
+                        <a:rPr lang="en-US" sz="2400" b="0" i="0" u="none" strike="noStrike">
+                          <a:solidFill>
+                            <a:srgbClr val="000000"/>
+                          </a:solidFill>
+                          <a:effectLst/>
+                          <a:latin typeface="Aptos Narrow" panose="020B0004020202020204" pitchFamily="34" charset="0"/>
+                        </a:rPr>
+                        <a:t>0.030320</a:t>
+                      </a:r>
+                    </a:p>
+                  </a:txBody>
+                  <a:tcPr marL="7620" marR="7620" marT="7620" marB="0" anchor="b">
+                    <a:lnL>
+                      <a:noFill/>
+                    </a:lnL>
+                    <a:lnR>
+                      <a:noFill/>
+                    </a:lnR>
+                    <a:lnT>
+                      <a:noFill/>
+                    </a:lnT>
+                    <a:lnB>
+                      <a:noFill/>
+                    </a:lnB>
+                    <a:solidFill>
+                      <a:srgbClr val="C1F0C8"/>
+                    </a:solidFill>
+                  </a:tcPr>
+                </a:tc>
+                <a:extLst>
+                  <a:ext uri="{0D108BD9-81ED-4DB2-BD59-A6C34878D82A}">
+                    <a16:rowId xmlns:a16="http://schemas.microsoft.com/office/drawing/2014/main" val="4185908326"/>
+                  </a:ext>
+                </a:extLst>
+              </a:tr>
+              <a:tr h="379531">
+                <a:tc>
+                  <a:txBody>
+                    <a:bodyPr/>
+                    <a:lstStyle/>
+                    <a:p>
+                      <a:pPr algn="l" fontAlgn="b"/>
+                      <a:r>
+                        <a:rPr lang="en-US" sz="2400" b="0" i="0" u="none" strike="noStrike">
+                          <a:solidFill>
+                            <a:srgbClr val="000000"/>
+                          </a:solidFill>
+                          <a:effectLst/>
+                          <a:latin typeface="Aptos Narrow" panose="020B0004020202020204" pitchFamily="34" charset="0"/>
+                        </a:rPr>
+                        <a:t>GovernmentSpendingAnnualGrowth</a:t>
+                      </a:r>
+                    </a:p>
+                  </a:txBody>
+                  <a:tcPr marL="7620" marR="7620" marT="7620" marB="0" anchor="b">
+                    <a:lnL>
+                      <a:noFill/>
+                    </a:lnL>
+                    <a:lnR>
+                      <a:noFill/>
+                    </a:lnR>
+                    <a:lnT>
+                      <a:noFill/>
+                    </a:lnT>
+                    <a:lnB>
+                      <a:noFill/>
+                    </a:lnB>
+                    <a:noFill/>
+                  </a:tcPr>
+                </a:tc>
+                <a:tc>
+                  <a:txBody>
+                    <a:bodyPr/>
+                    <a:lstStyle/>
+                    <a:p>
+                      <a:pPr algn="r" fontAlgn="b"/>
+                      <a:r>
+                        <a:rPr lang="en-US" sz="2400" b="0" i="0" u="none" strike="noStrike">
+                          <a:solidFill>
+                            <a:srgbClr val="000000"/>
+                          </a:solidFill>
+                          <a:effectLst/>
+                          <a:latin typeface="Aptos Narrow" panose="020B0004020202020204" pitchFamily="34" charset="0"/>
+                        </a:rPr>
+                        <a:t>-0.633536</a:t>
+                      </a:r>
+                    </a:p>
+                  </a:txBody>
+                  <a:tcPr marL="7620" marR="7620" marT="7620" marB="0" anchor="b">
+                    <a:lnL>
+                      <a:noFill/>
+                    </a:lnL>
+                    <a:lnR>
+                      <a:noFill/>
+                    </a:lnR>
+                    <a:lnT>
+                      <a:noFill/>
+                    </a:lnT>
+                    <a:lnB>
+                      <a:noFill/>
+                    </a:lnB>
+                    <a:noFill/>
+                  </a:tcPr>
+                </a:tc>
+                <a:tc>
+                  <a:txBody>
+                    <a:bodyPr/>
+                    <a:lstStyle/>
+                    <a:p>
+                      <a:pPr algn="r" fontAlgn="b"/>
+                      <a:r>
+                        <a:rPr lang="en-US" sz="2400" b="0" i="0" u="none" strike="noStrike">
+                          <a:solidFill>
+                            <a:srgbClr val="000000"/>
+                          </a:solidFill>
+                          <a:effectLst/>
+                          <a:latin typeface="Aptos Narrow" panose="020B0004020202020204" pitchFamily="34" charset="0"/>
+                        </a:rPr>
+                        <a:t>0.526816</a:t>
+                      </a:r>
+                    </a:p>
+                  </a:txBody>
+                  <a:tcPr marL="7620" marR="7620" marT="7620" marB="0" anchor="b">
+                    <a:lnL>
+                      <a:noFill/>
+                    </a:lnL>
+                    <a:lnR>
+                      <a:noFill/>
+                    </a:lnR>
+                    <a:lnT>
+                      <a:noFill/>
+                    </a:lnT>
+                    <a:lnB>
+                      <a:noFill/>
+                    </a:lnB>
+                    <a:noFill/>
+                  </a:tcPr>
+                </a:tc>
+                <a:extLst>
+                  <a:ext uri="{0D108BD9-81ED-4DB2-BD59-A6C34878D82A}">
+                    <a16:rowId xmlns:a16="http://schemas.microsoft.com/office/drawing/2014/main" val="1734408469"/>
+                  </a:ext>
+                </a:extLst>
+              </a:tr>
+              <a:tr h="379531">
+                <a:tc>
+                  <a:txBody>
+                    <a:bodyPr/>
+                    <a:lstStyle/>
+                    <a:p>
+                      <a:pPr algn="l" fontAlgn="b"/>
+                      <a:r>
+                        <a:rPr lang="en-US" sz="2400" b="0" i="0" u="none" strike="noStrike">
+                          <a:solidFill>
+                            <a:srgbClr val="000000"/>
+                          </a:solidFill>
+                          <a:effectLst/>
+                          <a:latin typeface="Aptos Narrow" panose="020B0004020202020204" pitchFamily="34" charset="0"/>
+                        </a:rPr>
+                        <a:t>Governmentspending</a:t>
+                      </a:r>
+                    </a:p>
+                  </a:txBody>
+                  <a:tcPr marL="7620" marR="7620" marT="7620" marB="0" anchor="b">
+                    <a:lnL>
+                      <a:noFill/>
+                    </a:lnL>
+                    <a:lnR>
+                      <a:noFill/>
+                    </a:lnR>
+                    <a:lnT>
+                      <a:noFill/>
+                    </a:lnT>
+                    <a:lnB>
+                      <a:noFill/>
+                    </a:lnB>
+                    <a:solidFill>
+                      <a:srgbClr val="C1F0C8"/>
+                    </a:solidFill>
+                  </a:tcPr>
+                </a:tc>
+                <a:tc>
+                  <a:txBody>
+                    <a:bodyPr/>
+                    <a:lstStyle/>
+                    <a:p>
+                      <a:pPr algn="r" fontAlgn="b"/>
+                      <a:r>
+                        <a:rPr lang="en-US" sz="2400" b="0" i="0" u="none" strike="noStrike">
+                          <a:solidFill>
+                            <a:srgbClr val="000000"/>
+                          </a:solidFill>
+                          <a:effectLst/>
+                          <a:latin typeface="Aptos Narrow" panose="020B0004020202020204" pitchFamily="34" charset="0"/>
+                        </a:rPr>
+                        <a:t>2.829848</a:t>
+                      </a:r>
+                    </a:p>
+                  </a:txBody>
+                  <a:tcPr marL="7620" marR="7620" marT="7620" marB="0" anchor="b">
+                    <a:lnL>
+                      <a:noFill/>
+                    </a:lnL>
+                    <a:lnR>
+                      <a:noFill/>
+                    </a:lnR>
+                    <a:lnT>
+                      <a:noFill/>
+                    </a:lnT>
+                    <a:lnB>
+                      <a:noFill/>
+                    </a:lnB>
+                    <a:solidFill>
+                      <a:srgbClr val="C1F0C8"/>
+                    </a:solidFill>
+                  </a:tcPr>
+                </a:tc>
+                <a:tc>
+                  <a:txBody>
+                    <a:bodyPr/>
+                    <a:lstStyle/>
+                    <a:p>
+                      <a:pPr algn="r" fontAlgn="b"/>
+                      <a:r>
+                        <a:rPr lang="en-US" sz="2400" b="0" i="0" u="none" strike="noStrike">
+                          <a:solidFill>
+                            <a:srgbClr val="000000"/>
+                          </a:solidFill>
+                          <a:effectLst/>
+                          <a:latin typeface="Aptos Narrow" panose="020B0004020202020204" pitchFamily="34" charset="0"/>
+                        </a:rPr>
+                        <a:t>0.005497</a:t>
+                      </a:r>
+                    </a:p>
+                  </a:txBody>
+                  <a:tcPr marL="7620" marR="7620" marT="7620" marB="0" anchor="b">
+                    <a:lnL>
+                      <a:noFill/>
+                    </a:lnL>
+                    <a:lnR>
+                      <a:noFill/>
+                    </a:lnR>
+                    <a:lnT>
+                      <a:noFill/>
+                    </a:lnT>
+                    <a:lnB>
+                      <a:noFill/>
+                    </a:lnB>
+                    <a:solidFill>
+                      <a:srgbClr val="C1F0C8"/>
+                    </a:solidFill>
+                  </a:tcPr>
+                </a:tc>
+                <a:extLst>
+                  <a:ext uri="{0D108BD9-81ED-4DB2-BD59-A6C34878D82A}">
+                    <a16:rowId xmlns:a16="http://schemas.microsoft.com/office/drawing/2014/main" val="4249135295"/>
+                  </a:ext>
+                </a:extLst>
+              </a:tr>
+              <a:tr h="379531">
+                <a:tc>
+                  <a:txBody>
+                    <a:bodyPr/>
+                    <a:lstStyle/>
+                    <a:p>
+                      <a:pPr algn="l" fontAlgn="b"/>
+                      <a:r>
+                        <a:rPr lang="en-US" sz="2400" b="0" i="0" u="none" strike="noStrike">
+                          <a:solidFill>
+                            <a:srgbClr val="000000"/>
+                          </a:solidFill>
+                          <a:effectLst/>
+                          <a:latin typeface="Aptos Narrow" panose="020B0004020202020204" pitchFamily="34" charset="0"/>
+                        </a:rPr>
+                        <a:t>GovernmentEducationSpendingToGDP</a:t>
+                      </a:r>
+                    </a:p>
+                  </a:txBody>
+                  <a:tcPr marL="7620" marR="7620" marT="7620" marB="0" anchor="b">
+                    <a:lnL>
+                      <a:noFill/>
+                    </a:lnL>
+                    <a:lnR>
+                      <a:noFill/>
+                    </a:lnR>
+                    <a:lnT>
+                      <a:noFill/>
+                    </a:lnT>
+                    <a:lnB>
+                      <a:noFill/>
+                    </a:lnB>
+                    <a:noFill/>
+                  </a:tcPr>
+                </a:tc>
+                <a:tc>
+                  <a:txBody>
+                    <a:bodyPr/>
+                    <a:lstStyle/>
+                    <a:p>
+                      <a:pPr algn="r" fontAlgn="b"/>
+                      <a:r>
+                        <a:rPr lang="en-US" sz="2400" b="0" i="0" u="none" strike="noStrike">
+                          <a:solidFill>
+                            <a:srgbClr val="000000"/>
+                          </a:solidFill>
+                          <a:effectLst/>
+                          <a:latin typeface="Aptos Narrow" panose="020B0004020202020204" pitchFamily="34" charset="0"/>
+                        </a:rPr>
+                        <a:t>0.838156</a:t>
+                      </a:r>
+                    </a:p>
+                  </a:txBody>
+                  <a:tcPr marL="7620" marR="7620" marT="7620" marB="0" anchor="b">
+                    <a:lnL>
+                      <a:noFill/>
+                    </a:lnL>
+                    <a:lnR>
+                      <a:noFill/>
+                    </a:lnR>
+                    <a:lnT>
+                      <a:noFill/>
+                    </a:lnT>
+                    <a:lnB>
+                      <a:noFill/>
+                    </a:lnB>
+                    <a:noFill/>
+                  </a:tcPr>
+                </a:tc>
+                <a:tc>
+                  <a:txBody>
+                    <a:bodyPr/>
+                    <a:lstStyle/>
+                    <a:p>
+                      <a:pPr algn="r" fontAlgn="b"/>
+                      <a:r>
+                        <a:rPr lang="en-US" sz="2400" b="0" i="0" u="none" strike="noStrike">
+                          <a:solidFill>
+                            <a:srgbClr val="000000"/>
+                          </a:solidFill>
+                          <a:effectLst/>
+                          <a:latin typeface="Aptos Narrow" panose="020B0004020202020204" pitchFamily="34" charset="0"/>
+                        </a:rPr>
+                        <a:t>0.402667</a:t>
+                      </a:r>
+                    </a:p>
+                  </a:txBody>
+                  <a:tcPr marL="7620" marR="7620" marT="7620" marB="0" anchor="b">
+                    <a:lnL>
+                      <a:noFill/>
+                    </a:lnL>
+                    <a:lnR>
+                      <a:noFill/>
+                    </a:lnR>
+                    <a:lnT>
+                      <a:noFill/>
+                    </a:lnT>
+                    <a:lnB>
+                      <a:noFill/>
+                    </a:lnB>
+                    <a:noFill/>
+                  </a:tcPr>
+                </a:tc>
+                <a:extLst>
+                  <a:ext uri="{0D108BD9-81ED-4DB2-BD59-A6C34878D82A}">
+                    <a16:rowId xmlns:a16="http://schemas.microsoft.com/office/drawing/2014/main" val="2197919142"/>
+                  </a:ext>
+                </a:extLst>
+              </a:tr>
+              <a:tr h="379531">
+                <a:tc>
+                  <a:txBody>
+                    <a:bodyPr/>
+                    <a:lstStyle/>
+                    <a:p>
+                      <a:pPr algn="l" fontAlgn="b"/>
+                      <a:r>
+                        <a:rPr lang="en-US" sz="2400" b="0" i="0" u="none" strike="noStrike">
+                          <a:solidFill>
+                            <a:srgbClr val="000000"/>
+                          </a:solidFill>
+                          <a:effectLst/>
+                          <a:latin typeface="Aptos Narrow" panose="020B0004020202020204" pitchFamily="34" charset="0"/>
+                        </a:rPr>
+                        <a:t>GovernmentMiIitaryspendingT0GDP</a:t>
+                      </a:r>
+                    </a:p>
+                  </a:txBody>
+                  <a:tcPr marL="7620" marR="7620" marT="7620" marB="0" anchor="b">
+                    <a:lnL>
+                      <a:noFill/>
+                    </a:lnL>
+                    <a:lnR>
+                      <a:noFill/>
+                    </a:lnR>
+                    <a:lnT>
+                      <a:noFill/>
+                    </a:lnT>
+                    <a:lnB>
+                      <a:noFill/>
+                    </a:lnB>
+                    <a:noFill/>
+                  </a:tcPr>
+                </a:tc>
+                <a:tc>
+                  <a:txBody>
+                    <a:bodyPr/>
+                    <a:lstStyle/>
+                    <a:p>
+                      <a:pPr algn="r" fontAlgn="b"/>
+                      <a:r>
+                        <a:rPr lang="en-US" sz="2400" b="0" i="0" u="none" strike="noStrike">
+                          <a:solidFill>
+                            <a:srgbClr val="000000"/>
+                          </a:solidFill>
+                          <a:effectLst/>
+                          <a:latin typeface="Aptos Narrow" panose="020B0004020202020204" pitchFamily="34" charset="0"/>
+                        </a:rPr>
+                        <a:t>1.702764</a:t>
+                      </a:r>
+                    </a:p>
+                  </a:txBody>
+                  <a:tcPr marL="7620" marR="7620" marT="7620" marB="0" anchor="b">
+                    <a:lnL>
+                      <a:noFill/>
+                    </a:lnL>
+                    <a:lnR>
+                      <a:noFill/>
+                    </a:lnR>
+                    <a:lnT>
+                      <a:noFill/>
+                    </a:lnT>
+                    <a:lnB>
+                      <a:noFill/>
+                    </a:lnB>
+                    <a:noFill/>
+                  </a:tcPr>
+                </a:tc>
+                <a:tc>
+                  <a:txBody>
+                    <a:bodyPr/>
+                    <a:lstStyle/>
+                    <a:p>
+                      <a:pPr algn="r" fontAlgn="b"/>
+                      <a:r>
+                        <a:rPr lang="en-US" sz="2400" b="0" i="0" u="none" strike="noStrike">
+                          <a:solidFill>
+                            <a:srgbClr val="000000"/>
+                          </a:solidFill>
+                          <a:effectLst/>
+                          <a:latin typeface="Aptos Narrow" panose="020B0004020202020204" pitchFamily="34" charset="0"/>
+                        </a:rPr>
+                        <a:t>0.089583</a:t>
+                      </a:r>
+                    </a:p>
+                  </a:txBody>
+                  <a:tcPr marL="7620" marR="7620" marT="7620" marB="0" anchor="b">
+                    <a:lnL>
+                      <a:noFill/>
+                    </a:lnL>
+                    <a:lnR>
+                      <a:noFill/>
+                    </a:lnR>
+                    <a:lnT>
+                      <a:noFill/>
+                    </a:lnT>
+                    <a:lnB>
+                      <a:noFill/>
+                    </a:lnB>
+                    <a:noFill/>
+                  </a:tcPr>
+                </a:tc>
+                <a:extLst>
+                  <a:ext uri="{0D108BD9-81ED-4DB2-BD59-A6C34878D82A}">
+                    <a16:rowId xmlns:a16="http://schemas.microsoft.com/office/drawing/2014/main" val="1488459655"/>
+                  </a:ext>
+                </a:extLst>
+              </a:tr>
+              <a:tr h="379531">
+                <a:tc>
+                  <a:txBody>
+                    <a:bodyPr/>
+                    <a:lstStyle/>
+                    <a:p>
+                      <a:pPr algn="l" fontAlgn="b"/>
+                      <a:r>
+                        <a:rPr lang="en-US" sz="2400" b="0" i="0" u="none" strike="noStrike">
+                          <a:solidFill>
+                            <a:srgbClr val="000000"/>
+                          </a:solidFill>
+                          <a:effectLst/>
+                          <a:latin typeface="Aptos Narrow" panose="020B0004020202020204" pitchFamily="34" charset="0"/>
+                        </a:rPr>
+                        <a:t>GovernmentMilitarySpending</a:t>
+                      </a:r>
+                    </a:p>
+                  </a:txBody>
+                  <a:tcPr marL="7620" marR="7620" marT="7620" marB="0" anchor="b">
+                    <a:lnL>
+                      <a:noFill/>
+                    </a:lnL>
+                    <a:lnR>
+                      <a:noFill/>
+                    </a:lnR>
+                    <a:lnT>
+                      <a:noFill/>
+                    </a:lnT>
+                    <a:lnB>
+                      <a:noFill/>
+                    </a:lnB>
+                    <a:solidFill>
+                      <a:srgbClr val="C1F0C8"/>
+                    </a:solidFill>
+                  </a:tcPr>
+                </a:tc>
+                <a:tc>
+                  <a:txBody>
+                    <a:bodyPr/>
+                    <a:lstStyle/>
+                    <a:p>
+                      <a:pPr algn="r" fontAlgn="b"/>
+                      <a:r>
+                        <a:rPr lang="en-US" sz="2400" b="0" i="0" u="none" strike="noStrike">
+                          <a:solidFill>
+                            <a:srgbClr val="000000"/>
+                          </a:solidFill>
+                          <a:effectLst/>
+                          <a:latin typeface="Aptos Narrow" panose="020B0004020202020204" pitchFamily="34" charset="0"/>
+                        </a:rPr>
+                        <a:t>2.484512</a:t>
+                      </a:r>
+                    </a:p>
+                  </a:txBody>
+                  <a:tcPr marL="7620" marR="7620" marT="7620" marB="0" anchor="b">
+                    <a:lnL>
+                      <a:noFill/>
+                    </a:lnL>
+                    <a:lnR>
+                      <a:noFill/>
+                    </a:lnR>
+                    <a:lnT>
+                      <a:noFill/>
+                    </a:lnT>
+                    <a:lnB>
+                      <a:noFill/>
+                    </a:lnB>
+                    <a:solidFill>
+                      <a:srgbClr val="C1F0C8"/>
+                    </a:solidFill>
+                  </a:tcPr>
+                </a:tc>
+                <a:tc>
+                  <a:txBody>
+                    <a:bodyPr/>
+                    <a:lstStyle/>
+                    <a:p>
+                      <a:pPr algn="r" fontAlgn="b"/>
+                      <a:r>
+                        <a:rPr lang="en-US" sz="2400" b="0" i="0" u="none" strike="noStrike">
+                          <a:solidFill>
+                            <a:srgbClr val="000000"/>
+                          </a:solidFill>
+                          <a:effectLst/>
+                          <a:latin typeface="Aptos Narrow" panose="020B0004020202020204" pitchFamily="34" charset="0"/>
+                        </a:rPr>
+                        <a:t>0.014115</a:t>
+                      </a:r>
+                    </a:p>
+                  </a:txBody>
+                  <a:tcPr marL="7620" marR="7620" marT="7620" marB="0" anchor="b">
+                    <a:lnL>
+                      <a:noFill/>
+                    </a:lnL>
+                    <a:lnR>
+                      <a:noFill/>
+                    </a:lnR>
+                    <a:lnT>
+                      <a:noFill/>
+                    </a:lnT>
+                    <a:lnB>
+                      <a:noFill/>
+                    </a:lnB>
+                    <a:solidFill>
+                      <a:srgbClr val="C1F0C8"/>
+                    </a:solidFill>
+                  </a:tcPr>
+                </a:tc>
+                <a:extLst>
+                  <a:ext uri="{0D108BD9-81ED-4DB2-BD59-A6C34878D82A}">
+                    <a16:rowId xmlns:a16="http://schemas.microsoft.com/office/drawing/2014/main" val="3482841408"/>
+                  </a:ext>
+                </a:extLst>
+              </a:tr>
+            </a:tbl>
+          </a:graphicData>
+        </a:graphic>
+      </p:graphicFrame>
     </p:spTree>
     <p:extLst>
       <p:ext uri="{BB962C8B-B14F-4D97-AF65-F5344CB8AC3E}">
@@ -17943,8 +20382,8 @@
         </p:nvSpPr>
         <p:spPr>
           <a:xfrm>
-            <a:off x="3901440" y="570155"/>
-            <a:ext cx="4389120" cy="861774"/>
+            <a:off x="844699" y="723652"/>
+            <a:ext cx="10843260" cy="861774"/>
           </a:xfrm>
           <a:prstGeom prst="rect">
             <a:avLst/>
@@ -17968,7 +20407,7 @@
                 <a:ea typeface="Times New Roman" panose="02020603050405020304" pitchFamily="18" charset="0"/>
                 <a:cs typeface="Times New Roman" panose="02020603050405020304" pitchFamily="18" charset="0"/>
               </a:rPr>
-              <a:t>Conclusion</a:t>
+              <a:t>Beyond the Data: Addressing Key Research Limitations</a:t>
             </a:r>
             <a:endParaRPr lang="en-US" sz="1800" kern="100">
               <a:solidFill>
@@ -17998,8 +20437,8 @@
         </p:nvSpPr>
         <p:spPr>
           <a:xfrm>
-            <a:off x="1301675" y="1733143"/>
-            <a:ext cx="9929308" cy="3970318"/>
+            <a:off x="1301675" y="2136338"/>
+            <a:ext cx="9929308" cy="2585323"/>
           </a:xfrm>
           <a:prstGeom prst="rect">
             <a:avLst/>
@@ -18012,45 +20451,47 @@
           </a:bodyPr>
           <a:lstStyle/>
           <a:p>
+            <a:pPr marL="285750" indent="-285750">
+              <a:buFont typeface="Arial" panose="020B0604020202020204" pitchFamily="34" charset="0"/>
+              <a:buChar char="•"/>
+            </a:pPr>
             <a:r>
               <a:rPr lang="en-US"/>
-              <a:t>• Descriptive analytics were conducted to analyze the economic indicators, including GDP, GDP growth, foreign investment, inflation rate, and government spending. </a:t>
-            </a:r>
-          </a:p>
-          <a:p>
+              <a:t>Missing values issue: The World Bank database had significant gaps for data from 2021 to 2023, particularly for the last year.</a:t>
+            </a:r>
+          </a:p>
+          <a:p>
+            <a:pPr marL="285750" indent="-285750">
+              <a:buFont typeface="Arial" panose="020B0604020202020204" pitchFamily="34" charset="0"/>
+              <a:buChar char="•"/>
+            </a:pPr>
             <a:endParaRPr lang="en-US"/>
           </a:p>
           <a:p>
+            <a:pPr marL="285750" indent="-285750">
+              <a:buFont typeface="Arial" panose="020B0604020202020204" pitchFamily="34" charset="0"/>
+              <a:buChar char="•"/>
+            </a:pPr>
             <a:r>
               <a:rPr lang="en-US"/>
-              <a:t>• Predictive analytics models, such as XGBoost and Random Forest, achieved predictive accuracies of 84.5% and 83.6%, respectively. </a:t>
-            </a:r>
-          </a:p>
-          <a:p>
+              <a:t>Indicator exclusion: Many fields with more than 25% missing values were excluded, including important economic indicators like government debt.</a:t>
+            </a:r>
+          </a:p>
+          <a:p>
+            <a:pPr marL="285750" indent="-285750">
+              <a:buFont typeface="Arial" panose="020B0604020202020204" pitchFamily="34" charset="0"/>
+              <a:buChar char="•"/>
+            </a:pPr>
             <a:endParaRPr lang="en-US"/>
           </a:p>
           <a:p>
+            <a:pPr marL="285750" indent="-285750">
+              <a:buFont typeface="Arial" panose="020B0604020202020204" pitchFamily="34" charset="0"/>
+              <a:buChar char="•"/>
+            </a:pPr>
             <a:r>
               <a:rPr lang="en-US"/>
-              <a:t>• Foreign direct investment emerged as a significant determinant of high-income classification. </a:t>
-            </a:r>
-          </a:p>
-          <a:p>
-            <a:endParaRPr lang="en-US"/>
-          </a:p>
-          <a:p>
-            <a:r>
-              <a:rPr lang="en-US"/>
-              <a:t>• High-income countries demonstrated stable inflation rates and robust investment flows, emphasizing the importance of macroeconomic stability. </a:t>
-            </a:r>
-          </a:p>
-          <a:p>
-            <a:endParaRPr lang="en-US"/>
-          </a:p>
-          <a:p>
-            <a:r>
-              <a:rPr lang="en-US"/>
-              <a:t>• Future research should address the limitations of missing World Bank data (2021–2023) and expand datasets to include granular indicators like employment levels, labor productivity, and sector-specific investment flows.</a:t>
+              <a:t>Dataset reduction: During the data cleaning process, the number of rows was reduced from 651 to 366 due to the high number of missing values, which could have impacted model performance since smaller datasets may hinder predictive accuracy.</a:t>
             </a:r>
             <a:endParaRPr lang="en-US" sz="3200"/>
           </a:p>
@@ -18318,6 +20759,169 @@
     <p:extLst>
       <p:ext uri="{BB962C8B-B14F-4D97-AF65-F5344CB8AC3E}">
         <p14:creationId xmlns:p14="http://schemas.microsoft.com/office/powerpoint/2010/main" val="3374577985"/>
+      </p:ext>
+    </p:extLst>
+  </p:cSld>
+  <p:clrMapOvr>
+    <a:overrideClrMapping bg1="lt1" tx1="dk1" bg2="lt2" tx2="dk2" accent1="accent1" accent2="accent2" accent3="accent3" accent4="accent4" accent5="accent5" accent6="accent6" hlink="hlink" folHlink="folHlink"/>
+  </p:clrMapOvr>
+</p:sld>
+</file>
+
+<file path=ppt/slides/slide20.xml><?xml version="1.0" encoding="utf-8"?>
+<p:sld xmlns:a="http://schemas.openxmlformats.org/drawingml/2006/main" xmlns:r="http://schemas.openxmlformats.org/officeDocument/2006/relationships" xmlns:p="http://schemas.openxmlformats.org/presentationml/2006/main">
+  <p:cSld>
+    <p:spTree>
+      <p:nvGrpSpPr>
+        <p:cNvPr id="1" name="">
+          <a:extLst>
+            <a:ext uri="{FF2B5EF4-FFF2-40B4-BE49-F238E27FC236}">
+              <a16:creationId xmlns:a16="http://schemas.microsoft.com/office/drawing/2014/main" id="{3C11513D-345D-907E-C2DD-018740FA82DD}"/>
+            </a:ext>
+          </a:extLst>
+        </p:cNvPr>
+        <p:cNvGrpSpPr/>
+        <p:nvPr/>
+      </p:nvGrpSpPr>
+      <p:grpSpPr>
+        <a:xfrm>
+          <a:off x="0" y="0"/>
+          <a:ext cx="0" cy="0"/>
+          <a:chOff x="0" y="0"/>
+          <a:chExt cx="0" cy="0"/>
+        </a:xfrm>
+      </p:grpSpPr>
+      <p:sp>
+        <p:nvSpPr>
+          <p:cNvPr id="2" name="TextBox 1">
+            <a:extLst>
+              <a:ext uri="{FF2B5EF4-FFF2-40B4-BE49-F238E27FC236}">
+                <a16:creationId xmlns:a16="http://schemas.microsoft.com/office/drawing/2014/main" id="{0E9ECED9-5ECC-07E3-891A-2C2FFD5F8A2A}"/>
+              </a:ext>
+            </a:extLst>
+          </p:cNvPr>
+          <p:cNvSpPr txBox="1"/>
+          <p:nvPr/>
+        </p:nvSpPr>
+        <p:spPr>
+          <a:xfrm>
+            <a:off x="3901440" y="570155"/>
+            <a:ext cx="4389120" cy="861774"/>
+          </a:xfrm>
+          <a:prstGeom prst="rect">
+            <a:avLst/>
+          </a:prstGeom>
+          <a:noFill/>
+        </p:spPr>
+        <p:txBody>
+          <a:bodyPr wrap="square" rtlCol="0">
+            <a:spAutoFit/>
+          </a:bodyPr>
+          <a:lstStyle/>
+          <a:p>
+            <a:pPr algn="ctr"/>
+            <a:r>
+              <a:rPr lang="en-US" sz="3200" kern="100">
+                <a:solidFill>
+                  <a:srgbClr val="000000"/>
+                </a:solidFill>
+                <a:effectLst/>
+                <a:latin typeface="Times New Roman" panose="02020603050405020304" pitchFamily="18" charset="0"/>
+                <a:ea typeface="Times New Roman" panose="02020603050405020304" pitchFamily="18" charset="0"/>
+                <a:cs typeface="Times New Roman" panose="02020603050405020304" pitchFamily="18" charset="0"/>
+              </a:rPr>
+              <a:t>Conclusion</a:t>
+            </a:r>
+            <a:endParaRPr lang="en-US" sz="1800" kern="100">
+              <a:solidFill>
+                <a:srgbClr val="000000"/>
+              </a:solidFill>
+              <a:effectLst/>
+              <a:latin typeface="Times New Roman" panose="02020603050405020304" pitchFamily="18" charset="0"/>
+              <a:ea typeface="Times New Roman" panose="02020603050405020304" pitchFamily="18" charset="0"/>
+            </a:endParaRPr>
+          </a:p>
+          <a:p>
+            <a:endParaRPr lang="en-US"/>
+          </a:p>
+        </p:txBody>
+      </p:sp>
+      <p:sp>
+        <p:nvSpPr>
+          <p:cNvPr id="4" name="TextBox 3">
+            <a:extLst>
+              <a:ext uri="{FF2B5EF4-FFF2-40B4-BE49-F238E27FC236}">
+                <a16:creationId xmlns:a16="http://schemas.microsoft.com/office/drawing/2014/main" id="{E0B8BA47-65B6-31A6-EF76-F228D76C9312}"/>
+              </a:ext>
+            </a:extLst>
+          </p:cNvPr>
+          <p:cNvSpPr txBox="1"/>
+          <p:nvPr/>
+        </p:nvSpPr>
+        <p:spPr>
+          <a:xfrm>
+            <a:off x="1301675" y="1733143"/>
+            <a:ext cx="9929308" cy="3970318"/>
+          </a:xfrm>
+          <a:prstGeom prst="rect">
+            <a:avLst/>
+          </a:prstGeom>
+          <a:noFill/>
+        </p:spPr>
+        <p:txBody>
+          <a:bodyPr wrap="square">
+            <a:spAutoFit/>
+          </a:bodyPr>
+          <a:lstStyle/>
+          <a:p>
+            <a:r>
+              <a:rPr lang="en-US"/>
+              <a:t>• Descriptive analytics were conducted to analyze the economic indicators, including GDP, GDP growth, foreign investment, inflation rate, and government spending. </a:t>
+            </a:r>
+          </a:p>
+          <a:p>
+            <a:endParaRPr lang="en-US"/>
+          </a:p>
+          <a:p>
+            <a:r>
+              <a:rPr lang="en-US"/>
+              <a:t>• Predictive analytics models, such as XGBoost and Random Forest, achieved predictive accuracies of 84.5% and 83.6%, respectively. </a:t>
+            </a:r>
+          </a:p>
+          <a:p>
+            <a:endParaRPr lang="en-US"/>
+          </a:p>
+          <a:p>
+            <a:r>
+              <a:rPr lang="en-US"/>
+              <a:t>• Foreign direct investment emerged as a significant determinant of high-income classification. </a:t>
+            </a:r>
+          </a:p>
+          <a:p>
+            <a:endParaRPr lang="en-US"/>
+          </a:p>
+          <a:p>
+            <a:r>
+              <a:rPr lang="en-US"/>
+              <a:t>• High-income countries demonstrated stable inflation rates and robust investment flows, emphasizing the importance of macroeconomic stability. </a:t>
+            </a:r>
+          </a:p>
+          <a:p>
+            <a:endParaRPr lang="en-US"/>
+          </a:p>
+          <a:p>
+            <a:r>
+              <a:rPr lang="en-US"/>
+              <a:t>• Future research should address the limitations of missing World Bank data (2021–2023) and expand datasets to include granular indicators like employment levels, labor productivity, and sector-specific investment flows.</a:t>
+            </a:r>
+            <a:endParaRPr lang="en-US" sz="3200"/>
+          </a:p>
+        </p:txBody>
+      </p:sp>
+    </p:spTree>
+    <p:extLst>
+      <p:ext uri="{BB962C8B-B14F-4D97-AF65-F5344CB8AC3E}">
+        <p14:creationId xmlns:p14="http://schemas.microsoft.com/office/powerpoint/2010/main" val="3490910208"/>
       </p:ext>
     </p:extLst>
   </p:cSld>
